--- a/Prometheus_meetup_slide.pptx
+++ b/Prometheus_meetup_slide.pptx
@@ -5,7 +5,7 @@
     <p:sldMasterId id="2147483648" r:id="rId1"/>
   </p:sldMasterIdLst>
   <p:notesMasterIdLst>
-    <p:notesMasterId r:id="rId26"/>
+    <p:notesMasterId r:id="rId27"/>
   </p:notesMasterIdLst>
   <p:sldIdLst>
     <p:sldId id="256" r:id="rId2"/>
@@ -25,13 +25,14 @@
     <p:sldId id="280" r:id="rId16"/>
     <p:sldId id="281" r:id="rId17"/>
     <p:sldId id="282" r:id="rId18"/>
-    <p:sldId id="287" r:id="rId19"/>
-    <p:sldId id="288" r:id="rId20"/>
-    <p:sldId id="286" r:id="rId21"/>
-    <p:sldId id="285" r:id="rId22"/>
-    <p:sldId id="284" r:id="rId23"/>
-    <p:sldId id="283" r:id="rId24"/>
-    <p:sldId id="291" r:id="rId25"/>
+    <p:sldId id="293" r:id="rId19"/>
+    <p:sldId id="287" r:id="rId20"/>
+    <p:sldId id="288" r:id="rId21"/>
+    <p:sldId id="286" r:id="rId22"/>
+    <p:sldId id="285" r:id="rId23"/>
+    <p:sldId id="284" r:id="rId24"/>
+    <p:sldId id="283" r:id="rId25"/>
+    <p:sldId id="291" r:id="rId26"/>
   </p:sldIdLst>
   <p:sldSz cx="10080625" cy="7559675"/>
   <p:notesSz cx="7559675" cy="10691813"/>
@@ -1054,6 +1055,21 @@
               <a:rPr kumimoji="1" lang="ja-JP" altLang="en-US" dirty="0"/>
               <a:t>がちょっと使いづらいから、ですね。</a:t>
             </a:r>
+            <a:endParaRPr kumimoji="1" lang="en-US" altLang="ja-JP" dirty="0"/>
+          </a:p>
+          <a:p>
+            <a:r>
+              <a:rPr kumimoji="1" lang="ja-JP" altLang="en-US" dirty="0"/>
+              <a:t>忘れてはいけないのが</a:t>
+            </a:r>
+            <a:r>
+              <a:rPr kumimoji="1" lang="en-US" altLang="ja-JP" dirty="0"/>
+              <a:t>Issue</a:t>
+            </a:r>
+            <a:r>
+              <a:rPr kumimoji="1" lang="ja-JP" altLang="en-US" dirty="0"/>
+              <a:t>チケットがあったから、というのもあります。</a:t>
+            </a:r>
           </a:p>
         </p:txBody>
       </p:sp>
@@ -1611,40 +1627,109 @@
           <a:bodyPr/>
           <a:lstStyle/>
           <a:p>
-            <a:pPr marL="0" marR="0" lvl="0" indent="0" algn="l" defTabSz="914400" rtl="0" eaLnBrk="1" fontAlgn="auto" latinLnBrk="0" hangingPunct="1">
-              <a:lnSpc>
-                <a:spcPct val="100000"/>
-              </a:lnSpc>
-              <a:spcBef>
-                <a:spcPts val="0"/>
-              </a:spcBef>
-              <a:spcAft>
-                <a:spcPts val="0"/>
-              </a:spcAft>
-              <a:buClrTx/>
-              <a:buSzTx/>
-              <a:buFontTx/>
-              <a:buNone/>
-              <a:tabLst/>
-              <a:defRPr/>
-            </a:pPr>
-            <a:r>
-              <a:rPr kumimoji="1" lang="en-US" altLang="ja-JP" sz="1200" dirty="0">
-                <a:hlinkClick r:id="rId3"/>
-              </a:rPr>
-              <a:t>Grafana/Loki#1454</a:t>
-            </a:r>
-            <a:r>
-              <a:rPr kumimoji="1" lang="ja-JP" altLang="en-US" dirty="0"/>
-              <a:t>にてフィードバック。こちらも</a:t>
-            </a:r>
             <a:r>
               <a:rPr kumimoji="1" lang="en-US" altLang="ja-JP" dirty="0"/>
-              <a:t>Pull request</a:t>
-            </a:r>
-            <a:r>
-              <a:rPr kumimoji="1" lang="ja-JP" altLang="en-US" dirty="0"/>
-              <a:t>のテンプレートに沿った形式で提出。</a:t>
+              <a:t>OSS</a:t>
+            </a:r>
+            <a:r>
+              <a:rPr kumimoji="1" lang="ja-JP" altLang="en-US" dirty="0"/>
+              <a:t>にフィードバックする作法を軽く解説します。</a:t>
+            </a:r>
+            <a:endParaRPr kumimoji="1" lang="en-US" altLang="ja-JP" dirty="0"/>
+          </a:p>
+          <a:p>
+            <a:r>
+              <a:rPr kumimoji="1" lang="ja-JP" altLang="en-US" dirty="0"/>
+              <a:t>主に気を付けることは３つあります。</a:t>
+            </a:r>
+            <a:endParaRPr kumimoji="1" lang="en-US" altLang="ja-JP" dirty="0"/>
+          </a:p>
+          <a:p>
+            <a:r>
+              <a:rPr kumimoji="1" lang="en-US" altLang="ja-JP" dirty="0"/>
+              <a:t>1</a:t>
+            </a:r>
+            <a:r>
+              <a:rPr kumimoji="1" lang="ja-JP" altLang="en-US" dirty="0"/>
+              <a:t>つ目は、はっきりとした動機を書く必要があります。なぜ必要か？既存の機能で要求を達成できない理由、この</a:t>
+            </a:r>
+            <a:r>
+              <a:rPr kumimoji="1" lang="en-US" altLang="ja-JP" dirty="0"/>
+              <a:t>PR</a:t>
+            </a:r>
+            <a:r>
+              <a:rPr kumimoji="1" lang="ja-JP" altLang="en-US" dirty="0"/>
+              <a:t>では何がしたいかを書きます。</a:t>
+            </a:r>
+            <a:endParaRPr kumimoji="1" lang="en-US" altLang="ja-JP" dirty="0"/>
+          </a:p>
+          <a:p>
+            <a:r>
+              <a:rPr kumimoji="1" lang="en-US" altLang="ja-JP" dirty="0"/>
+              <a:t>2</a:t>
+            </a:r>
+            <a:r>
+              <a:rPr kumimoji="1" lang="ja-JP" altLang="en-US" dirty="0"/>
+              <a:t>つ目は、修正する</a:t>
+            </a:r>
+            <a:r>
+              <a:rPr kumimoji="1" lang="en-US" altLang="ja-JP" dirty="0"/>
+              <a:t>Issue</a:t>
+            </a:r>
+            <a:r>
+              <a:rPr kumimoji="1" lang="ja-JP" altLang="en-US" dirty="0"/>
+              <a:t>チケット番号を書きます。ある程度大きな機能であれば</a:t>
+            </a:r>
+            <a:r>
+              <a:rPr kumimoji="1" lang="en-US" altLang="ja-JP" dirty="0"/>
+              <a:t>PR</a:t>
+            </a:r>
+            <a:r>
+              <a:rPr kumimoji="1" lang="ja-JP" altLang="en-US" dirty="0"/>
+              <a:t>を単発で出すのではなく、事前に</a:t>
+            </a:r>
+            <a:r>
+              <a:rPr kumimoji="1" lang="en-US" altLang="ja-JP" dirty="0"/>
+              <a:t>Issue</a:t>
+            </a:r>
+            <a:r>
+              <a:rPr kumimoji="1" lang="ja-JP" altLang="en-US" dirty="0"/>
+              <a:t>チケットで方針を議論した方がレビュアーにやさしいです。</a:t>
+            </a:r>
+            <a:endParaRPr kumimoji="1" lang="en-US" altLang="ja-JP" dirty="0"/>
+          </a:p>
+          <a:p>
+            <a:r>
+              <a:rPr kumimoji="1" lang="en-US" altLang="ja-JP" dirty="0"/>
+              <a:t>3</a:t>
+            </a:r>
+            <a:r>
+              <a:rPr kumimoji="1" lang="ja-JP" altLang="en-US" dirty="0"/>
+              <a:t>つ目は、</a:t>
+            </a:r>
+            <a:r>
+              <a:rPr kumimoji="1" lang="en-US" altLang="ja-JP" dirty="0"/>
+              <a:t>Issue</a:t>
+            </a:r>
+            <a:r>
+              <a:rPr kumimoji="1" lang="ja-JP" altLang="en-US" dirty="0"/>
+              <a:t>チケットや</a:t>
+            </a:r>
+            <a:r>
+              <a:rPr kumimoji="1" lang="en-US" altLang="ja-JP" dirty="0"/>
+              <a:t>Pull</a:t>
+            </a:r>
+            <a:r>
+              <a:rPr kumimoji="1" lang="ja-JP" altLang="en-US" dirty="0"/>
+              <a:t> </a:t>
+            </a:r>
+            <a:r>
+              <a:rPr kumimoji="1" lang="en-US" altLang="ja-JP" dirty="0"/>
+              <a:t>request</a:t>
+            </a:r>
+            <a:r>
+              <a:rPr kumimoji="1" lang="ja-JP" altLang="en-US" dirty="0"/>
+              <a:t>テンプレート内のチェックリストは忘れずにチェックして埋めましょう。</a:t>
             </a:r>
           </a:p>
         </p:txBody>
@@ -1675,7 +1760,7 @@
     </p:spTree>
     <p:extLst>
       <p:ext uri="{BB962C8B-B14F-4D97-AF65-F5344CB8AC3E}">
-        <p14:creationId xmlns:p14="http://schemas.microsoft.com/office/powerpoint/2010/main" val="3793717061"/>
+        <p14:creationId xmlns:p14="http://schemas.microsoft.com/office/powerpoint/2010/main" val="1071920398"/>
       </p:ext>
     </p:extLst>
   </p:cSld>
@@ -1729,25 +1814,40 @@
           <a:bodyPr/>
           <a:lstStyle/>
           <a:p>
-            <a:r>
-              <a:rPr kumimoji="1" lang="ja-JP" altLang="en-US" dirty="0"/>
-              <a:t>結果的には別の</a:t>
+            <a:pPr marL="0" marR="0" lvl="0" indent="0" algn="l" defTabSz="914400" rtl="0" eaLnBrk="1" fontAlgn="auto" latinLnBrk="0" hangingPunct="1">
+              <a:lnSpc>
+                <a:spcPct val="100000"/>
+              </a:lnSpc>
+              <a:spcBef>
+                <a:spcPts val="0"/>
+              </a:spcBef>
+              <a:spcAft>
+                <a:spcPts val="0"/>
+              </a:spcAft>
+              <a:buClrTx/>
+              <a:buSzTx/>
+              <a:buFontTx/>
+              <a:buNone/>
+              <a:tabLst/>
+              <a:defRPr/>
+            </a:pPr>
+            <a:r>
+              <a:rPr kumimoji="1" lang="en-US" altLang="ja-JP" sz="1200" dirty="0">
+                <a:hlinkClick r:id="rId3"/>
+              </a:rPr>
+              <a:t>Grafana/Loki#1454</a:t>
+            </a:r>
+            <a:r>
+              <a:rPr kumimoji="1" lang="ja-JP" altLang="en-US" dirty="0"/>
+              <a:t>にてフィードバック。こちらも</a:t>
             </a:r>
             <a:r>
               <a:rPr kumimoji="1" lang="en-US" altLang="ja-JP" dirty="0"/>
-              <a:t>Pull</a:t>
-            </a:r>
-            <a:r>
-              <a:rPr kumimoji="1" lang="ja-JP" altLang="en-US" dirty="0"/>
-              <a:t> </a:t>
-            </a:r>
-            <a:r>
-              <a:rPr kumimoji="1" lang="en-US" altLang="ja-JP" dirty="0"/>
-              <a:t>request</a:t>
-            </a:r>
-            <a:r>
-              <a:rPr kumimoji="1" lang="ja-JP" altLang="en-US" dirty="0"/>
-              <a:t>の送信者にアイディアを取り入れてもらって開発元にマージされました。</a:t>
+              <a:t>Pull request</a:t>
+            </a:r>
+            <a:r>
+              <a:rPr kumimoji="1" lang="ja-JP" altLang="en-US" dirty="0"/>
+              <a:t>のテンプレートに沿った形式で提出。</a:t>
             </a:r>
           </a:p>
         </p:txBody>
@@ -1778,7 +1878,7 @@
     </p:spTree>
     <p:extLst>
       <p:ext uri="{BB962C8B-B14F-4D97-AF65-F5344CB8AC3E}">
-        <p14:creationId xmlns:p14="http://schemas.microsoft.com/office/powerpoint/2010/main" val="3356321436"/>
+        <p14:creationId xmlns:p14="http://schemas.microsoft.com/office/powerpoint/2010/main" val="3793717061"/>
       </p:ext>
     </p:extLst>
   </p:cSld>
@@ -1833,59 +1933,24 @@
           <a:lstStyle/>
           <a:p>
             <a:r>
-              <a:rPr kumimoji="1" lang="en-US" altLang="ja-JP" dirty="0" err="1"/>
-              <a:t>FluentBit</a:t>
-            </a:r>
-            <a:r>
-              <a:rPr kumimoji="1" lang="ja-JP" altLang="en-US" dirty="0"/>
-              <a:t>の設定ファイルは</a:t>
+              <a:rPr kumimoji="1" lang="ja-JP" altLang="en-US" dirty="0"/>
+              <a:t>結果的には別の</a:t>
             </a:r>
             <a:r>
               <a:rPr kumimoji="1" lang="en-US" altLang="ja-JP" dirty="0"/>
-              <a:t>INI</a:t>
-            </a:r>
-            <a:r>
-              <a:rPr kumimoji="1" lang="ja-JP" altLang="en-US" dirty="0"/>
-              <a:t>形式になっています。</a:t>
-            </a:r>
-            <a:endParaRPr kumimoji="1" lang="en-US" altLang="ja-JP" dirty="0"/>
-          </a:p>
-          <a:p>
-            <a:r>
-              <a:rPr kumimoji="1" lang="ja-JP" altLang="en-US" dirty="0"/>
-              <a:t>例えば、このスライドにある設定では、</a:t>
+              <a:t>Pull</a:t>
+            </a:r>
+            <a:r>
+              <a:rPr kumimoji="1" lang="ja-JP" altLang="en-US" dirty="0"/>
+              <a:t> </a:t>
             </a:r>
             <a:r>
               <a:rPr kumimoji="1" lang="en-US" altLang="ja-JP" dirty="0"/>
-              <a:t>CPU</a:t>
-            </a:r>
-            <a:r>
-              <a:rPr kumimoji="1" lang="ja-JP" altLang="en-US" dirty="0"/>
-              <a:t>のインプットプラグインを使って</a:t>
-            </a:r>
-            <a:r>
-              <a:rPr kumimoji="1" lang="en-US" altLang="ja-JP" dirty="0"/>
-              <a:t>Loki</a:t>
-            </a:r>
-            <a:r>
-              <a:rPr kumimoji="1" lang="ja-JP" altLang="en-US" dirty="0"/>
-              <a:t>のアウトプットに</a:t>
-            </a:r>
-            <a:r>
-              <a:rPr kumimoji="1" lang="en-US" altLang="ja-JP" dirty="0" err="1"/>
-              <a:t>FluentBit</a:t>
-            </a:r>
-            <a:r>
-              <a:rPr kumimoji="1" lang="ja-JP" altLang="en-US" dirty="0"/>
-              <a:t>の取得した</a:t>
-            </a:r>
-            <a:r>
-              <a:rPr kumimoji="1" lang="en-US" altLang="ja-JP" dirty="0"/>
-              <a:t>CPU</a:t>
-            </a:r>
-            <a:r>
-              <a:rPr kumimoji="1" lang="ja-JP" altLang="en-US" dirty="0"/>
-              <a:t>使用率を含むイベントを送信します。</a:t>
+              <a:t>request</a:t>
+            </a:r>
+            <a:r>
+              <a:rPr kumimoji="1" lang="ja-JP" altLang="en-US" dirty="0"/>
+              <a:t>の送信者にアイディアを取り入れてもらって開発元にマージされました。</a:t>
             </a:r>
           </a:p>
         </p:txBody>
@@ -1916,7 +1981,7 @@
     </p:spTree>
     <p:extLst>
       <p:ext uri="{BB962C8B-B14F-4D97-AF65-F5344CB8AC3E}">
-        <p14:creationId xmlns:p14="http://schemas.microsoft.com/office/powerpoint/2010/main" val="283330706"/>
+        <p14:creationId xmlns:p14="http://schemas.microsoft.com/office/powerpoint/2010/main" val="3356321436"/>
       </p:ext>
     </p:extLst>
   </p:cSld>
@@ -2132,12 +2197,35 @@
           <a:lstStyle/>
           <a:p>
             <a:r>
+              <a:rPr kumimoji="1" lang="en-US" altLang="ja-JP" dirty="0" err="1"/>
+              <a:t>FluentBit</a:t>
+            </a:r>
+            <a:r>
+              <a:rPr kumimoji="1" lang="ja-JP" altLang="en-US" dirty="0"/>
+              <a:t>の設定ファイルは</a:t>
+            </a:r>
+            <a:r>
               <a:rPr kumimoji="1" lang="en-US" altLang="ja-JP" dirty="0"/>
-              <a:t>fluent-bit</a:t>
-            </a:r>
-            <a:r>
-              <a:rPr kumimoji="1" lang="ja-JP" altLang="en-US" dirty="0"/>
-              <a:t>の</a:t>
+              <a:t>INI</a:t>
+            </a:r>
+            <a:r>
+              <a:rPr kumimoji="1" lang="ja-JP" altLang="en-US" dirty="0"/>
+              <a:t>形式になっています。</a:t>
+            </a:r>
+            <a:endParaRPr kumimoji="1" lang="en-US" altLang="ja-JP" dirty="0"/>
+          </a:p>
+          <a:p>
+            <a:r>
+              <a:rPr kumimoji="1" lang="ja-JP" altLang="en-US" dirty="0"/>
+              <a:t>例えば、このスライドにある設定では、</a:t>
+            </a:r>
+            <a:r>
+              <a:rPr kumimoji="1" lang="en-US" altLang="ja-JP" dirty="0"/>
+              <a:t>CPU</a:t>
+            </a:r>
+            <a:r>
+              <a:rPr kumimoji="1" lang="ja-JP" altLang="en-US" dirty="0"/>
+              <a:t>のインプットプラグインを使って</a:t>
             </a:r>
             <a:r>
               <a:rPr kumimoji="1" lang="en-US" altLang="ja-JP" dirty="0"/>
@@ -2145,27 +2233,24 @@
             </a:r>
             <a:r>
               <a:rPr kumimoji="1" lang="ja-JP" altLang="en-US" dirty="0"/>
-              <a:t>プラグインは共有ライブラリとしてビルドし、</a:t>
+              <a:t>のアウトプットに</a:t>
+            </a:r>
+            <a:r>
+              <a:rPr kumimoji="1" lang="en-US" altLang="ja-JP" dirty="0" err="1"/>
+              <a:t>FluentBit</a:t>
+            </a:r>
+            <a:r>
+              <a:rPr kumimoji="1" lang="ja-JP" altLang="en-US" dirty="0"/>
+              <a:t>の取得した</a:t>
             </a:r>
             <a:r>
               <a:rPr kumimoji="1" lang="en-US" altLang="ja-JP" dirty="0"/>
-              <a:t>fluent-bit</a:t>
-            </a:r>
-            <a:r>
-              <a:rPr kumimoji="1" lang="ja-JP" altLang="en-US" dirty="0"/>
-              <a:t>の読み込みパスに追加して起動します。</a:t>
-            </a:r>
-            <a:endParaRPr kumimoji="1" lang="en-US" altLang="ja-JP" dirty="0"/>
-          </a:p>
-          <a:p>
-            <a:r>
-              <a:rPr kumimoji="1" lang="ja-JP" altLang="en-US" dirty="0"/>
-              <a:t>共有ライブラリを通常実行ファイルが読み込みに行く位置に配置しておくのも良いです。</a:t>
-            </a:r>
-            <a:endParaRPr kumimoji="1" lang="en-US" altLang="ja-JP" dirty="0"/>
-          </a:p>
-          <a:p>
-            <a:endParaRPr kumimoji="1" lang="ja-JP" altLang="en-US" dirty="0"/>
+              <a:t>CPU</a:t>
+            </a:r>
+            <a:r>
+              <a:rPr kumimoji="1" lang="ja-JP" altLang="en-US" dirty="0"/>
+              <a:t>使用率を含むイベントを送信します。</a:t>
+            </a:r>
           </a:p>
         </p:txBody>
       </p:sp>
@@ -2195,7 +2280,7 @@
     </p:spTree>
     <p:extLst>
       <p:ext uri="{BB962C8B-B14F-4D97-AF65-F5344CB8AC3E}">
-        <p14:creationId xmlns:p14="http://schemas.microsoft.com/office/powerpoint/2010/main" val="1551893730"/>
+        <p14:creationId xmlns:p14="http://schemas.microsoft.com/office/powerpoint/2010/main" val="283330706"/>
       </p:ext>
     </p:extLst>
   </p:cSld>
@@ -2250,32 +2335,12 @@
           <a:lstStyle/>
           <a:p>
             <a:r>
-              <a:rPr kumimoji="1" lang="ja-JP" altLang="en-US" dirty="0"/>
-              <a:t>前のスライドの設定を</a:t>
-            </a:r>
-            <a:r>
-              <a:rPr kumimoji="1" lang="en-US" altLang="ja-JP" dirty="0"/>
-              <a:t>Fluent-bit</a:t>
-            </a:r>
-            <a:r>
-              <a:rPr kumimoji="1" lang="ja-JP" altLang="en-US" dirty="0"/>
-              <a:t>に食べさせると、</a:t>
-            </a:r>
-            <a:r>
               <a:rPr kumimoji="1" lang="en-US" altLang="ja-JP" dirty="0"/>
               <a:t>fluent-bit</a:t>
             </a:r>
             <a:r>
               <a:rPr kumimoji="1" lang="ja-JP" altLang="en-US" dirty="0"/>
-              <a:t>で取得した</a:t>
-            </a:r>
-            <a:r>
-              <a:rPr kumimoji="1" lang="en-US" altLang="ja-JP" dirty="0"/>
-              <a:t>CPU</a:t>
-            </a:r>
-            <a:r>
-              <a:rPr kumimoji="1" lang="ja-JP" altLang="en-US" dirty="0"/>
-              <a:t>使用率が</a:t>
+              <a:t>の</a:t>
             </a:r>
             <a:r>
               <a:rPr kumimoji="1" lang="en-US" altLang="ja-JP" dirty="0"/>
@@ -2283,8 +2348,27 @@
             </a:r>
             <a:r>
               <a:rPr kumimoji="1" lang="ja-JP" altLang="en-US" dirty="0"/>
-              <a:t>に投入されます。</a:t>
-            </a:r>
+              <a:t>プラグインは共有ライブラリとしてビルドし、</a:t>
+            </a:r>
+            <a:r>
+              <a:rPr kumimoji="1" lang="en-US" altLang="ja-JP" dirty="0"/>
+              <a:t>fluent-bit</a:t>
+            </a:r>
+            <a:r>
+              <a:rPr kumimoji="1" lang="ja-JP" altLang="en-US" dirty="0"/>
+              <a:t>の読み込みパスに追加して起動します。</a:t>
+            </a:r>
+            <a:endParaRPr kumimoji="1" lang="en-US" altLang="ja-JP" dirty="0"/>
+          </a:p>
+          <a:p>
+            <a:r>
+              <a:rPr kumimoji="1" lang="ja-JP" altLang="en-US" dirty="0"/>
+              <a:t>共有ライブラリを通常実行ファイルが読み込みに行く位置に配置しておくのも良いです。</a:t>
+            </a:r>
+            <a:endParaRPr kumimoji="1" lang="en-US" altLang="ja-JP" dirty="0"/>
+          </a:p>
+          <a:p>
+            <a:endParaRPr kumimoji="1" lang="ja-JP" altLang="en-US" dirty="0"/>
           </a:p>
         </p:txBody>
       </p:sp>
@@ -2314,7 +2398,7 @@
     </p:spTree>
     <p:extLst>
       <p:ext uri="{BB962C8B-B14F-4D97-AF65-F5344CB8AC3E}">
-        <p14:creationId xmlns:p14="http://schemas.microsoft.com/office/powerpoint/2010/main" val="1679336383"/>
+        <p14:creationId xmlns:p14="http://schemas.microsoft.com/office/powerpoint/2010/main" val="1551893730"/>
       </p:ext>
     </p:extLst>
   </p:cSld>
@@ -2370,96 +2454,31 @@
           <a:p>
             <a:r>
               <a:rPr kumimoji="1" lang="ja-JP" altLang="en-US" dirty="0"/>
-              <a:t>フィードバックすると良いこととしては、自分の独力では対応しれないプラットフォームの対応が進んだことです。</a:t>
-            </a:r>
-            <a:endParaRPr kumimoji="1" lang="en-US" altLang="ja-JP" dirty="0"/>
-          </a:p>
-          <a:p>
-            <a:r>
-              <a:rPr kumimoji="1" lang="en-US" altLang="ja-JP" dirty="0"/>
-              <a:t>Grafana/Loki</a:t>
-            </a:r>
-            <a:r>
-              <a:rPr kumimoji="1" lang="ja-JP" altLang="en-US" dirty="0"/>
-              <a:t>は</a:t>
-            </a:r>
-            <a:r>
-              <a:rPr kumimoji="1" lang="en-US" altLang="ja-JP" dirty="0"/>
-              <a:t>k8s</a:t>
-            </a:r>
-            <a:r>
-              <a:rPr kumimoji="1" lang="ja-JP" altLang="en-US" dirty="0"/>
-              <a:t>上での運用も見据えられており、</a:t>
-            </a:r>
-            <a:r>
-              <a:rPr kumimoji="1" lang="en-US" altLang="ja-JP" dirty="0"/>
-              <a:t>fluent-bit-go-</a:t>
-            </a:r>
-            <a:r>
-              <a:rPr kumimoji="1" lang="en-US" altLang="ja-JP" dirty="0" err="1"/>
-              <a:t>loki</a:t>
-            </a:r>
-            <a:r>
-              <a:rPr kumimoji="1" lang="ja-JP" altLang="en-US" dirty="0"/>
-              <a:t>の</a:t>
-            </a:r>
-            <a:r>
-              <a:rPr kumimoji="1" lang="en-US" altLang="ja-JP" dirty="0"/>
-              <a:t>k8s</a:t>
-            </a:r>
-            <a:r>
-              <a:rPr kumimoji="1" lang="ja-JP" altLang="en-US" dirty="0"/>
-              <a:t>へのデプロイのための</a:t>
-            </a:r>
-            <a:r>
-              <a:rPr kumimoji="1" lang="en-US" altLang="ja-JP" dirty="0"/>
-              <a:t>helm</a:t>
-            </a:r>
-            <a:r>
-              <a:rPr kumimoji="1" lang="ja-JP" altLang="en-US" dirty="0"/>
-              <a:t>チャートサポートが入りました。</a:t>
-            </a:r>
-            <a:endParaRPr kumimoji="1" lang="en-US" altLang="ja-JP" dirty="0"/>
-          </a:p>
-          <a:p>
-            <a:r>
-              <a:rPr kumimoji="1" lang="ja-JP" altLang="en-US" dirty="0"/>
-              <a:t>また、その</a:t>
-            </a:r>
-            <a:r>
-              <a:rPr kumimoji="1" lang="en-US" altLang="ja-JP" dirty="0"/>
-              <a:t>k8s</a:t>
-            </a:r>
-            <a:r>
-              <a:rPr kumimoji="1" lang="ja-JP" altLang="en-US" dirty="0"/>
-              <a:t>のイメージとして使うために、</a:t>
-            </a:r>
-            <a:r>
-              <a:rPr kumimoji="1" lang="en-US" altLang="ja-JP" dirty="0"/>
-              <a:t>Grafana/Loki</a:t>
-            </a:r>
-            <a:r>
-              <a:rPr kumimoji="1" lang="ja-JP" altLang="en-US" dirty="0"/>
-              <a:t>の公式の</a:t>
-            </a:r>
-            <a:r>
-              <a:rPr kumimoji="1" lang="en-US" altLang="ja-JP" dirty="0"/>
-              <a:t>Docker</a:t>
-            </a:r>
-            <a:r>
-              <a:rPr kumimoji="1" lang="ja-JP" altLang="en-US" dirty="0"/>
-              <a:t>イメージの提供もされるようになりました。</a:t>
-            </a:r>
-            <a:endParaRPr kumimoji="1" lang="en-US" altLang="ja-JP" dirty="0"/>
-          </a:p>
-          <a:p>
+              <a:t>前のスライドの設定を</a:t>
+            </a:r>
             <a:r>
               <a:rPr kumimoji="1" lang="en-US" altLang="ja-JP" dirty="0"/>
               <a:t>Fluent-bit</a:t>
             </a:r>
             <a:r>
               <a:rPr kumimoji="1" lang="ja-JP" altLang="en-US" dirty="0"/>
-              <a:t>の</a:t>
+              <a:t>に食べさせると、</a:t>
+            </a:r>
+            <a:r>
+              <a:rPr kumimoji="1" lang="en-US" altLang="ja-JP" dirty="0"/>
+              <a:t>fluent-bit</a:t>
+            </a:r>
+            <a:r>
+              <a:rPr kumimoji="1" lang="ja-JP" altLang="en-US" dirty="0"/>
+              <a:t>で取得した</a:t>
+            </a:r>
+            <a:r>
+              <a:rPr kumimoji="1" lang="en-US" altLang="ja-JP" dirty="0"/>
+              <a:t>CPU</a:t>
+            </a:r>
+            <a:r>
+              <a:rPr kumimoji="1" lang="ja-JP" altLang="en-US" dirty="0"/>
+              <a:t>使用率が</a:t>
             </a:r>
             <a:r>
               <a:rPr kumimoji="1" lang="en-US" altLang="ja-JP" dirty="0"/>
@@ -2467,7 +2486,7 @@
             </a:r>
             <a:r>
               <a:rPr kumimoji="1" lang="ja-JP" altLang="en-US" dirty="0"/>
-              <a:t>プラグインの使い方のドキュメントもちゃんと書かれました。</a:t>
+              <a:t>に投入されます。</a:t>
             </a:r>
           </a:p>
         </p:txBody>
@@ -2490,6 +2509,190 @@
             <a:fld id="{8E3142AE-6E51-4A92-A93B-CC4267427FC5}" type="slidenum">
               <a:rPr kumimoji="1" lang="ja-JP" altLang="en-US" smtClean="0"/>
               <a:t>23</a:t>
+            </a:fld>
+            <a:endParaRPr kumimoji="1" lang="ja-JP" altLang="en-US"/>
+          </a:p>
+        </p:txBody>
+      </p:sp>
+    </p:spTree>
+    <p:extLst>
+      <p:ext uri="{BB962C8B-B14F-4D97-AF65-F5344CB8AC3E}">
+        <p14:creationId xmlns:p14="http://schemas.microsoft.com/office/powerpoint/2010/main" val="1679336383"/>
+      </p:ext>
+    </p:extLst>
+  </p:cSld>
+  <p:clrMapOvr>
+    <a:masterClrMapping/>
+  </p:clrMapOvr>
+</p:notes>
+</file>
+
+<file path=ppt/notesSlides/notesSlide23.xml><?xml version="1.0" encoding="utf-8"?>
+<p:notes xmlns:a="http://schemas.openxmlformats.org/drawingml/2006/main" xmlns:r="http://schemas.openxmlformats.org/officeDocument/2006/relationships" xmlns:p="http://schemas.openxmlformats.org/presentationml/2006/main">
+  <p:cSld>
+    <p:spTree>
+      <p:nvGrpSpPr>
+        <p:cNvPr id="1" name=""/>
+        <p:cNvGrpSpPr/>
+        <p:nvPr/>
+      </p:nvGrpSpPr>
+      <p:grpSpPr>
+        <a:xfrm>
+          <a:off x="0" y="0"/>
+          <a:ext cx="0" cy="0"/>
+          <a:chOff x="0" y="0"/>
+          <a:chExt cx="0" cy="0"/>
+        </a:xfrm>
+      </p:grpSpPr>
+      <p:sp>
+        <p:nvSpPr>
+          <p:cNvPr id="2" name="スライド イメージ プレースホルダー 1"/>
+          <p:cNvSpPr>
+            <a:spLocks noGrp="1" noRot="1" noChangeAspect="1"/>
+          </p:cNvSpPr>
+          <p:nvPr>
+            <p:ph type="sldImg"/>
+          </p:nvPr>
+        </p:nvSpPr>
+        <p:spPr/>
+      </p:sp>
+      <p:sp>
+        <p:nvSpPr>
+          <p:cNvPr id="3" name="ノート プレースホルダー 2"/>
+          <p:cNvSpPr>
+            <a:spLocks noGrp="1"/>
+          </p:cNvSpPr>
+          <p:nvPr>
+            <p:ph type="body" idx="1"/>
+          </p:nvPr>
+        </p:nvSpPr>
+        <p:spPr/>
+        <p:txBody>
+          <a:bodyPr/>
+          <a:lstStyle/>
+          <a:p>
+            <a:r>
+              <a:rPr kumimoji="1" lang="ja-JP" altLang="en-US" dirty="0"/>
+              <a:t>フィードバックすると良いこととしては、自分の独力では対応しれないプラットフォームの対応が進んだことです。</a:t>
+            </a:r>
+            <a:endParaRPr kumimoji="1" lang="en-US" altLang="ja-JP" dirty="0"/>
+          </a:p>
+          <a:p>
+            <a:r>
+              <a:rPr kumimoji="1" lang="en-US" altLang="ja-JP" dirty="0"/>
+              <a:t>Grafana/Loki</a:t>
+            </a:r>
+            <a:r>
+              <a:rPr kumimoji="1" lang="ja-JP" altLang="en-US" dirty="0"/>
+              <a:t>は</a:t>
+            </a:r>
+            <a:r>
+              <a:rPr kumimoji="1" lang="en-US" altLang="ja-JP" dirty="0"/>
+              <a:t>k8s</a:t>
+            </a:r>
+            <a:r>
+              <a:rPr kumimoji="1" lang="ja-JP" altLang="en-US" dirty="0"/>
+              <a:t>上での運用も見据えられており、</a:t>
+            </a:r>
+            <a:r>
+              <a:rPr kumimoji="1" lang="en-US" altLang="ja-JP" dirty="0"/>
+              <a:t>fluent-bit-go-</a:t>
+            </a:r>
+            <a:r>
+              <a:rPr kumimoji="1" lang="en-US" altLang="ja-JP" dirty="0" err="1"/>
+              <a:t>loki</a:t>
+            </a:r>
+            <a:r>
+              <a:rPr kumimoji="1" lang="ja-JP" altLang="en-US" dirty="0"/>
+              <a:t>の</a:t>
+            </a:r>
+            <a:r>
+              <a:rPr kumimoji="1" lang="en-US" altLang="ja-JP" dirty="0"/>
+              <a:t>k8s</a:t>
+            </a:r>
+            <a:r>
+              <a:rPr kumimoji="1" lang="ja-JP" altLang="en-US" dirty="0"/>
+              <a:t>へのデプロイのための</a:t>
+            </a:r>
+            <a:r>
+              <a:rPr kumimoji="1" lang="en-US" altLang="ja-JP" dirty="0"/>
+              <a:t>helm</a:t>
+            </a:r>
+            <a:r>
+              <a:rPr kumimoji="1" lang="ja-JP" altLang="en-US" dirty="0"/>
+              <a:t>チャートサポートが入りました。</a:t>
+            </a:r>
+            <a:endParaRPr kumimoji="1" lang="en-US" altLang="ja-JP" dirty="0"/>
+          </a:p>
+          <a:p>
+            <a:r>
+              <a:rPr kumimoji="1" lang="ja-JP" altLang="en-US" dirty="0"/>
+              <a:t>また、その</a:t>
+            </a:r>
+            <a:r>
+              <a:rPr kumimoji="1" lang="en-US" altLang="ja-JP" dirty="0"/>
+              <a:t>k8s</a:t>
+            </a:r>
+            <a:r>
+              <a:rPr kumimoji="1" lang="ja-JP" altLang="en-US" dirty="0"/>
+              <a:t>のイメージとして使うために、</a:t>
+            </a:r>
+            <a:r>
+              <a:rPr kumimoji="1" lang="en-US" altLang="ja-JP" dirty="0"/>
+              <a:t>Grafana/Loki</a:t>
+            </a:r>
+            <a:r>
+              <a:rPr kumimoji="1" lang="ja-JP" altLang="en-US" dirty="0"/>
+              <a:t>の公式の</a:t>
+            </a:r>
+            <a:r>
+              <a:rPr kumimoji="1" lang="en-US" altLang="ja-JP" dirty="0"/>
+              <a:t>Docker</a:t>
+            </a:r>
+            <a:r>
+              <a:rPr kumimoji="1" lang="ja-JP" altLang="en-US" dirty="0"/>
+              <a:t>イメージの提供もされるようになりました。</a:t>
+            </a:r>
+            <a:endParaRPr kumimoji="1" lang="en-US" altLang="ja-JP" dirty="0"/>
+          </a:p>
+          <a:p>
+            <a:r>
+              <a:rPr kumimoji="1" lang="en-US" altLang="ja-JP" dirty="0"/>
+              <a:t>Fluent-bit</a:t>
+            </a:r>
+            <a:r>
+              <a:rPr kumimoji="1" lang="ja-JP" altLang="en-US" dirty="0"/>
+              <a:t>の</a:t>
+            </a:r>
+            <a:r>
+              <a:rPr kumimoji="1" lang="en-US" altLang="ja-JP" dirty="0"/>
+              <a:t>Loki</a:t>
+            </a:r>
+            <a:r>
+              <a:rPr kumimoji="1" lang="ja-JP" altLang="en-US" dirty="0"/>
+              <a:t>プラグインの使い方のドキュメントもちゃんと書かれました。</a:t>
+            </a:r>
+          </a:p>
+        </p:txBody>
+      </p:sp>
+      <p:sp>
+        <p:nvSpPr>
+          <p:cNvPr id="4" name="スライド番号プレースホルダー 3"/>
+          <p:cNvSpPr>
+            <a:spLocks noGrp="1"/>
+          </p:cNvSpPr>
+          <p:nvPr>
+            <p:ph type="sldNum" sz="quarter" idx="5"/>
+          </p:nvPr>
+        </p:nvSpPr>
+        <p:spPr/>
+        <p:txBody>
+          <a:bodyPr/>
+          <a:lstStyle/>
+          <a:p>
+            <a:fld id="{8E3142AE-6E51-4A92-A93B-CC4267427FC5}" type="slidenum">
+              <a:rPr kumimoji="1" lang="ja-JP" altLang="en-US" smtClean="0"/>
+              <a:t>24</a:t>
             </a:fld>
             <a:endParaRPr kumimoji="1" lang="ja-JP" altLang="en-US"/>
           </a:p>
@@ -5841,6 +6044,12 @@
               <a:t>2020/1/15</a:t>
             </a:r>
           </a:p>
+          <a:p>
+            <a:r>
+              <a:rPr kumimoji="1" lang="en-US" altLang="ja-JP" dirty="0"/>
+              <a:t>@Prometheus meetup #3</a:t>
+            </a:r>
+          </a:p>
         </p:txBody>
       </p:sp>
     </p:spTree>
@@ -9589,8 +9798,8 @@
         </p:nvSpPr>
         <p:spPr>
           <a:xfrm>
-            <a:off x="504000" y="3113125"/>
-            <a:ext cx="9071640" cy="1909754"/>
+            <a:off x="504000" y="2942566"/>
+            <a:ext cx="9071640" cy="2250873"/>
           </a:xfrm>
         </p:spPr>
         <p:txBody>
@@ -9648,6 +9857,22 @@
             <a:r>
               <a:rPr lang="ja-JP" altLang="en-US" strike="sngStrike" dirty="0"/>
               <a:t>がちょっと使いづらい</a:t>
+            </a:r>
+            <a:endParaRPr lang="en-US" altLang="ja-JP" strike="sngStrike" dirty="0"/>
+          </a:p>
+          <a:p>
+            <a:pPr lvl="1"/>
+            <a:r>
+              <a:rPr lang="ja-JP" altLang="en-US" strike="sngStrike" dirty="0"/>
+              <a:t>そこに</a:t>
+            </a:r>
+            <a:r>
+              <a:rPr lang="en-US" altLang="ja-JP" strike="sngStrike" dirty="0"/>
+              <a:t>Issue</a:t>
+            </a:r>
+            <a:r>
+              <a:rPr lang="ja-JP" altLang="en-US" strike="sngStrike" dirty="0"/>
+              <a:t>チケットがあったから</a:t>
             </a:r>
             <a:endParaRPr kumimoji="1" lang="ja-JP" altLang="en-US" strike="sngStrike" dirty="0"/>
           </a:p>
@@ -9732,6 +9957,67 @@
                       </p:childTnLst>
                     </p:cTn>
                   </p:par>
+                  <p:par>
+                    <p:cTn id="8" fill="hold">
+                      <p:stCondLst>
+                        <p:cond delay="indefinite"/>
+                      </p:stCondLst>
+                      <p:childTnLst>
+                        <p:par>
+                          <p:cTn id="9" fill="hold">
+                            <p:stCondLst>
+                              <p:cond delay="0"/>
+                            </p:stCondLst>
+                            <p:childTnLst>
+                              <p:par>
+                                <p:cTn id="10" presetID="14" presetClass="entr" presetSubtype="10" fill="hold" nodeType="clickEffect">
+                                  <p:stCondLst>
+                                    <p:cond delay="0"/>
+                                  </p:stCondLst>
+                                  <p:childTnLst>
+                                    <p:set>
+                                      <p:cBhvr>
+                                        <p:cTn id="11" dur="1" fill="hold">
+                                          <p:stCondLst>
+                                            <p:cond delay="0"/>
+                                          </p:stCondLst>
+                                        </p:cTn>
+                                        <p:tgtEl>
+                                          <p:spTgt spid="3">
+                                            <p:txEl>
+                                              <p:pRg st="4" end="4"/>
+                                            </p:txEl>
+                                          </p:spTgt>
+                                        </p:tgtEl>
+                                        <p:attrNameLst>
+                                          <p:attrName>style.visibility</p:attrName>
+                                        </p:attrNameLst>
+                                      </p:cBhvr>
+                                      <p:to>
+                                        <p:strVal val="visible"/>
+                                      </p:to>
+                                    </p:set>
+                                    <p:animEffect transition="in" filter="randombar(horizontal)">
+                                      <p:cBhvr>
+                                        <p:cTn id="12" dur="500"/>
+                                        <p:tgtEl>
+                                          <p:spTgt spid="3">
+                                            <p:txEl>
+                                              <p:pRg st="4" end="4"/>
+                                            </p:txEl>
+                                          </p:spTgt>
+                                        </p:tgtEl>
+                                      </p:cBhvr>
+                                    </p:animEffect>
+                                  </p:childTnLst>
+                                </p:cTn>
+                              </p:par>
+                            </p:childTnLst>
+                          </p:cTn>
+                        </p:par>
+                      </p:childTnLst>
+                    </p:cTn>
+                  </p:par>
                 </p:childTnLst>
               </p:cTn>
               <p:prevCondLst>
@@ -10343,6 +10629,918 @@
           <p:cNvPr id="2" name="タイトル 1">
             <a:extLst>
               <a:ext uri="{FF2B5EF4-FFF2-40B4-BE49-F238E27FC236}">
+                <a16:creationId xmlns:a16="http://schemas.microsoft.com/office/drawing/2014/main" id="{D9C8ACA4-2A70-4322-8D6C-7F185992BB46}"/>
+              </a:ext>
+            </a:extLst>
+          </p:cNvPr>
+          <p:cNvSpPr>
+            <a:spLocks noGrp="1"/>
+          </p:cNvSpPr>
+          <p:nvPr>
+            <p:ph type="title"/>
+          </p:nvPr>
+        </p:nvSpPr>
+        <p:spPr>
+          <a:xfrm>
+            <a:off x="504000" y="182277"/>
+            <a:ext cx="9071640" cy="609398"/>
+          </a:xfrm>
+        </p:spPr>
+        <p:txBody>
+          <a:bodyPr/>
+          <a:lstStyle/>
+          <a:p>
+            <a:r>
+              <a:rPr kumimoji="1" lang="en-US" altLang="ja-JP" dirty="0"/>
+              <a:t>OSS</a:t>
+            </a:r>
+            <a:r>
+              <a:rPr kumimoji="1" lang="ja-JP" altLang="en-US" dirty="0"/>
+              <a:t>にフィードバックする作法</a:t>
+            </a:r>
+          </a:p>
+        </p:txBody>
+      </p:sp>
+      <p:sp>
+        <p:nvSpPr>
+          <p:cNvPr id="3" name="字幕 2">
+            <a:extLst>
+              <a:ext uri="{FF2B5EF4-FFF2-40B4-BE49-F238E27FC236}">
+                <a16:creationId xmlns:a16="http://schemas.microsoft.com/office/drawing/2014/main" id="{7DCCD7FC-BAAA-41B1-AE3A-1980CB3023DC}"/>
+              </a:ext>
+            </a:extLst>
+          </p:cNvPr>
+          <p:cNvSpPr>
+            <a:spLocks noGrp="1"/>
+          </p:cNvSpPr>
+          <p:nvPr>
+            <p:ph type="subTitle"/>
+          </p:nvPr>
+        </p:nvSpPr>
+        <p:spPr>
+          <a:xfrm>
+            <a:off x="5844002" y="832107"/>
+            <a:ext cx="4172361" cy="5895460"/>
+          </a:xfrm>
+        </p:spPr>
+        <p:txBody>
+          <a:bodyPr/>
+          <a:lstStyle/>
+          <a:p>
+            <a:pPr marL="514350" indent="-514350">
+              <a:buFont typeface="+mj-lt"/>
+              <a:buAutoNum type="arabicPeriod"/>
+            </a:pPr>
+            <a:r>
+              <a:rPr kumimoji="1" lang="ja-JP" altLang="en-US" dirty="0"/>
+              <a:t>はっきりとした動機を書く</a:t>
+            </a:r>
+            <a:endParaRPr kumimoji="1" lang="en-US" altLang="ja-JP" dirty="0"/>
+          </a:p>
+          <a:p>
+            <a:pPr marL="971550" lvl="1" indent="-514350">
+              <a:buFont typeface="+mj-lt"/>
+              <a:buAutoNum type="arabicPeriod"/>
+            </a:pPr>
+            <a:r>
+              <a:rPr lang="ja-JP" altLang="en-US" dirty="0"/>
+              <a:t>なぜ必要？</a:t>
+            </a:r>
+            <a:endParaRPr lang="en-US" altLang="ja-JP" dirty="0"/>
+          </a:p>
+          <a:p>
+            <a:pPr marL="971550" lvl="1" indent="-514350">
+              <a:buFont typeface="+mj-lt"/>
+              <a:buAutoNum type="arabicPeriod"/>
+            </a:pPr>
+            <a:r>
+              <a:rPr kumimoji="1" lang="ja-JP" altLang="en-US" dirty="0"/>
+              <a:t>既存の機能で要求を達成できない理由</a:t>
+            </a:r>
+            <a:endParaRPr kumimoji="1" lang="en-US" altLang="ja-JP" dirty="0"/>
+          </a:p>
+          <a:p>
+            <a:pPr marL="971550" lvl="1" indent="-514350">
+              <a:buFont typeface="+mj-lt"/>
+              <a:buAutoNum type="arabicPeriod"/>
+            </a:pPr>
+            <a:r>
+              <a:rPr lang="ja-JP" altLang="en-US" dirty="0"/>
+              <a:t>この</a:t>
+            </a:r>
+            <a:r>
+              <a:rPr lang="en-US" altLang="ja-JP" dirty="0"/>
+              <a:t>PR</a:t>
+            </a:r>
+            <a:r>
+              <a:rPr lang="ja-JP" altLang="en-US" dirty="0"/>
+              <a:t>では何をする？</a:t>
+            </a:r>
+            <a:endParaRPr lang="en-US" altLang="ja-JP" dirty="0"/>
+          </a:p>
+          <a:p>
+            <a:pPr marL="514350" indent="-514350">
+              <a:buFont typeface="+mj-lt"/>
+              <a:buAutoNum type="arabicPeriod"/>
+            </a:pPr>
+            <a:r>
+              <a:rPr kumimoji="1" lang="ja-JP" altLang="en-US" dirty="0"/>
+              <a:t>修正する</a:t>
+            </a:r>
+            <a:r>
+              <a:rPr kumimoji="1" lang="en-US" altLang="ja-JP" dirty="0"/>
+              <a:t>Issue</a:t>
+            </a:r>
+            <a:r>
+              <a:rPr kumimoji="1" lang="ja-JP" altLang="en-US" dirty="0"/>
+              <a:t>チケット番号</a:t>
+            </a:r>
+            <a:endParaRPr kumimoji="1" lang="en-US" altLang="ja-JP" dirty="0"/>
+          </a:p>
+          <a:p>
+            <a:pPr marL="971550" lvl="1" indent="-514350">
+              <a:buFont typeface="+mj-lt"/>
+              <a:buAutoNum type="arabicPeriod"/>
+            </a:pPr>
+            <a:r>
+              <a:rPr lang="en-US" altLang="ja-JP" dirty="0"/>
+              <a:t>PR</a:t>
+            </a:r>
+            <a:r>
+              <a:rPr lang="ja-JP" altLang="en-US" dirty="0"/>
+              <a:t>をすぐさま行うのではなく、</a:t>
+            </a:r>
+            <a:r>
+              <a:rPr lang="en-US" altLang="ja-JP" dirty="0"/>
+              <a:t>Issue</a:t>
+            </a:r>
+            <a:r>
+              <a:rPr lang="ja-JP" altLang="en-US" dirty="0"/>
+              <a:t>チケットで議論した方が良い。</a:t>
+            </a:r>
+            <a:endParaRPr lang="en-US" altLang="ja-JP" dirty="0"/>
+          </a:p>
+          <a:p>
+            <a:pPr marL="514350" indent="-514350">
+              <a:buFont typeface="+mj-lt"/>
+              <a:buAutoNum type="arabicPeriod"/>
+            </a:pPr>
+            <a:r>
+              <a:rPr lang="ja-JP" altLang="en-US" dirty="0"/>
+              <a:t>チェックリストがあれば忘れずに埋める</a:t>
+            </a:r>
+            <a:endParaRPr lang="en-US" altLang="ja-JP" dirty="0"/>
+          </a:p>
+          <a:p>
+            <a:pPr marL="971550" lvl="1" indent="-514350">
+              <a:buFont typeface="+mj-lt"/>
+              <a:buAutoNum type="arabicPeriod"/>
+            </a:pPr>
+            <a:r>
+              <a:rPr kumimoji="1" lang="ja-JP" altLang="en-US" dirty="0"/>
+              <a:t>補足事項があれば追加で記入</a:t>
+            </a:r>
+            <a:r>
+              <a:rPr kumimoji="1" lang="en-US" altLang="ja-JP" dirty="0"/>
+              <a:t>	</a:t>
+            </a:r>
+            <a:endParaRPr kumimoji="1" lang="ja-JP" altLang="en-US" dirty="0"/>
+          </a:p>
+        </p:txBody>
+      </p:sp>
+      <p:pic>
+        <p:nvPicPr>
+          <p:cNvPr id="4" name="図 3" descr="パソコンの画面&#10;&#10;自動的に生成された説明">
+            <a:extLst>
+              <a:ext uri="{FF2B5EF4-FFF2-40B4-BE49-F238E27FC236}">
+                <a16:creationId xmlns:a16="http://schemas.microsoft.com/office/drawing/2014/main" id="{4141BA6A-CDBC-40B7-B1CB-13D193BA203E}"/>
+              </a:ext>
+            </a:extLst>
+          </p:cNvPr>
+          <p:cNvPicPr>
+            <a:picLocks noChangeAspect="1"/>
+          </p:cNvPicPr>
+          <p:nvPr/>
+        </p:nvPicPr>
+        <p:blipFill>
+          <a:blip r:embed="rId3">
+            <a:extLst>
+              <a:ext uri="{28A0092B-C50C-407E-A947-70E740481C1C}">
+                <a14:useLocalDpi xmlns:a14="http://schemas.microsoft.com/office/drawing/2010/main" val="0"/>
+              </a:ext>
+            </a:extLst>
+          </a:blip>
+          <a:stretch>
+            <a:fillRect/>
+          </a:stretch>
+        </p:blipFill>
+        <p:spPr>
+          <a:xfrm>
+            <a:off x="210389" y="861249"/>
+            <a:ext cx="5593856" cy="6123303"/>
+          </a:xfrm>
+          <a:prstGeom prst="rect">
+            <a:avLst/>
+          </a:prstGeom>
+        </p:spPr>
+      </p:pic>
+    </p:spTree>
+    <p:extLst>
+      <p:ext uri="{BB962C8B-B14F-4D97-AF65-F5344CB8AC3E}">
+        <p14:creationId xmlns:p14="http://schemas.microsoft.com/office/powerpoint/2010/main" val="1941925745"/>
+      </p:ext>
+    </p:extLst>
+  </p:cSld>
+  <p:clrMapOvr>
+    <a:masterClrMapping/>
+  </p:clrMapOvr>
+  <p:timing>
+    <p:tnLst>
+      <p:par>
+        <p:cTn id="1" dur="indefinite" restart="never" nodeType="tmRoot">
+          <p:childTnLst>
+            <p:seq concurrent="1" nextAc="seek">
+              <p:cTn id="2" dur="indefinite" nodeType="mainSeq">
+                <p:childTnLst>
+                  <p:par>
+                    <p:cTn id="3" fill="hold">
+                      <p:stCondLst>
+                        <p:cond delay="indefinite"/>
+                      </p:stCondLst>
+                      <p:childTnLst>
+                        <p:par>
+                          <p:cTn id="4" fill="hold">
+                            <p:stCondLst>
+                              <p:cond delay="0"/>
+                            </p:stCondLst>
+                            <p:childTnLst>
+                              <p:par>
+                                <p:cTn id="5" presetID="42" presetClass="entr" presetSubtype="0" fill="hold" nodeType="clickEffect">
+                                  <p:stCondLst>
+                                    <p:cond delay="0"/>
+                                  </p:stCondLst>
+                                  <p:childTnLst>
+                                    <p:set>
+                                      <p:cBhvr>
+                                        <p:cTn id="6" dur="1" fill="hold">
+                                          <p:stCondLst>
+                                            <p:cond delay="0"/>
+                                          </p:stCondLst>
+                                        </p:cTn>
+                                        <p:tgtEl>
+                                          <p:spTgt spid="3">
+                                            <p:txEl>
+                                              <p:pRg st="0" end="0"/>
+                                            </p:txEl>
+                                          </p:spTgt>
+                                        </p:tgtEl>
+                                        <p:attrNameLst>
+                                          <p:attrName>style.visibility</p:attrName>
+                                        </p:attrNameLst>
+                                      </p:cBhvr>
+                                      <p:to>
+                                        <p:strVal val="visible"/>
+                                      </p:to>
+                                    </p:set>
+                                    <p:animEffect transition="in" filter="fade">
+                                      <p:cBhvr>
+                                        <p:cTn id="7" dur="1000"/>
+                                        <p:tgtEl>
+                                          <p:spTgt spid="3">
+                                            <p:txEl>
+                                              <p:pRg st="0" end="0"/>
+                                            </p:txEl>
+                                          </p:spTgt>
+                                        </p:tgtEl>
+                                      </p:cBhvr>
+                                    </p:animEffect>
+                                    <p:anim calcmode="lin" valueType="num">
+                                      <p:cBhvr>
+                                        <p:cTn id="8" dur="1000" fill="hold"/>
+                                        <p:tgtEl>
+                                          <p:spTgt spid="3">
+                                            <p:txEl>
+                                              <p:pRg st="0" end="0"/>
+                                            </p:txEl>
+                                          </p:spTgt>
+                                        </p:tgtEl>
+                                        <p:attrNameLst>
+                                          <p:attrName>ppt_x</p:attrName>
+                                        </p:attrNameLst>
+                                      </p:cBhvr>
+                                      <p:tavLst>
+                                        <p:tav tm="0">
+                                          <p:val>
+                                            <p:strVal val="#ppt_x"/>
+                                          </p:val>
+                                        </p:tav>
+                                        <p:tav tm="100000">
+                                          <p:val>
+                                            <p:strVal val="#ppt_x"/>
+                                          </p:val>
+                                        </p:tav>
+                                      </p:tavLst>
+                                    </p:anim>
+                                    <p:anim calcmode="lin" valueType="num">
+                                      <p:cBhvr>
+                                        <p:cTn id="9" dur="1000" fill="hold"/>
+                                        <p:tgtEl>
+                                          <p:spTgt spid="3">
+                                            <p:txEl>
+                                              <p:pRg st="0" end="0"/>
+                                            </p:txEl>
+                                          </p:spTgt>
+                                        </p:tgtEl>
+                                        <p:attrNameLst>
+                                          <p:attrName>ppt_y</p:attrName>
+                                        </p:attrNameLst>
+                                      </p:cBhvr>
+                                      <p:tavLst>
+                                        <p:tav tm="0">
+                                          <p:val>
+                                            <p:strVal val="#ppt_y+.1"/>
+                                          </p:val>
+                                        </p:tav>
+                                        <p:tav tm="100000">
+                                          <p:val>
+                                            <p:strVal val="#ppt_y"/>
+                                          </p:val>
+                                        </p:tav>
+                                      </p:tavLst>
+                                    </p:anim>
+                                  </p:childTnLst>
+                                </p:cTn>
+                              </p:par>
+                              <p:par>
+                                <p:cTn id="10" presetID="42" presetClass="entr" presetSubtype="0" fill="hold" nodeType="withEffect">
+                                  <p:stCondLst>
+                                    <p:cond delay="0"/>
+                                  </p:stCondLst>
+                                  <p:childTnLst>
+                                    <p:set>
+                                      <p:cBhvr>
+                                        <p:cTn id="11" dur="1" fill="hold">
+                                          <p:stCondLst>
+                                            <p:cond delay="0"/>
+                                          </p:stCondLst>
+                                        </p:cTn>
+                                        <p:tgtEl>
+                                          <p:spTgt spid="3">
+                                            <p:txEl>
+                                              <p:pRg st="1" end="1"/>
+                                            </p:txEl>
+                                          </p:spTgt>
+                                        </p:tgtEl>
+                                        <p:attrNameLst>
+                                          <p:attrName>style.visibility</p:attrName>
+                                        </p:attrNameLst>
+                                      </p:cBhvr>
+                                      <p:to>
+                                        <p:strVal val="visible"/>
+                                      </p:to>
+                                    </p:set>
+                                    <p:animEffect transition="in" filter="fade">
+                                      <p:cBhvr>
+                                        <p:cTn id="12" dur="1000"/>
+                                        <p:tgtEl>
+                                          <p:spTgt spid="3">
+                                            <p:txEl>
+                                              <p:pRg st="1" end="1"/>
+                                            </p:txEl>
+                                          </p:spTgt>
+                                        </p:tgtEl>
+                                      </p:cBhvr>
+                                    </p:animEffect>
+                                    <p:anim calcmode="lin" valueType="num">
+                                      <p:cBhvr>
+                                        <p:cTn id="13" dur="1000" fill="hold"/>
+                                        <p:tgtEl>
+                                          <p:spTgt spid="3">
+                                            <p:txEl>
+                                              <p:pRg st="1" end="1"/>
+                                            </p:txEl>
+                                          </p:spTgt>
+                                        </p:tgtEl>
+                                        <p:attrNameLst>
+                                          <p:attrName>ppt_x</p:attrName>
+                                        </p:attrNameLst>
+                                      </p:cBhvr>
+                                      <p:tavLst>
+                                        <p:tav tm="0">
+                                          <p:val>
+                                            <p:strVal val="#ppt_x"/>
+                                          </p:val>
+                                        </p:tav>
+                                        <p:tav tm="100000">
+                                          <p:val>
+                                            <p:strVal val="#ppt_x"/>
+                                          </p:val>
+                                        </p:tav>
+                                      </p:tavLst>
+                                    </p:anim>
+                                    <p:anim calcmode="lin" valueType="num">
+                                      <p:cBhvr>
+                                        <p:cTn id="14" dur="1000" fill="hold"/>
+                                        <p:tgtEl>
+                                          <p:spTgt spid="3">
+                                            <p:txEl>
+                                              <p:pRg st="1" end="1"/>
+                                            </p:txEl>
+                                          </p:spTgt>
+                                        </p:tgtEl>
+                                        <p:attrNameLst>
+                                          <p:attrName>ppt_y</p:attrName>
+                                        </p:attrNameLst>
+                                      </p:cBhvr>
+                                      <p:tavLst>
+                                        <p:tav tm="0">
+                                          <p:val>
+                                            <p:strVal val="#ppt_y+.1"/>
+                                          </p:val>
+                                        </p:tav>
+                                        <p:tav tm="100000">
+                                          <p:val>
+                                            <p:strVal val="#ppt_y"/>
+                                          </p:val>
+                                        </p:tav>
+                                      </p:tavLst>
+                                    </p:anim>
+                                  </p:childTnLst>
+                                </p:cTn>
+                              </p:par>
+                              <p:par>
+                                <p:cTn id="15" presetID="42" presetClass="entr" presetSubtype="0" fill="hold" nodeType="withEffect">
+                                  <p:stCondLst>
+                                    <p:cond delay="0"/>
+                                  </p:stCondLst>
+                                  <p:childTnLst>
+                                    <p:set>
+                                      <p:cBhvr>
+                                        <p:cTn id="16" dur="1" fill="hold">
+                                          <p:stCondLst>
+                                            <p:cond delay="0"/>
+                                          </p:stCondLst>
+                                        </p:cTn>
+                                        <p:tgtEl>
+                                          <p:spTgt spid="3">
+                                            <p:txEl>
+                                              <p:pRg st="2" end="2"/>
+                                            </p:txEl>
+                                          </p:spTgt>
+                                        </p:tgtEl>
+                                        <p:attrNameLst>
+                                          <p:attrName>style.visibility</p:attrName>
+                                        </p:attrNameLst>
+                                      </p:cBhvr>
+                                      <p:to>
+                                        <p:strVal val="visible"/>
+                                      </p:to>
+                                    </p:set>
+                                    <p:animEffect transition="in" filter="fade">
+                                      <p:cBhvr>
+                                        <p:cTn id="17" dur="1000"/>
+                                        <p:tgtEl>
+                                          <p:spTgt spid="3">
+                                            <p:txEl>
+                                              <p:pRg st="2" end="2"/>
+                                            </p:txEl>
+                                          </p:spTgt>
+                                        </p:tgtEl>
+                                      </p:cBhvr>
+                                    </p:animEffect>
+                                    <p:anim calcmode="lin" valueType="num">
+                                      <p:cBhvr>
+                                        <p:cTn id="18" dur="1000" fill="hold"/>
+                                        <p:tgtEl>
+                                          <p:spTgt spid="3">
+                                            <p:txEl>
+                                              <p:pRg st="2" end="2"/>
+                                            </p:txEl>
+                                          </p:spTgt>
+                                        </p:tgtEl>
+                                        <p:attrNameLst>
+                                          <p:attrName>ppt_x</p:attrName>
+                                        </p:attrNameLst>
+                                      </p:cBhvr>
+                                      <p:tavLst>
+                                        <p:tav tm="0">
+                                          <p:val>
+                                            <p:strVal val="#ppt_x"/>
+                                          </p:val>
+                                        </p:tav>
+                                        <p:tav tm="100000">
+                                          <p:val>
+                                            <p:strVal val="#ppt_x"/>
+                                          </p:val>
+                                        </p:tav>
+                                      </p:tavLst>
+                                    </p:anim>
+                                    <p:anim calcmode="lin" valueType="num">
+                                      <p:cBhvr>
+                                        <p:cTn id="19" dur="1000" fill="hold"/>
+                                        <p:tgtEl>
+                                          <p:spTgt spid="3">
+                                            <p:txEl>
+                                              <p:pRg st="2" end="2"/>
+                                            </p:txEl>
+                                          </p:spTgt>
+                                        </p:tgtEl>
+                                        <p:attrNameLst>
+                                          <p:attrName>ppt_y</p:attrName>
+                                        </p:attrNameLst>
+                                      </p:cBhvr>
+                                      <p:tavLst>
+                                        <p:tav tm="0">
+                                          <p:val>
+                                            <p:strVal val="#ppt_y+.1"/>
+                                          </p:val>
+                                        </p:tav>
+                                        <p:tav tm="100000">
+                                          <p:val>
+                                            <p:strVal val="#ppt_y"/>
+                                          </p:val>
+                                        </p:tav>
+                                      </p:tavLst>
+                                    </p:anim>
+                                  </p:childTnLst>
+                                </p:cTn>
+                              </p:par>
+                              <p:par>
+                                <p:cTn id="20" presetID="42" presetClass="entr" presetSubtype="0" fill="hold" nodeType="withEffect">
+                                  <p:stCondLst>
+                                    <p:cond delay="0"/>
+                                  </p:stCondLst>
+                                  <p:childTnLst>
+                                    <p:set>
+                                      <p:cBhvr>
+                                        <p:cTn id="21" dur="1" fill="hold">
+                                          <p:stCondLst>
+                                            <p:cond delay="0"/>
+                                          </p:stCondLst>
+                                        </p:cTn>
+                                        <p:tgtEl>
+                                          <p:spTgt spid="3">
+                                            <p:txEl>
+                                              <p:pRg st="3" end="3"/>
+                                            </p:txEl>
+                                          </p:spTgt>
+                                        </p:tgtEl>
+                                        <p:attrNameLst>
+                                          <p:attrName>style.visibility</p:attrName>
+                                        </p:attrNameLst>
+                                      </p:cBhvr>
+                                      <p:to>
+                                        <p:strVal val="visible"/>
+                                      </p:to>
+                                    </p:set>
+                                    <p:animEffect transition="in" filter="fade">
+                                      <p:cBhvr>
+                                        <p:cTn id="22" dur="1000"/>
+                                        <p:tgtEl>
+                                          <p:spTgt spid="3">
+                                            <p:txEl>
+                                              <p:pRg st="3" end="3"/>
+                                            </p:txEl>
+                                          </p:spTgt>
+                                        </p:tgtEl>
+                                      </p:cBhvr>
+                                    </p:animEffect>
+                                    <p:anim calcmode="lin" valueType="num">
+                                      <p:cBhvr>
+                                        <p:cTn id="23" dur="1000" fill="hold"/>
+                                        <p:tgtEl>
+                                          <p:spTgt spid="3">
+                                            <p:txEl>
+                                              <p:pRg st="3" end="3"/>
+                                            </p:txEl>
+                                          </p:spTgt>
+                                        </p:tgtEl>
+                                        <p:attrNameLst>
+                                          <p:attrName>ppt_x</p:attrName>
+                                        </p:attrNameLst>
+                                      </p:cBhvr>
+                                      <p:tavLst>
+                                        <p:tav tm="0">
+                                          <p:val>
+                                            <p:strVal val="#ppt_x"/>
+                                          </p:val>
+                                        </p:tav>
+                                        <p:tav tm="100000">
+                                          <p:val>
+                                            <p:strVal val="#ppt_x"/>
+                                          </p:val>
+                                        </p:tav>
+                                      </p:tavLst>
+                                    </p:anim>
+                                    <p:anim calcmode="lin" valueType="num">
+                                      <p:cBhvr>
+                                        <p:cTn id="24" dur="1000" fill="hold"/>
+                                        <p:tgtEl>
+                                          <p:spTgt spid="3">
+                                            <p:txEl>
+                                              <p:pRg st="3" end="3"/>
+                                            </p:txEl>
+                                          </p:spTgt>
+                                        </p:tgtEl>
+                                        <p:attrNameLst>
+                                          <p:attrName>ppt_y</p:attrName>
+                                        </p:attrNameLst>
+                                      </p:cBhvr>
+                                      <p:tavLst>
+                                        <p:tav tm="0">
+                                          <p:val>
+                                            <p:strVal val="#ppt_y+.1"/>
+                                          </p:val>
+                                        </p:tav>
+                                        <p:tav tm="100000">
+                                          <p:val>
+                                            <p:strVal val="#ppt_y"/>
+                                          </p:val>
+                                        </p:tav>
+                                      </p:tavLst>
+                                    </p:anim>
+                                  </p:childTnLst>
+                                </p:cTn>
+                              </p:par>
+                            </p:childTnLst>
+                          </p:cTn>
+                        </p:par>
+                      </p:childTnLst>
+                    </p:cTn>
+                  </p:par>
+                  <p:par>
+                    <p:cTn id="25" fill="hold">
+                      <p:stCondLst>
+                        <p:cond delay="indefinite"/>
+                      </p:stCondLst>
+                      <p:childTnLst>
+                        <p:par>
+                          <p:cTn id="26" fill="hold">
+                            <p:stCondLst>
+                              <p:cond delay="0"/>
+                            </p:stCondLst>
+                            <p:childTnLst>
+                              <p:par>
+                                <p:cTn id="27" presetID="22" presetClass="entr" presetSubtype="4" fill="hold" nodeType="clickEffect">
+                                  <p:stCondLst>
+                                    <p:cond delay="0"/>
+                                  </p:stCondLst>
+                                  <p:childTnLst>
+                                    <p:set>
+                                      <p:cBhvr>
+                                        <p:cTn id="28" dur="1" fill="hold">
+                                          <p:stCondLst>
+                                            <p:cond delay="0"/>
+                                          </p:stCondLst>
+                                        </p:cTn>
+                                        <p:tgtEl>
+                                          <p:spTgt spid="3">
+                                            <p:txEl>
+                                              <p:pRg st="4" end="4"/>
+                                            </p:txEl>
+                                          </p:spTgt>
+                                        </p:tgtEl>
+                                        <p:attrNameLst>
+                                          <p:attrName>style.visibility</p:attrName>
+                                        </p:attrNameLst>
+                                      </p:cBhvr>
+                                      <p:to>
+                                        <p:strVal val="visible"/>
+                                      </p:to>
+                                    </p:set>
+                                    <p:animEffect transition="in" filter="wipe(down)">
+                                      <p:cBhvr>
+                                        <p:cTn id="29" dur="500"/>
+                                        <p:tgtEl>
+                                          <p:spTgt spid="3">
+                                            <p:txEl>
+                                              <p:pRg st="4" end="4"/>
+                                            </p:txEl>
+                                          </p:spTgt>
+                                        </p:tgtEl>
+                                      </p:cBhvr>
+                                    </p:animEffect>
+                                  </p:childTnLst>
+                                </p:cTn>
+                              </p:par>
+                              <p:par>
+                                <p:cTn id="30" presetID="22" presetClass="entr" presetSubtype="4" fill="hold" nodeType="withEffect">
+                                  <p:stCondLst>
+                                    <p:cond delay="0"/>
+                                  </p:stCondLst>
+                                  <p:childTnLst>
+                                    <p:set>
+                                      <p:cBhvr>
+                                        <p:cTn id="31" dur="1" fill="hold">
+                                          <p:stCondLst>
+                                            <p:cond delay="0"/>
+                                          </p:stCondLst>
+                                        </p:cTn>
+                                        <p:tgtEl>
+                                          <p:spTgt spid="3">
+                                            <p:txEl>
+                                              <p:pRg st="5" end="5"/>
+                                            </p:txEl>
+                                          </p:spTgt>
+                                        </p:tgtEl>
+                                        <p:attrNameLst>
+                                          <p:attrName>style.visibility</p:attrName>
+                                        </p:attrNameLst>
+                                      </p:cBhvr>
+                                      <p:to>
+                                        <p:strVal val="visible"/>
+                                      </p:to>
+                                    </p:set>
+                                    <p:animEffect transition="in" filter="wipe(down)">
+                                      <p:cBhvr>
+                                        <p:cTn id="32" dur="500"/>
+                                        <p:tgtEl>
+                                          <p:spTgt spid="3">
+                                            <p:txEl>
+                                              <p:pRg st="5" end="5"/>
+                                            </p:txEl>
+                                          </p:spTgt>
+                                        </p:tgtEl>
+                                      </p:cBhvr>
+                                    </p:animEffect>
+                                  </p:childTnLst>
+                                </p:cTn>
+                              </p:par>
+                            </p:childTnLst>
+                          </p:cTn>
+                        </p:par>
+                      </p:childTnLst>
+                    </p:cTn>
+                  </p:par>
+                  <p:par>
+                    <p:cTn id="33" fill="hold">
+                      <p:stCondLst>
+                        <p:cond delay="indefinite"/>
+                      </p:stCondLst>
+                      <p:childTnLst>
+                        <p:par>
+                          <p:cTn id="34" fill="hold">
+                            <p:stCondLst>
+                              <p:cond delay="0"/>
+                            </p:stCondLst>
+                            <p:childTnLst>
+                              <p:par>
+                                <p:cTn id="35" presetID="10" presetClass="entr" presetSubtype="0" fill="hold" nodeType="clickEffect">
+                                  <p:stCondLst>
+                                    <p:cond delay="0"/>
+                                  </p:stCondLst>
+                                  <p:childTnLst>
+                                    <p:set>
+                                      <p:cBhvr>
+                                        <p:cTn id="36" dur="1" fill="hold">
+                                          <p:stCondLst>
+                                            <p:cond delay="0"/>
+                                          </p:stCondLst>
+                                        </p:cTn>
+                                        <p:tgtEl>
+                                          <p:spTgt spid="3">
+                                            <p:txEl>
+                                              <p:pRg st="6" end="6"/>
+                                            </p:txEl>
+                                          </p:spTgt>
+                                        </p:tgtEl>
+                                        <p:attrNameLst>
+                                          <p:attrName>style.visibility</p:attrName>
+                                        </p:attrNameLst>
+                                      </p:cBhvr>
+                                      <p:to>
+                                        <p:strVal val="visible"/>
+                                      </p:to>
+                                    </p:set>
+                                    <p:animEffect transition="in" filter="fade">
+                                      <p:cBhvr>
+                                        <p:cTn id="37" dur="500"/>
+                                        <p:tgtEl>
+                                          <p:spTgt spid="3">
+                                            <p:txEl>
+                                              <p:pRg st="6" end="6"/>
+                                            </p:txEl>
+                                          </p:spTgt>
+                                        </p:tgtEl>
+                                      </p:cBhvr>
+                                    </p:animEffect>
+                                  </p:childTnLst>
+                                </p:cTn>
+                              </p:par>
+                            </p:childTnLst>
+                          </p:cTn>
+                        </p:par>
+                      </p:childTnLst>
+                    </p:cTn>
+                  </p:par>
+                  <p:par>
+                    <p:cTn id="38" fill="hold">
+                      <p:stCondLst>
+                        <p:cond delay="indefinite"/>
+                      </p:stCondLst>
+                      <p:childTnLst>
+                        <p:par>
+                          <p:cTn id="39" fill="hold">
+                            <p:stCondLst>
+                              <p:cond delay="0"/>
+                            </p:stCondLst>
+                            <p:childTnLst>
+                              <p:par>
+                                <p:cTn id="40" presetID="10" presetClass="entr" presetSubtype="0" fill="hold" nodeType="clickEffect">
+                                  <p:stCondLst>
+                                    <p:cond delay="0"/>
+                                  </p:stCondLst>
+                                  <p:childTnLst>
+                                    <p:set>
+                                      <p:cBhvr>
+                                        <p:cTn id="41" dur="1" fill="hold">
+                                          <p:stCondLst>
+                                            <p:cond delay="0"/>
+                                          </p:stCondLst>
+                                        </p:cTn>
+                                        <p:tgtEl>
+                                          <p:spTgt spid="3">
+                                            <p:txEl>
+                                              <p:pRg st="7" end="7"/>
+                                            </p:txEl>
+                                          </p:spTgt>
+                                        </p:tgtEl>
+                                        <p:attrNameLst>
+                                          <p:attrName>style.visibility</p:attrName>
+                                        </p:attrNameLst>
+                                      </p:cBhvr>
+                                      <p:to>
+                                        <p:strVal val="visible"/>
+                                      </p:to>
+                                    </p:set>
+                                    <p:animEffect transition="in" filter="fade">
+                                      <p:cBhvr>
+                                        <p:cTn id="42" dur="500"/>
+                                        <p:tgtEl>
+                                          <p:spTgt spid="3">
+                                            <p:txEl>
+                                              <p:pRg st="7" end="7"/>
+                                            </p:txEl>
+                                          </p:spTgt>
+                                        </p:tgtEl>
+                                      </p:cBhvr>
+                                    </p:animEffect>
+                                  </p:childTnLst>
+                                </p:cTn>
+                              </p:par>
+                            </p:childTnLst>
+                          </p:cTn>
+                        </p:par>
+                      </p:childTnLst>
+                    </p:cTn>
+                  </p:par>
+                </p:childTnLst>
+              </p:cTn>
+              <p:prevCondLst>
+                <p:cond evt="onPrev" delay="0">
+                  <p:tgtEl>
+                    <p:sldTgt/>
+                  </p:tgtEl>
+                </p:cond>
+              </p:prevCondLst>
+              <p:nextCondLst>
+                <p:cond evt="onNext" delay="0">
+                  <p:tgtEl>
+                    <p:sldTgt/>
+                  </p:tgtEl>
+                </p:cond>
+              </p:nextCondLst>
+            </p:seq>
+          </p:childTnLst>
+        </p:cTn>
+      </p:par>
+    </p:tnLst>
+  </p:timing>
+</p:sld>
+</file>
+
+<file path=ppt/slides/slide19.xml><?xml version="1.0" encoding="utf-8"?>
+<p:sld xmlns:a="http://schemas.openxmlformats.org/drawingml/2006/main" xmlns:r="http://schemas.openxmlformats.org/officeDocument/2006/relationships" xmlns:p="http://schemas.openxmlformats.org/presentationml/2006/main">
+  <p:cSld>
+    <p:spTree>
+      <p:nvGrpSpPr>
+        <p:cNvPr id="1" name=""/>
+        <p:cNvGrpSpPr/>
+        <p:nvPr/>
+      </p:nvGrpSpPr>
+      <p:grpSpPr>
+        <a:xfrm>
+          <a:off x="0" y="0"/>
+          <a:ext cx="0" cy="0"/>
+          <a:chOff x="0" y="0"/>
+          <a:chExt cx="0" cy="0"/>
+        </a:xfrm>
+      </p:grpSpPr>
+      <p:sp>
+        <p:nvSpPr>
+          <p:cNvPr id="2" name="タイトル 1">
+            <a:extLst>
+              <a:ext uri="{FF2B5EF4-FFF2-40B4-BE49-F238E27FC236}">
                 <a16:creationId xmlns:a16="http://schemas.microsoft.com/office/drawing/2014/main" id="{01819A88-7BF0-4B35-9188-22C0FC8167F9}"/>
               </a:ext>
             </a:extLst>
@@ -10474,173 +11672,6 @@
 </p:sld>
 </file>
 
-<file path=ppt/slides/slide19.xml><?xml version="1.0" encoding="utf-8"?>
-<p:sld xmlns:a="http://schemas.openxmlformats.org/drawingml/2006/main" xmlns:r="http://schemas.openxmlformats.org/officeDocument/2006/relationships" xmlns:p="http://schemas.openxmlformats.org/presentationml/2006/main">
-  <p:cSld>
-    <p:spTree>
-      <p:nvGrpSpPr>
-        <p:cNvPr id="1" name=""/>
-        <p:cNvGrpSpPr/>
-        <p:nvPr/>
-      </p:nvGrpSpPr>
-      <p:grpSpPr>
-        <a:xfrm>
-          <a:off x="0" y="0"/>
-          <a:ext cx="0" cy="0"/>
-          <a:chOff x="0" y="0"/>
-          <a:chExt cx="0" cy="0"/>
-        </a:xfrm>
-      </p:grpSpPr>
-      <p:sp>
-        <p:nvSpPr>
-          <p:cNvPr id="2" name="タイトル 1">
-            <a:extLst>
-              <a:ext uri="{FF2B5EF4-FFF2-40B4-BE49-F238E27FC236}">
-                <a16:creationId xmlns:a16="http://schemas.microsoft.com/office/drawing/2014/main" id="{01819A88-7BF0-4B35-9188-22C0FC8167F9}"/>
-              </a:ext>
-            </a:extLst>
-          </p:cNvPr>
-          <p:cNvSpPr>
-            <a:spLocks noGrp="1"/>
-          </p:cNvSpPr>
-          <p:nvPr>
-            <p:ph type="title"/>
-          </p:nvPr>
-        </p:nvSpPr>
-        <p:spPr>
-          <a:xfrm>
-            <a:off x="66679" y="75324"/>
-            <a:ext cx="9071640" cy="609398"/>
-          </a:xfrm>
-        </p:spPr>
-        <p:txBody>
-          <a:bodyPr/>
-          <a:lstStyle/>
-          <a:p>
-            <a:r>
-              <a:rPr kumimoji="1" lang="ja-JP" altLang="en-US" dirty="0"/>
-              <a:t>フィードバックしてみた（２）</a:t>
-            </a:r>
-          </a:p>
-        </p:txBody>
-      </p:sp>
-      <p:sp>
-        <p:nvSpPr>
-          <p:cNvPr id="3" name="字幕 2">
-            <a:extLst>
-              <a:ext uri="{FF2B5EF4-FFF2-40B4-BE49-F238E27FC236}">
-                <a16:creationId xmlns:a16="http://schemas.microsoft.com/office/drawing/2014/main" id="{44D7F21A-9619-46DD-8A00-98361151C8AF}"/>
-              </a:ext>
-            </a:extLst>
-          </p:cNvPr>
-          <p:cNvSpPr>
-            <a:spLocks noGrp="1"/>
-          </p:cNvSpPr>
-          <p:nvPr>
-            <p:ph type="subTitle"/>
-          </p:nvPr>
-        </p:nvSpPr>
-        <p:spPr>
-          <a:xfrm>
-            <a:off x="5923514" y="1136096"/>
-            <a:ext cx="3691882" cy="1803571"/>
-          </a:xfrm>
-        </p:spPr>
-        <p:txBody>
-          <a:bodyPr/>
-          <a:lstStyle/>
-          <a:p>
-            <a:pPr marL="457200" indent="-457200">
-              <a:buFont typeface="Arial" panose="020B0604020202020204" pitchFamily="34" charset="0"/>
-              <a:buChar char="•"/>
-            </a:pPr>
-            <a:r>
-              <a:rPr kumimoji="1" lang="en-US" altLang="ja-JP" sz="2800" dirty="0">
-                <a:hlinkClick r:id="rId3"/>
-              </a:rPr>
-              <a:t>Grafana/Loki#1454</a:t>
-            </a:r>
-            <a:endParaRPr lang="en-US" altLang="ja-JP" sz="2800" dirty="0"/>
-          </a:p>
-          <a:p>
-            <a:pPr marL="457200" lvl="4" indent="-457200">
-              <a:buFont typeface="Arial" panose="020B0604020202020204" pitchFamily="34" charset="0"/>
-              <a:buChar char="•"/>
-            </a:pPr>
-            <a:r>
-              <a:rPr lang="ja-JP" altLang="en-US" dirty="0"/>
-              <a:t>複数インスタンスサポートの提案</a:t>
-            </a:r>
-            <a:endParaRPr lang="en-US" altLang="ja-JP" dirty="0"/>
-          </a:p>
-          <a:p>
-            <a:pPr marL="457200" lvl="4" indent="-457200">
-              <a:buFont typeface="Arial" panose="020B0604020202020204" pitchFamily="34" charset="0"/>
-              <a:buChar char="•"/>
-            </a:pPr>
-            <a:r>
-              <a:rPr lang="ja-JP" altLang="en-US" dirty="0"/>
-              <a:t>結果的には直接はマージされなかった。アイディアは取り込まれた。</a:t>
-            </a:r>
-            <a:endParaRPr lang="en-US" altLang="ja-JP" dirty="0"/>
-          </a:p>
-          <a:p>
-            <a:pPr marL="457200" lvl="1" indent="-457200">
-              <a:buFont typeface="Arial" panose="020B0604020202020204" pitchFamily="34" charset="0"/>
-              <a:buChar char="•"/>
-            </a:pPr>
-            <a:endParaRPr kumimoji="1" lang="en-US" altLang="ja-JP" sz="200" dirty="0"/>
-          </a:p>
-        </p:txBody>
-      </p:sp>
-      <p:pic>
-        <p:nvPicPr>
-          <p:cNvPr id="6" name="図 5">
-            <a:extLst>
-              <a:ext uri="{FF2B5EF4-FFF2-40B4-BE49-F238E27FC236}">
-                <a16:creationId xmlns:a16="http://schemas.microsoft.com/office/drawing/2014/main" id="{50687F6C-F349-4E39-99D6-B98AC8D11195}"/>
-              </a:ext>
-            </a:extLst>
-          </p:cNvPr>
-          <p:cNvPicPr>
-            <a:picLocks noChangeAspect="1"/>
-          </p:cNvPicPr>
-          <p:nvPr/>
-        </p:nvPicPr>
-        <p:blipFill>
-          <a:blip r:embed="rId4">
-            <a:extLst>
-              <a:ext uri="{28A0092B-C50C-407E-A947-70E740481C1C}">
-                <a14:useLocalDpi xmlns:a14="http://schemas.microsoft.com/office/drawing/2010/main" val="0"/>
-              </a:ext>
-            </a:extLst>
-          </a:blip>
-          <a:srcRect/>
-          <a:stretch/>
-        </p:blipFill>
-        <p:spPr>
-          <a:xfrm>
-            <a:off x="503999" y="684722"/>
-            <a:ext cx="4674287" cy="6329838"/>
-          </a:xfrm>
-          <a:prstGeom prst="rect">
-            <a:avLst/>
-          </a:prstGeom>
-        </p:spPr>
-      </p:pic>
-    </p:spTree>
-    <p:extLst>
-      <p:ext uri="{BB962C8B-B14F-4D97-AF65-F5344CB8AC3E}">
-        <p14:creationId xmlns:p14="http://schemas.microsoft.com/office/powerpoint/2010/main" val="2421097760"/>
-      </p:ext>
-    </p:extLst>
-  </p:cSld>
-  <p:clrMapOvr>
-    <a:masterClrMapping/>
-  </p:clrMapOvr>
-</p:sld>
-</file>
-
 <file path=ppt/slides/slide2.xml><?xml version="1.0" encoding="utf-8"?>
 <p:sld xmlns:a="http://schemas.openxmlformats.org/drawingml/2006/main" xmlns:r="http://schemas.openxmlformats.org/officeDocument/2006/relationships" xmlns:p="http://schemas.openxmlformats.org/presentationml/2006/main">
   <p:cSld>
@@ -10731,8 +11762,12 @@
               <a:buNone/>
             </a:pPr>
             <a:r>
-              <a:rPr lang="ja-JP" altLang="en-US" dirty="0"/>
-              <a:t>畑ケ 宇宙</a:t>
+              <a:rPr lang="en-US" altLang="ja-JP" dirty="0"/>
+              <a:t>Hiroshi </a:t>
+            </a:r>
+            <a:r>
+              <a:rPr lang="en-US" altLang="ja-JP" dirty="0" err="1"/>
+              <a:t>Hatake</a:t>
             </a:r>
             <a:endParaRPr lang="en-US" altLang="ja-JP" dirty="0"/>
           </a:p>
@@ -10786,11 +11821,11 @@
               <a:t>といくつかの</a:t>
             </a:r>
             <a:r>
-              <a:rPr kumimoji="1" lang="en-US" altLang="ja-JP"/>
+              <a:rPr kumimoji="1" lang="en-US" altLang="ja-JP" dirty="0" err="1"/>
               <a:t>Fluentd</a:t>
             </a:r>
             <a:r>
-              <a:rPr kumimoji="1" lang="ja-JP" altLang="en-US"/>
+              <a:rPr kumimoji="1" lang="ja-JP" altLang="en-US" dirty="0"/>
               <a:t>プラグイン</a:t>
             </a:r>
             <a:r>
@@ -10903,6 +11938,173 @@
           <p:cNvPr id="2" name="タイトル 1">
             <a:extLst>
               <a:ext uri="{FF2B5EF4-FFF2-40B4-BE49-F238E27FC236}">
+                <a16:creationId xmlns:a16="http://schemas.microsoft.com/office/drawing/2014/main" id="{01819A88-7BF0-4B35-9188-22C0FC8167F9}"/>
+              </a:ext>
+            </a:extLst>
+          </p:cNvPr>
+          <p:cNvSpPr>
+            <a:spLocks noGrp="1"/>
+          </p:cNvSpPr>
+          <p:nvPr>
+            <p:ph type="title"/>
+          </p:nvPr>
+        </p:nvSpPr>
+        <p:spPr>
+          <a:xfrm>
+            <a:off x="66679" y="75324"/>
+            <a:ext cx="9071640" cy="609398"/>
+          </a:xfrm>
+        </p:spPr>
+        <p:txBody>
+          <a:bodyPr/>
+          <a:lstStyle/>
+          <a:p>
+            <a:r>
+              <a:rPr kumimoji="1" lang="ja-JP" altLang="en-US" dirty="0"/>
+              <a:t>フィードバックしてみた（２）</a:t>
+            </a:r>
+          </a:p>
+        </p:txBody>
+      </p:sp>
+      <p:sp>
+        <p:nvSpPr>
+          <p:cNvPr id="3" name="字幕 2">
+            <a:extLst>
+              <a:ext uri="{FF2B5EF4-FFF2-40B4-BE49-F238E27FC236}">
+                <a16:creationId xmlns:a16="http://schemas.microsoft.com/office/drawing/2014/main" id="{44D7F21A-9619-46DD-8A00-98361151C8AF}"/>
+              </a:ext>
+            </a:extLst>
+          </p:cNvPr>
+          <p:cNvSpPr>
+            <a:spLocks noGrp="1"/>
+          </p:cNvSpPr>
+          <p:nvPr>
+            <p:ph type="subTitle"/>
+          </p:nvPr>
+        </p:nvSpPr>
+        <p:spPr>
+          <a:xfrm>
+            <a:off x="5923514" y="1136096"/>
+            <a:ext cx="3691882" cy="1803571"/>
+          </a:xfrm>
+        </p:spPr>
+        <p:txBody>
+          <a:bodyPr/>
+          <a:lstStyle/>
+          <a:p>
+            <a:pPr marL="457200" indent="-457200">
+              <a:buFont typeface="Arial" panose="020B0604020202020204" pitchFamily="34" charset="0"/>
+              <a:buChar char="•"/>
+            </a:pPr>
+            <a:r>
+              <a:rPr lang="en-US" altLang="ja-JP" sz="2800" dirty="0">
+                <a:hlinkClick r:id="rId3"/>
+              </a:rPr>
+              <a:t>Grafana/Loki#1294</a:t>
+            </a:r>
+            <a:endParaRPr lang="en-US" altLang="ja-JP" sz="2800" dirty="0"/>
+          </a:p>
+          <a:p>
+            <a:pPr marL="457200" lvl="4" indent="-457200">
+              <a:buFont typeface="Arial" panose="020B0604020202020204" pitchFamily="34" charset="0"/>
+              <a:buChar char="•"/>
+            </a:pPr>
+            <a:r>
+              <a:rPr lang="ja-JP" altLang="en-US" dirty="0"/>
+              <a:t>複数インスタンスサポートの提案</a:t>
+            </a:r>
+            <a:endParaRPr lang="en-US" altLang="ja-JP" dirty="0"/>
+          </a:p>
+          <a:p>
+            <a:pPr marL="457200" lvl="4" indent="-457200">
+              <a:buFont typeface="Arial" panose="020B0604020202020204" pitchFamily="34" charset="0"/>
+              <a:buChar char="•"/>
+            </a:pPr>
+            <a:r>
+              <a:rPr lang="ja-JP" altLang="en-US" dirty="0"/>
+              <a:t>結果的には直接はマージされなかった。アイディアは取り込まれた。</a:t>
+            </a:r>
+            <a:endParaRPr lang="en-US" altLang="ja-JP" dirty="0"/>
+          </a:p>
+          <a:p>
+            <a:pPr marL="457200" lvl="1" indent="-457200">
+              <a:buFont typeface="Arial" panose="020B0604020202020204" pitchFamily="34" charset="0"/>
+              <a:buChar char="•"/>
+            </a:pPr>
+            <a:endParaRPr kumimoji="1" lang="en-US" altLang="ja-JP" sz="200" dirty="0"/>
+          </a:p>
+        </p:txBody>
+      </p:sp>
+      <p:pic>
+        <p:nvPicPr>
+          <p:cNvPr id="6" name="図 5">
+            <a:extLst>
+              <a:ext uri="{FF2B5EF4-FFF2-40B4-BE49-F238E27FC236}">
+                <a16:creationId xmlns:a16="http://schemas.microsoft.com/office/drawing/2014/main" id="{50687F6C-F349-4E39-99D6-B98AC8D11195}"/>
+              </a:ext>
+            </a:extLst>
+          </p:cNvPr>
+          <p:cNvPicPr>
+            <a:picLocks noChangeAspect="1"/>
+          </p:cNvPicPr>
+          <p:nvPr/>
+        </p:nvPicPr>
+        <p:blipFill>
+          <a:blip r:embed="rId4">
+            <a:extLst>
+              <a:ext uri="{28A0092B-C50C-407E-A947-70E740481C1C}">
+                <a14:useLocalDpi xmlns:a14="http://schemas.microsoft.com/office/drawing/2010/main" val="0"/>
+              </a:ext>
+            </a:extLst>
+          </a:blip>
+          <a:srcRect/>
+          <a:stretch/>
+        </p:blipFill>
+        <p:spPr>
+          <a:xfrm>
+            <a:off x="503999" y="684722"/>
+            <a:ext cx="4674287" cy="6329838"/>
+          </a:xfrm>
+          <a:prstGeom prst="rect">
+            <a:avLst/>
+          </a:prstGeom>
+        </p:spPr>
+      </p:pic>
+    </p:spTree>
+    <p:extLst>
+      <p:ext uri="{BB962C8B-B14F-4D97-AF65-F5344CB8AC3E}">
+        <p14:creationId xmlns:p14="http://schemas.microsoft.com/office/powerpoint/2010/main" val="2421097760"/>
+      </p:ext>
+    </p:extLst>
+  </p:cSld>
+  <p:clrMapOvr>
+    <a:masterClrMapping/>
+  </p:clrMapOvr>
+</p:sld>
+</file>
+
+<file path=ppt/slides/slide21.xml><?xml version="1.0" encoding="utf-8"?>
+<p:sld xmlns:a="http://schemas.openxmlformats.org/drawingml/2006/main" xmlns:r="http://schemas.openxmlformats.org/officeDocument/2006/relationships" xmlns:p="http://schemas.openxmlformats.org/presentationml/2006/main">
+  <p:cSld>
+    <p:spTree>
+      <p:nvGrpSpPr>
+        <p:cNvPr id="1" name=""/>
+        <p:cNvGrpSpPr/>
+        <p:nvPr/>
+      </p:nvGrpSpPr>
+      <p:grpSpPr>
+        <a:xfrm>
+          <a:off x="0" y="0"/>
+          <a:ext cx="0" cy="0"/>
+          <a:chOff x="0" y="0"/>
+          <a:chExt cx="0" cy="0"/>
+        </a:xfrm>
+      </p:grpSpPr>
+      <p:sp>
+        <p:nvSpPr>
+          <p:cNvPr id="2" name="タイトル 1">
+            <a:extLst>
+              <a:ext uri="{FF2B5EF4-FFF2-40B4-BE49-F238E27FC236}">
                 <a16:creationId xmlns:a16="http://schemas.microsoft.com/office/drawing/2014/main" id="{20831908-34A1-487C-B743-3E4E9DAA22C5}"/>
               </a:ext>
             </a:extLst>
@@ -11518,7 +12720,7 @@
 </p:sld>
 </file>
 
-<file path=ppt/slides/slide21.xml><?xml version="1.0" encoding="utf-8"?>
+<file path=ppt/slides/slide22.xml><?xml version="1.0" encoding="utf-8"?>
 <p:sld xmlns:a="http://schemas.openxmlformats.org/drawingml/2006/main" xmlns:r="http://schemas.openxmlformats.org/officeDocument/2006/relationships" xmlns:p="http://schemas.openxmlformats.org/presentationml/2006/main">
   <p:cSld>
     <p:spTree>
@@ -11992,7 +13194,7 @@
 </p:sld>
 </file>
 
-<file path=ppt/slides/slide22.xml><?xml version="1.0" encoding="utf-8"?>
+<file path=ppt/slides/slide23.xml><?xml version="1.0" encoding="utf-8"?>
 <p:sld xmlns:a="http://schemas.openxmlformats.org/drawingml/2006/main" xmlns:r="http://schemas.openxmlformats.org/officeDocument/2006/relationships" xmlns:p="http://schemas.openxmlformats.org/presentationml/2006/main">
   <p:cSld>
     <p:spTree>
@@ -12163,196 +13365,6 @@
 </p:sld>
 </file>
 
-<file path=ppt/slides/slide23.xml><?xml version="1.0" encoding="utf-8"?>
-<p:sld xmlns:a="http://schemas.openxmlformats.org/drawingml/2006/main" xmlns:r="http://schemas.openxmlformats.org/officeDocument/2006/relationships" xmlns:p="http://schemas.openxmlformats.org/presentationml/2006/main">
-  <p:cSld>
-    <p:spTree>
-      <p:nvGrpSpPr>
-        <p:cNvPr id="1" name=""/>
-        <p:cNvGrpSpPr/>
-        <p:nvPr/>
-      </p:nvGrpSpPr>
-      <p:grpSpPr>
-        <a:xfrm>
-          <a:off x="0" y="0"/>
-          <a:ext cx="0" cy="0"/>
-          <a:chOff x="0" y="0"/>
-          <a:chExt cx="0" cy="0"/>
-        </a:xfrm>
-      </p:grpSpPr>
-      <p:sp>
-        <p:nvSpPr>
-          <p:cNvPr id="2" name="タイトル 1">
-            <a:extLst>
-              <a:ext uri="{FF2B5EF4-FFF2-40B4-BE49-F238E27FC236}">
-                <a16:creationId xmlns:a16="http://schemas.microsoft.com/office/drawing/2014/main" id="{79F2C29A-C1F9-4083-804E-8C90464231FE}"/>
-              </a:ext>
-            </a:extLst>
-          </p:cNvPr>
-          <p:cNvSpPr>
-            <a:spLocks noGrp="1"/>
-          </p:cNvSpPr>
-          <p:nvPr>
-            <p:ph type="title"/>
-          </p:nvPr>
-        </p:nvSpPr>
-        <p:spPr>
-          <a:xfrm>
-            <a:off x="504000" y="559301"/>
-            <a:ext cx="9071640" cy="609398"/>
-          </a:xfrm>
-        </p:spPr>
-        <p:txBody>
-          <a:bodyPr/>
-          <a:lstStyle/>
-          <a:p>
-            <a:r>
-              <a:rPr lang="ja-JP" altLang="en-US" dirty="0"/>
-              <a:t>フィードバックすると良いこと</a:t>
-            </a:r>
-            <a:endParaRPr kumimoji="1" lang="ja-JP" altLang="en-US" dirty="0"/>
-          </a:p>
-        </p:txBody>
-      </p:sp>
-      <p:sp>
-        <p:nvSpPr>
-          <p:cNvPr id="3" name="字幕 2">
-            <a:extLst>
-              <a:ext uri="{FF2B5EF4-FFF2-40B4-BE49-F238E27FC236}">
-                <a16:creationId xmlns:a16="http://schemas.microsoft.com/office/drawing/2014/main" id="{860671D0-3F98-4F34-B439-CD3A80148743}"/>
-              </a:ext>
-            </a:extLst>
-          </p:cNvPr>
-          <p:cNvSpPr>
-            <a:spLocks noGrp="1"/>
-          </p:cNvSpPr>
-          <p:nvPr>
-            <p:ph type="subTitle"/>
-          </p:nvPr>
-        </p:nvSpPr>
-        <p:spPr>
-          <a:xfrm>
-            <a:off x="504000" y="2554768"/>
-            <a:ext cx="9071640" cy="3026470"/>
-          </a:xfrm>
-        </p:spPr>
-        <p:txBody>
-          <a:bodyPr/>
-          <a:lstStyle/>
-          <a:p>
-            <a:r>
-              <a:rPr kumimoji="1" lang="ja-JP" altLang="en-US" dirty="0"/>
-              <a:t>独力ではすぐに対応できないプラットフォームに対応できた</a:t>
-            </a:r>
-            <a:endParaRPr kumimoji="1" lang="en-US" altLang="ja-JP" dirty="0"/>
-          </a:p>
-          <a:p>
-            <a:pPr lvl="1"/>
-            <a:r>
-              <a:rPr lang="en-US" altLang="ja-JP" dirty="0"/>
-              <a:t>Grafana/Loki</a:t>
-            </a:r>
-            <a:r>
-              <a:rPr lang="ja-JP" altLang="en-US" dirty="0"/>
-              <a:t>は</a:t>
-            </a:r>
-            <a:r>
-              <a:rPr lang="en-US" altLang="ja-JP" dirty="0"/>
-              <a:t>k8s</a:t>
-            </a:r>
-            <a:r>
-              <a:rPr lang="ja-JP" altLang="en-US" dirty="0"/>
-              <a:t>での運用も見据えられている</a:t>
-            </a:r>
-            <a:endParaRPr lang="en-US" altLang="ja-JP" dirty="0"/>
-          </a:p>
-          <a:p>
-            <a:pPr lvl="1"/>
-            <a:r>
-              <a:rPr lang="en-US" altLang="ja-JP" dirty="0"/>
-              <a:t>f</a:t>
-            </a:r>
-            <a:r>
-              <a:rPr kumimoji="1" lang="en-US" altLang="ja-JP" dirty="0"/>
-              <a:t>luent-bit-go-</a:t>
-            </a:r>
-            <a:r>
-              <a:rPr kumimoji="1" lang="en-US" altLang="ja-JP" dirty="0" err="1"/>
-              <a:t>loki</a:t>
-            </a:r>
-            <a:r>
-              <a:rPr kumimoji="1" lang="ja-JP" altLang="en-US" dirty="0"/>
-              <a:t>の</a:t>
-            </a:r>
-            <a:r>
-              <a:rPr kumimoji="1" lang="en-US" altLang="ja-JP" dirty="0"/>
-              <a:t>k8s</a:t>
-            </a:r>
-            <a:r>
-              <a:rPr kumimoji="1" lang="ja-JP" altLang="en-US" dirty="0"/>
-              <a:t>へのデプロイのための</a:t>
-            </a:r>
-            <a:r>
-              <a:rPr kumimoji="1" lang="en-US" altLang="ja-JP" dirty="0"/>
-              <a:t>helm chart</a:t>
-            </a:r>
-            <a:r>
-              <a:rPr kumimoji="1" lang="ja-JP" altLang="en-US" dirty="0"/>
-              <a:t>サポートが入った</a:t>
-            </a:r>
-            <a:endParaRPr lang="en-US" altLang="ja-JP" dirty="0"/>
-          </a:p>
-          <a:p>
-            <a:pPr lvl="1"/>
-            <a:r>
-              <a:rPr kumimoji="1" lang="en-US" altLang="ja-JP" dirty="0"/>
-              <a:t>Grafana/Loki</a:t>
-            </a:r>
-            <a:r>
-              <a:rPr kumimoji="1" lang="ja-JP" altLang="en-US" dirty="0"/>
-              <a:t>公式の</a:t>
-            </a:r>
-            <a:r>
-              <a:rPr kumimoji="1" lang="en-US" altLang="ja-JP" dirty="0"/>
-              <a:t>fluent-bit</a:t>
-            </a:r>
-            <a:r>
-              <a:rPr kumimoji="1" lang="ja-JP" altLang="en-US" dirty="0"/>
-              <a:t>プラグインの</a:t>
-            </a:r>
-            <a:r>
-              <a:rPr kumimoji="1" lang="en-US" altLang="ja-JP" dirty="0"/>
-              <a:t>Docker</a:t>
-            </a:r>
-            <a:r>
-              <a:rPr kumimoji="1" lang="ja-JP" altLang="en-US" dirty="0"/>
-              <a:t>イメージが提供されるようになった</a:t>
-            </a:r>
-            <a:endParaRPr kumimoji="1" lang="en-US" altLang="ja-JP" dirty="0"/>
-          </a:p>
-          <a:p>
-            <a:pPr lvl="1"/>
-            <a:r>
-              <a:rPr lang="ja-JP" altLang="en-US" dirty="0"/>
-              <a:t>ドキュメントもちゃんと書かれた</a:t>
-            </a:r>
-            <a:endParaRPr kumimoji="1" lang="ja-JP" altLang="en-US" dirty="0"/>
-          </a:p>
-        </p:txBody>
-      </p:sp>
-    </p:spTree>
-    <p:extLst>
-      <p:ext uri="{BB962C8B-B14F-4D97-AF65-F5344CB8AC3E}">
-        <p14:creationId xmlns:p14="http://schemas.microsoft.com/office/powerpoint/2010/main" val="4138964987"/>
-      </p:ext>
-    </p:extLst>
-  </p:cSld>
-  <p:clrMapOvr>
-    <a:masterClrMapping/>
-  </p:clrMapOvr>
-</p:sld>
-</file>
-
 <file path=ppt/slides/slide24.xml><?xml version="1.0" encoding="utf-8"?>
 <p:sld xmlns:a="http://schemas.openxmlformats.org/drawingml/2006/main" xmlns:r="http://schemas.openxmlformats.org/officeDocument/2006/relationships" xmlns:p="http://schemas.openxmlformats.org/presentationml/2006/main">
   <p:cSld>
@@ -12372,6 +13384,196 @@
       </p:grpSpPr>
       <p:sp>
         <p:nvSpPr>
+          <p:cNvPr id="2" name="タイトル 1">
+            <a:extLst>
+              <a:ext uri="{FF2B5EF4-FFF2-40B4-BE49-F238E27FC236}">
+                <a16:creationId xmlns:a16="http://schemas.microsoft.com/office/drawing/2014/main" id="{79F2C29A-C1F9-4083-804E-8C90464231FE}"/>
+              </a:ext>
+            </a:extLst>
+          </p:cNvPr>
+          <p:cNvSpPr>
+            <a:spLocks noGrp="1"/>
+          </p:cNvSpPr>
+          <p:nvPr>
+            <p:ph type="title"/>
+          </p:nvPr>
+        </p:nvSpPr>
+        <p:spPr>
+          <a:xfrm>
+            <a:off x="504000" y="559301"/>
+            <a:ext cx="9071640" cy="609398"/>
+          </a:xfrm>
+        </p:spPr>
+        <p:txBody>
+          <a:bodyPr/>
+          <a:lstStyle/>
+          <a:p>
+            <a:r>
+              <a:rPr lang="ja-JP" altLang="en-US" dirty="0"/>
+              <a:t>フィードバックすると良いこと</a:t>
+            </a:r>
+            <a:endParaRPr kumimoji="1" lang="ja-JP" altLang="en-US" dirty="0"/>
+          </a:p>
+        </p:txBody>
+      </p:sp>
+      <p:sp>
+        <p:nvSpPr>
+          <p:cNvPr id="3" name="字幕 2">
+            <a:extLst>
+              <a:ext uri="{FF2B5EF4-FFF2-40B4-BE49-F238E27FC236}">
+                <a16:creationId xmlns:a16="http://schemas.microsoft.com/office/drawing/2014/main" id="{860671D0-3F98-4F34-B439-CD3A80148743}"/>
+              </a:ext>
+            </a:extLst>
+          </p:cNvPr>
+          <p:cNvSpPr>
+            <a:spLocks noGrp="1"/>
+          </p:cNvSpPr>
+          <p:nvPr>
+            <p:ph type="subTitle"/>
+          </p:nvPr>
+        </p:nvSpPr>
+        <p:spPr>
+          <a:xfrm>
+            <a:off x="504000" y="2554768"/>
+            <a:ext cx="9071640" cy="3026470"/>
+          </a:xfrm>
+        </p:spPr>
+        <p:txBody>
+          <a:bodyPr/>
+          <a:lstStyle/>
+          <a:p>
+            <a:r>
+              <a:rPr kumimoji="1" lang="ja-JP" altLang="en-US" dirty="0"/>
+              <a:t>独力ではすぐに対応できないプラットフォームに対応できた</a:t>
+            </a:r>
+            <a:endParaRPr kumimoji="1" lang="en-US" altLang="ja-JP" dirty="0"/>
+          </a:p>
+          <a:p>
+            <a:pPr lvl="1"/>
+            <a:r>
+              <a:rPr lang="en-US" altLang="ja-JP" dirty="0"/>
+              <a:t>Grafana/Loki</a:t>
+            </a:r>
+            <a:r>
+              <a:rPr lang="ja-JP" altLang="en-US" dirty="0"/>
+              <a:t>は</a:t>
+            </a:r>
+            <a:r>
+              <a:rPr lang="en-US" altLang="ja-JP" dirty="0"/>
+              <a:t>k8s</a:t>
+            </a:r>
+            <a:r>
+              <a:rPr lang="ja-JP" altLang="en-US" dirty="0"/>
+              <a:t>での運用も見据えられている</a:t>
+            </a:r>
+            <a:endParaRPr lang="en-US" altLang="ja-JP" dirty="0"/>
+          </a:p>
+          <a:p>
+            <a:pPr lvl="1"/>
+            <a:r>
+              <a:rPr lang="en-US" altLang="ja-JP" dirty="0"/>
+              <a:t>f</a:t>
+            </a:r>
+            <a:r>
+              <a:rPr kumimoji="1" lang="en-US" altLang="ja-JP" dirty="0"/>
+              <a:t>luent-bit-go-</a:t>
+            </a:r>
+            <a:r>
+              <a:rPr kumimoji="1" lang="en-US" altLang="ja-JP" dirty="0" err="1"/>
+              <a:t>loki</a:t>
+            </a:r>
+            <a:r>
+              <a:rPr kumimoji="1" lang="ja-JP" altLang="en-US" dirty="0"/>
+              <a:t>の</a:t>
+            </a:r>
+            <a:r>
+              <a:rPr kumimoji="1" lang="en-US" altLang="ja-JP" dirty="0"/>
+              <a:t>k8s</a:t>
+            </a:r>
+            <a:r>
+              <a:rPr kumimoji="1" lang="ja-JP" altLang="en-US" dirty="0"/>
+              <a:t>へのデプロイのための</a:t>
+            </a:r>
+            <a:r>
+              <a:rPr kumimoji="1" lang="en-US" altLang="ja-JP" dirty="0"/>
+              <a:t>helm chart</a:t>
+            </a:r>
+            <a:r>
+              <a:rPr kumimoji="1" lang="ja-JP" altLang="en-US" dirty="0"/>
+              <a:t>サポートが入った</a:t>
+            </a:r>
+            <a:endParaRPr lang="en-US" altLang="ja-JP" dirty="0"/>
+          </a:p>
+          <a:p>
+            <a:pPr lvl="1"/>
+            <a:r>
+              <a:rPr kumimoji="1" lang="en-US" altLang="ja-JP" dirty="0"/>
+              <a:t>Grafana/Loki</a:t>
+            </a:r>
+            <a:r>
+              <a:rPr kumimoji="1" lang="ja-JP" altLang="en-US" dirty="0"/>
+              <a:t>公式の</a:t>
+            </a:r>
+            <a:r>
+              <a:rPr kumimoji="1" lang="en-US" altLang="ja-JP" dirty="0"/>
+              <a:t>fluent-bit</a:t>
+            </a:r>
+            <a:r>
+              <a:rPr kumimoji="1" lang="ja-JP" altLang="en-US" dirty="0"/>
+              <a:t>プラグインの</a:t>
+            </a:r>
+            <a:r>
+              <a:rPr kumimoji="1" lang="en-US" altLang="ja-JP" dirty="0"/>
+              <a:t>Docker</a:t>
+            </a:r>
+            <a:r>
+              <a:rPr kumimoji="1" lang="ja-JP" altLang="en-US" dirty="0"/>
+              <a:t>イメージが提供されるようになった</a:t>
+            </a:r>
+            <a:endParaRPr kumimoji="1" lang="en-US" altLang="ja-JP" dirty="0"/>
+          </a:p>
+          <a:p>
+            <a:pPr lvl="1"/>
+            <a:r>
+              <a:rPr lang="ja-JP" altLang="en-US" dirty="0"/>
+              <a:t>ドキュメントもちゃんと書かれた</a:t>
+            </a:r>
+            <a:endParaRPr kumimoji="1" lang="ja-JP" altLang="en-US" dirty="0"/>
+          </a:p>
+        </p:txBody>
+      </p:sp>
+    </p:spTree>
+    <p:extLst>
+      <p:ext uri="{BB962C8B-B14F-4D97-AF65-F5344CB8AC3E}">
+        <p14:creationId xmlns:p14="http://schemas.microsoft.com/office/powerpoint/2010/main" val="4138964987"/>
+      </p:ext>
+    </p:extLst>
+  </p:cSld>
+  <p:clrMapOvr>
+    <a:masterClrMapping/>
+  </p:clrMapOvr>
+</p:sld>
+</file>
+
+<file path=ppt/slides/slide25.xml><?xml version="1.0" encoding="utf-8"?>
+<p:sld xmlns:a="http://schemas.openxmlformats.org/drawingml/2006/main" xmlns:r="http://schemas.openxmlformats.org/officeDocument/2006/relationships" xmlns:p="http://schemas.openxmlformats.org/presentationml/2006/main">
+  <p:cSld>
+    <p:spTree>
+      <p:nvGrpSpPr>
+        <p:cNvPr id="1" name=""/>
+        <p:cNvGrpSpPr/>
+        <p:nvPr/>
+      </p:nvGrpSpPr>
+      <p:grpSpPr>
+        <a:xfrm>
+          <a:off x="0" y="0"/>
+          <a:ext cx="0" cy="0"/>
+          <a:chOff x="0" y="0"/>
+          <a:chExt cx="0" cy="0"/>
+        </a:xfrm>
+      </p:grpSpPr>
+      <p:sp>
+        <p:nvSpPr>
           <p:cNvPr id="3" name="字幕 2">
             <a:extLst>
               <a:ext uri="{FF2B5EF4-FFF2-40B4-BE49-F238E27FC236}">
@@ -12388,8 +13590,8 @@
         </p:nvSpPr>
         <p:spPr>
           <a:xfrm>
-            <a:off x="504000" y="3054097"/>
-            <a:ext cx="9071640" cy="1918474"/>
+            <a:off x="504492" y="3092885"/>
+            <a:ext cx="9071640" cy="1661993"/>
           </a:xfrm>
         </p:spPr>
         <p:txBody>
@@ -12401,27 +13603,7 @@
             </a:pPr>
             <a:r>
               <a:rPr kumimoji="1" lang="ja-JP" altLang="en-US" sz="4000" dirty="0"/>
-              <a:t>ちょっとした不便さや、便利さを</a:t>
-            </a:r>
-            <a:endParaRPr kumimoji="1" lang="en-US" altLang="ja-JP" sz="4000" dirty="0"/>
-          </a:p>
-          <a:p>
-            <a:pPr marL="0" indent="0">
-              <a:buNone/>
-            </a:pPr>
-            <a:r>
-              <a:rPr kumimoji="1" lang="ja-JP" altLang="en-US" sz="4000" dirty="0"/>
-              <a:t>正しく開発元に伝えて昨日よりも</a:t>
-            </a:r>
-            <a:endParaRPr kumimoji="1" lang="en-US" altLang="ja-JP" sz="4000" dirty="0"/>
-          </a:p>
-          <a:p>
-            <a:pPr marL="0" indent="0">
-              <a:buNone/>
-            </a:pPr>
-            <a:r>
-              <a:rPr kumimoji="1" lang="ja-JP" altLang="en-US" sz="4000" dirty="0"/>
-              <a:t>便利にしていきましょう！</a:t>
+              <a:t>ちょっとした不便さや、新しく作った便利さを正しく開発元に伝えて昨日よりも便利にしていきましょう！</a:t>
             </a:r>
           </a:p>
         </p:txBody>

--- a/Prometheus_meetup_slide.pptx
+++ b/Prometheus_meetup_slide.pptx
@@ -10844,6 +10844,141 @@
           </a:prstGeom>
         </p:spPr>
       </p:pic>
+      <p:sp>
+        <p:nvSpPr>
+          <p:cNvPr id="5" name="四角形: 角を丸くする 4">
+            <a:extLst>
+              <a:ext uri="{FF2B5EF4-FFF2-40B4-BE49-F238E27FC236}">
+                <a16:creationId xmlns:a16="http://schemas.microsoft.com/office/drawing/2014/main" id="{18265FE4-B739-46B1-8F75-AB00C3FDCB09}"/>
+              </a:ext>
+            </a:extLst>
+          </p:cNvPr>
+          <p:cNvSpPr/>
+          <p:nvPr/>
+        </p:nvSpPr>
+        <p:spPr>
+          <a:xfrm>
+            <a:off x="504000" y="1893405"/>
+            <a:ext cx="2959787" cy="397566"/>
+          </a:xfrm>
+          <a:prstGeom prst="roundRect">
+            <a:avLst/>
+          </a:prstGeom>
+          <a:noFill/>
+        </p:spPr>
+        <p:style>
+          <a:lnRef idx="2">
+            <a:schemeClr val="accent6"/>
+          </a:lnRef>
+          <a:fillRef idx="1">
+            <a:schemeClr val="lt1"/>
+          </a:fillRef>
+          <a:effectRef idx="0">
+            <a:schemeClr val="accent6"/>
+          </a:effectRef>
+          <a:fontRef idx="minor">
+            <a:schemeClr val="dk1"/>
+          </a:fontRef>
+        </p:style>
+        <p:txBody>
+          <a:bodyPr rtlCol="0" anchor="ctr"/>
+          <a:lstStyle/>
+          <a:p>
+            <a:pPr algn="ctr"/>
+            <a:endParaRPr kumimoji="1" lang="ja-JP" altLang="en-US" b="1" dirty="0"/>
+          </a:p>
+        </p:txBody>
+      </p:sp>
+      <p:sp>
+        <p:nvSpPr>
+          <p:cNvPr id="6" name="四角形: 角を丸くする 5">
+            <a:extLst>
+              <a:ext uri="{FF2B5EF4-FFF2-40B4-BE49-F238E27FC236}">
+                <a16:creationId xmlns:a16="http://schemas.microsoft.com/office/drawing/2014/main" id="{51AAFA09-F5AE-4462-8D96-E3787BA402DC}"/>
+              </a:ext>
+            </a:extLst>
+          </p:cNvPr>
+          <p:cNvSpPr/>
+          <p:nvPr/>
+        </p:nvSpPr>
+        <p:spPr>
+          <a:xfrm>
+            <a:off x="503999" y="2290971"/>
+            <a:ext cx="2959787" cy="327990"/>
+          </a:xfrm>
+          <a:prstGeom prst="roundRect">
+            <a:avLst/>
+          </a:prstGeom>
+          <a:noFill/>
+        </p:spPr>
+        <p:style>
+          <a:lnRef idx="2">
+            <a:schemeClr val="accent6"/>
+          </a:lnRef>
+          <a:fillRef idx="1">
+            <a:schemeClr val="lt1"/>
+          </a:fillRef>
+          <a:effectRef idx="0">
+            <a:schemeClr val="accent6"/>
+          </a:effectRef>
+          <a:fontRef idx="minor">
+            <a:schemeClr val="dk1"/>
+          </a:fontRef>
+        </p:style>
+        <p:txBody>
+          <a:bodyPr rtlCol="0" anchor="ctr"/>
+          <a:lstStyle/>
+          <a:p>
+            <a:pPr algn="ctr"/>
+            <a:endParaRPr kumimoji="1" lang="ja-JP" altLang="en-US"/>
+          </a:p>
+        </p:txBody>
+      </p:sp>
+      <p:sp>
+        <p:nvSpPr>
+          <p:cNvPr id="7" name="四角形: 角を丸くする 6">
+            <a:extLst>
+              <a:ext uri="{FF2B5EF4-FFF2-40B4-BE49-F238E27FC236}">
+                <a16:creationId xmlns:a16="http://schemas.microsoft.com/office/drawing/2014/main" id="{A93EB7CC-4A79-4140-B5E6-1C348B3F98E9}"/>
+              </a:ext>
+            </a:extLst>
+          </p:cNvPr>
+          <p:cNvSpPr/>
+          <p:nvPr/>
+        </p:nvSpPr>
+        <p:spPr>
+          <a:xfrm>
+            <a:off x="503998" y="6170544"/>
+            <a:ext cx="2959787" cy="527881"/>
+          </a:xfrm>
+          <a:prstGeom prst="roundRect">
+            <a:avLst/>
+          </a:prstGeom>
+          <a:noFill/>
+        </p:spPr>
+        <p:style>
+          <a:lnRef idx="2">
+            <a:schemeClr val="accent6"/>
+          </a:lnRef>
+          <a:fillRef idx="1">
+            <a:schemeClr val="lt1"/>
+          </a:fillRef>
+          <a:effectRef idx="0">
+            <a:schemeClr val="accent6"/>
+          </a:effectRef>
+          <a:fontRef idx="minor">
+            <a:schemeClr val="dk1"/>
+          </a:fontRef>
+        </p:style>
+        <p:txBody>
+          <a:bodyPr rtlCol="0" anchor="ctr"/>
+          <a:lstStyle/>
+          <a:p>
+            <a:pPr algn="ctr"/>
+            <a:endParaRPr kumimoji="1" lang="ja-JP" altLang="en-US"/>
+          </a:p>
+        </p:txBody>
+      </p:sp>
     </p:spTree>
     <p:extLst>
       <p:ext uri="{BB962C8B-B14F-4D97-AF65-F5344CB8AC3E}">
@@ -10875,7 +11010,7 @@
                             </p:stCondLst>
                             <p:childTnLst>
                               <p:par>
-                                <p:cTn id="5" presetID="42" presetClass="entr" presetSubtype="0" fill="hold" nodeType="clickEffect">
+                                <p:cTn id="5" presetID="22" presetClass="entr" presetSubtype="4" fill="hold" nodeType="clickEffect">
                                   <p:stCondLst>
                                     <p:cond delay="0"/>
                                   </p:stCondLst>
@@ -10902,9 +11037,9 @@
                                         <p:strVal val="visible"/>
                                       </p:to>
                                     </p:set>
-                                    <p:animEffect transition="in" filter="fade">
+                                    <p:animEffect transition="in" filter="wipe(down)">
                                       <p:cBhvr>
-                                        <p:cTn id="7" dur="1000"/>
+                                        <p:cTn id="7" dur="500"/>
                                         <p:tgtEl>
                                           <p:spTgt spid="3">
                                             <p:txEl>
@@ -10914,72 +11049,18 @@
                                         </p:tgtEl>
                                       </p:cBhvr>
                                     </p:animEffect>
-                                    <p:anim calcmode="lin" valueType="num">
-                                      <p:cBhvr>
-                                        <p:cTn id="8" dur="1000" fill="hold"/>
-                                        <p:tgtEl>
-                                          <p:spTgt spid="3">
-                                            <p:txEl>
-                                              <p:pRg st="0" end="0"/>
-                                            </p:txEl>
-                                          </p:spTgt>
-                                        </p:tgtEl>
-                                        <p:attrNameLst>
-                                          <p:attrName>ppt_x</p:attrName>
-                                        </p:attrNameLst>
-                                      </p:cBhvr>
-                                      <p:tavLst>
-                                        <p:tav tm="0">
-                                          <p:val>
-                                            <p:strVal val="#ppt_x"/>
-                                          </p:val>
-                                        </p:tav>
-                                        <p:tav tm="100000">
-                                          <p:val>
-                                            <p:strVal val="#ppt_x"/>
-                                          </p:val>
-                                        </p:tav>
-                                      </p:tavLst>
-                                    </p:anim>
-                                    <p:anim calcmode="lin" valueType="num">
-                                      <p:cBhvr>
-                                        <p:cTn id="9" dur="1000" fill="hold"/>
-                                        <p:tgtEl>
-                                          <p:spTgt spid="3">
-                                            <p:txEl>
-                                              <p:pRg st="0" end="0"/>
-                                            </p:txEl>
-                                          </p:spTgt>
-                                        </p:tgtEl>
-                                        <p:attrNameLst>
-                                          <p:attrName>ppt_y</p:attrName>
-                                        </p:attrNameLst>
-                                      </p:cBhvr>
-                                      <p:tavLst>
-                                        <p:tav tm="0">
-                                          <p:val>
-                                            <p:strVal val="#ppt_y+.1"/>
-                                          </p:val>
-                                        </p:tav>
-                                        <p:tav tm="100000">
-                                          <p:val>
-                                            <p:strVal val="#ppt_y"/>
-                                          </p:val>
-                                        </p:tav>
-                                      </p:tavLst>
-                                    </p:anim>
                                   </p:childTnLst>
                                 </p:cTn>
                               </p:par>
                               <p:par>
-                                <p:cTn id="10" presetID="42" presetClass="entr" presetSubtype="0" fill="hold" nodeType="withEffect">
+                                <p:cTn id="8" presetID="22" presetClass="entr" presetSubtype="4" fill="hold" nodeType="withEffect">
                                   <p:stCondLst>
                                     <p:cond delay="0"/>
                                   </p:stCondLst>
                                   <p:childTnLst>
                                     <p:set>
                                       <p:cBhvr>
-                                        <p:cTn id="11" dur="1" fill="hold">
+                                        <p:cTn id="9" dur="1" fill="hold">
                                           <p:stCondLst>
                                             <p:cond delay="0"/>
                                           </p:stCondLst>
@@ -10999,9 +11080,9 @@
                                         <p:strVal val="visible"/>
                                       </p:to>
                                     </p:set>
-                                    <p:animEffect transition="in" filter="fade">
+                                    <p:animEffect transition="in" filter="wipe(down)">
                                       <p:cBhvr>
-                                        <p:cTn id="12" dur="1000"/>
+                                        <p:cTn id="10" dur="500"/>
                                         <p:tgtEl>
                                           <p:spTgt spid="3">
                                             <p:txEl>
@@ -11011,72 +11092,18 @@
                                         </p:tgtEl>
                                       </p:cBhvr>
                                     </p:animEffect>
-                                    <p:anim calcmode="lin" valueType="num">
-                                      <p:cBhvr>
-                                        <p:cTn id="13" dur="1000" fill="hold"/>
-                                        <p:tgtEl>
-                                          <p:spTgt spid="3">
-                                            <p:txEl>
-                                              <p:pRg st="1" end="1"/>
-                                            </p:txEl>
-                                          </p:spTgt>
-                                        </p:tgtEl>
-                                        <p:attrNameLst>
-                                          <p:attrName>ppt_x</p:attrName>
-                                        </p:attrNameLst>
-                                      </p:cBhvr>
-                                      <p:tavLst>
-                                        <p:tav tm="0">
-                                          <p:val>
-                                            <p:strVal val="#ppt_x"/>
-                                          </p:val>
-                                        </p:tav>
-                                        <p:tav tm="100000">
-                                          <p:val>
-                                            <p:strVal val="#ppt_x"/>
-                                          </p:val>
-                                        </p:tav>
-                                      </p:tavLst>
-                                    </p:anim>
-                                    <p:anim calcmode="lin" valueType="num">
-                                      <p:cBhvr>
-                                        <p:cTn id="14" dur="1000" fill="hold"/>
-                                        <p:tgtEl>
-                                          <p:spTgt spid="3">
-                                            <p:txEl>
-                                              <p:pRg st="1" end="1"/>
-                                            </p:txEl>
-                                          </p:spTgt>
-                                        </p:tgtEl>
-                                        <p:attrNameLst>
-                                          <p:attrName>ppt_y</p:attrName>
-                                        </p:attrNameLst>
-                                      </p:cBhvr>
-                                      <p:tavLst>
-                                        <p:tav tm="0">
-                                          <p:val>
-                                            <p:strVal val="#ppt_y+.1"/>
-                                          </p:val>
-                                        </p:tav>
-                                        <p:tav tm="100000">
-                                          <p:val>
-                                            <p:strVal val="#ppt_y"/>
-                                          </p:val>
-                                        </p:tav>
-                                      </p:tavLst>
-                                    </p:anim>
                                   </p:childTnLst>
                                 </p:cTn>
                               </p:par>
                               <p:par>
-                                <p:cTn id="15" presetID="42" presetClass="entr" presetSubtype="0" fill="hold" nodeType="withEffect">
+                                <p:cTn id="11" presetID="22" presetClass="entr" presetSubtype="4" fill="hold" nodeType="withEffect">
                                   <p:stCondLst>
                                     <p:cond delay="0"/>
                                   </p:stCondLst>
                                   <p:childTnLst>
                                     <p:set>
                                       <p:cBhvr>
-                                        <p:cTn id="16" dur="1" fill="hold">
+                                        <p:cTn id="12" dur="1" fill="hold">
                                           <p:stCondLst>
                                             <p:cond delay="0"/>
                                           </p:stCondLst>
@@ -11096,9 +11123,9 @@
                                         <p:strVal val="visible"/>
                                       </p:to>
                                     </p:set>
-                                    <p:animEffect transition="in" filter="fade">
+                                    <p:animEffect transition="in" filter="wipe(down)">
                                       <p:cBhvr>
-                                        <p:cTn id="17" dur="1000"/>
+                                        <p:cTn id="13" dur="500"/>
                                         <p:tgtEl>
                                           <p:spTgt spid="3">
                                             <p:txEl>
@@ -11108,72 +11135,18 @@
                                         </p:tgtEl>
                                       </p:cBhvr>
                                     </p:animEffect>
-                                    <p:anim calcmode="lin" valueType="num">
-                                      <p:cBhvr>
-                                        <p:cTn id="18" dur="1000" fill="hold"/>
-                                        <p:tgtEl>
-                                          <p:spTgt spid="3">
-                                            <p:txEl>
-                                              <p:pRg st="2" end="2"/>
-                                            </p:txEl>
-                                          </p:spTgt>
-                                        </p:tgtEl>
-                                        <p:attrNameLst>
-                                          <p:attrName>ppt_x</p:attrName>
-                                        </p:attrNameLst>
-                                      </p:cBhvr>
-                                      <p:tavLst>
-                                        <p:tav tm="0">
-                                          <p:val>
-                                            <p:strVal val="#ppt_x"/>
-                                          </p:val>
-                                        </p:tav>
-                                        <p:tav tm="100000">
-                                          <p:val>
-                                            <p:strVal val="#ppt_x"/>
-                                          </p:val>
-                                        </p:tav>
-                                      </p:tavLst>
-                                    </p:anim>
-                                    <p:anim calcmode="lin" valueType="num">
-                                      <p:cBhvr>
-                                        <p:cTn id="19" dur="1000" fill="hold"/>
-                                        <p:tgtEl>
-                                          <p:spTgt spid="3">
-                                            <p:txEl>
-                                              <p:pRg st="2" end="2"/>
-                                            </p:txEl>
-                                          </p:spTgt>
-                                        </p:tgtEl>
-                                        <p:attrNameLst>
-                                          <p:attrName>ppt_y</p:attrName>
-                                        </p:attrNameLst>
-                                      </p:cBhvr>
-                                      <p:tavLst>
-                                        <p:tav tm="0">
-                                          <p:val>
-                                            <p:strVal val="#ppt_y+.1"/>
-                                          </p:val>
-                                        </p:tav>
-                                        <p:tav tm="100000">
-                                          <p:val>
-                                            <p:strVal val="#ppt_y"/>
-                                          </p:val>
-                                        </p:tav>
-                                      </p:tavLst>
-                                    </p:anim>
                                   </p:childTnLst>
                                 </p:cTn>
                               </p:par>
                               <p:par>
-                                <p:cTn id="20" presetID="42" presetClass="entr" presetSubtype="0" fill="hold" nodeType="withEffect">
+                                <p:cTn id="14" presetID="22" presetClass="entr" presetSubtype="4" fill="hold" nodeType="withEffect">
                                   <p:stCondLst>
                                     <p:cond delay="0"/>
                                   </p:stCondLst>
                                   <p:childTnLst>
                                     <p:set>
                                       <p:cBhvr>
-                                        <p:cTn id="21" dur="1" fill="hold">
+                                        <p:cTn id="15" dur="1" fill="hold">
                                           <p:stCondLst>
                                             <p:cond delay="0"/>
                                           </p:stCondLst>
@@ -11193,9 +11166,9 @@
                                         <p:strVal val="visible"/>
                                       </p:to>
                                     </p:set>
-                                    <p:animEffect transition="in" filter="fade">
+                                    <p:animEffect transition="in" filter="wipe(down)">
                                       <p:cBhvr>
-                                        <p:cTn id="22" dur="1000"/>
+                                        <p:cTn id="16" dur="500"/>
                                         <p:tgtEl>
                                           <p:spTgt spid="3">
                                             <p:txEl>
@@ -11205,60 +11178,41 @@
                                         </p:tgtEl>
                                       </p:cBhvr>
                                     </p:animEffect>
-                                    <p:anim calcmode="lin" valueType="num">
+                                  </p:childTnLst>
+                                </p:cTn>
+                              </p:par>
+                              <p:par>
+                                <p:cTn id="17" presetID="22" presetClass="entr" presetSubtype="4" fill="hold" grpId="0" nodeType="withEffect">
+                                  <p:stCondLst>
+                                    <p:cond delay="0"/>
+                                  </p:stCondLst>
+                                  <p:childTnLst>
+                                    <p:set>
                                       <p:cBhvr>
-                                        <p:cTn id="23" dur="1000" fill="hold"/>
+                                        <p:cTn id="18" dur="1" fill="hold">
+                                          <p:stCondLst>
+                                            <p:cond delay="0"/>
+                                          </p:stCondLst>
+                                        </p:cTn>
                                         <p:tgtEl>
-                                          <p:spTgt spid="3">
-                                            <p:txEl>
-                                              <p:pRg st="3" end="3"/>
-                                            </p:txEl>
-                                          </p:spTgt>
+                                          <p:spTgt spid="5"/>
                                         </p:tgtEl>
                                         <p:attrNameLst>
-                                          <p:attrName>ppt_x</p:attrName>
+                                          <p:attrName>style.visibility</p:attrName>
                                         </p:attrNameLst>
                                       </p:cBhvr>
-                                      <p:tavLst>
-                                        <p:tav tm="0">
-                                          <p:val>
-                                            <p:strVal val="#ppt_x"/>
-                                          </p:val>
-                                        </p:tav>
-                                        <p:tav tm="100000">
-                                          <p:val>
-                                            <p:strVal val="#ppt_x"/>
-                                          </p:val>
-                                        </p:tav>
-                                      </p:tavLst>
-                                    </p:anim>
-                                    <p:anim calcmode="lin" valueType="num">
+                                      <p:to>
+                                        <p:strVal val="visible"/>
+                                      </p:to>
+                                    </p:set>
+                                    <p:animEffect transition="in" filter="wipe(down)">
                                       <p:cBhvr>
-                                        <p:cTn id="24" dur="1000" fill="hold"/>
+                                        <p:cTn id="19" dur="500"/>
                                         <p:tgtEl>
-                                          <p:spTgt spid="3">
-                                            <p:txEl>
-                                              <p:pRg st="3" end="3"/>
-                                            </p:txEl>
-                                          </p:spTgt>
+                                          <p:spTgt spid="5"/>
                                         </p:tgtEl>
-                                        <p:attrNameLst>
-                                          <p:attrName>ppt_y</p:attrName>
-                                        </p:attrNameLst>
                                       </p:cBhvr>
-                                      <p:tavLst>
-                                        <p:tav tm="0">
-                                          <p:val>
-                                            <p:strVal val="#ppt_y+.1"/>
-                                          </p:val>
-                                        </p:tav>
-                                        <p:tav tm="100000">
-                                          <p:val>
-                                            <p:strVal val="#ppt_y"/>
-                                          </p:val>
-                                        </p:tav>
-                                      </p:tavLst>
-                                    </p:anim>
+                                    </p:animEffect>
                                   </p:childTnLst>
                                 </p:cTn>
                               </p:par>
@@ -11269,26 +11223,26 @@
                     </p:cTn>
                   </p:par>
                   <p:par>
-                    <p:cTn id="25" fill="hold">
+                    <p:cTn id="20" fill="hold">
                       <p:stCondLst>
                         <p:cond delay="indefinite"/>
                       </p:stCondLst>
                       <p:childTnLst>
                         <p:par>
-                          <p:cTn id="26" fill="hold">
+                          <p:cTn id="21" fill="hold">
                             <p:stCondLst>
                               <p:cond delay="0"/>
                             </p:stCondLst>
                             <p:childTnLst>
                               <p:par>
-                                <p:cTn id="27" presetID="22" presetClass="entr" presetSubtype="4" fill="hold" nodeType="clickEffect">
+                                <p:cTn id="22" presetID="16" presetClass="entr" presetSubtype="21" fill="hold" nodeType="clickEffect">
                                   <p:stCondLst>
                                     <p:cond delay="0"/>
                                   </p:stCondLst>
                                   <p:childTnLst>
                                     <p:set>
                                       <p:cBhvr>
-                                        <p:cTn id="28" dur="1" fill="hold">
+                                        <p:cTn id="23" dur="1" fill="hold">
                                           <p:stCondLst>
                                             <p:cond delay="0"/>
                                           </p:stCondLst>
@@ -11308,9 +11262,9 @@
                                         <p:strVal val="visible"/>
                                       </p:to>
                                     </p:set>
-                                    <p:animEffect transition="in" filter="wipe(down)">
+                                    <p:animEffect transition="in" filter="barn(inVertical)">
                                       <p:cBhvr>
-                                        <p:cTn id="29" dur="500"/>
+                                        <p:cTn id="24" dur="500"/>
                                         <p:tgtEl>
                                           <p:spTgt spid="3">
                                             <p:txEl>
@@ -11324,14 +11278,14 @@
                                 </p:cTn>
                               </p:par>
                               <p:par>
-                                <p:cTn id="30" presetID="22" presetClass="entr" presetSubtype="4" fill="hold" nodeType="withEffect">
+                                <p:cTn id="25" presetID="16" presetClass="entr" presetSubtype="21" fill="hold" nodeType="withEffect">
                                   <p:stCondLst>
                                     <p:cond delay="0"/>
                                   </p:stCondLst>
                                   <p:childTnLst>
                                     <p:set>
                                       <p:cBhvr>
-                                        <p:cTn id="31" dur="1" fill="hold">
+                                        <p:cTn id="26" dur="1" fill="hold">
                                           <p:stCondLst>
                                             <p:cond delay="0"/>
                                           </p:stCondLst>
@@ -11351,15 +11305,50 @@
                                         <p:strVal val="visible"/>
                                       </p:to>
                                     </p:set>
-                                    <p:animEffect transition="in" filter="wipe(down)">
+                                    <p:animEffect transition="in" filter="barn(inVertical)">
                                       <p:cBhvr>
-                                        <p:cTn id="32" dur="500"/>
+                                        <p:cTn id="27" dur="500"/>
                                         <p:tgtEl>
                                           <p:spTgt spid="3">
                                             <p:txEl>
                                               <p:pRg st="5" end="5"/>
                                             </p:txEl>
                                           </p:spTgt>
+                                        </p:tgtEl>
+                                      </p:cBhvr>
+                                    </p:animEffect>
+                                  </p:childTnLst>
+                                </p:cTn>
+                              </p:par>
+                              <p:par>
+                                <p:cTn id="28" presetID="16" presetClass="entr" presetSubtype="21" fill="hold" grpId="0" nodeType="withEffect">
+                                  <p:stCondLst>
+                                    <p:cond delay="0"/>
+                                  </p:stCondLst>
+                                  <p:childTnLst>
+                                    <p:set>
+                                      <p:cBhvr>
+                                        <p:cTn id="29" dur="1" fill="hold">
+                                          <p:stCondLst>
+                                            <p:cond delay="0"/>
+                                          </p:stCondLst>
+                                        </p:cTn>
+                                        <p:tgtEl>
+                                          <p:spTgt spid="6"/>
+                                        </p:tgtEl>
+                                        <p:attrNameLst>
+                                          <p:attrName>style.visibility</p:attrName>
+                                        </p:attrNameLst>
+                                      </p:cBhvr>
+                                      <p:to>
+                                        <p:strVal val="visible"/>
+                                      </p:to>
+                                    </p:set>
+                                    <p:animEffect transition="in" filter="barn(inVertical)">
+                                      <p:cBhvr>
+                                        <p:cTn id="30" dur="500"/>
+                                        <p:tgtEl>
+                                          <p:spTgt spid="6"/>
                                         </p:tgtEl>
                                       </p:cBhvr>
                                     </p:animEffect>
@@ -11373,26 +11362,26 @@
                     </p:cTn>
                   </p:par>
                   <p:par>
-                    <p:cTn id="33" fill="hold">
+                    <p:cTn id="31" fill="hold">
                       <p:stCondLst>
                         <p:cond delay="indefinite"/>
                       </p:stCondLst>
                       <p:childTnLst>
                         <p:par>
-                          <p:cTn id="34" fill="hold">
+                          <p:cTn id="32" fill="hold">
                             <p:stCondLst>
                               <p:cond delay="0"/>
                             </p:stCondLst>
                             <p:childTnLst>
                               <p:par>
-                                <p:cTn id="35" presetID="10" presetClass="entr" presetSubtype="0" fill="hold" nodeType="clickEffect">
+                                <p:cTn id="33" presetID="14" presetClass="entr" presetSubtype="10" fill="hold" nodeType="clickEffect">
                                   <p:stCondLst>
                                     <p:cond delay="0"/>
                                   </p:stCondLst>
                                   <p:childTnLst>
                                     <p:set>
                                       <p:cBhvr>
-                                        <p:cTn id="36" dur="1" fill="hold">
+                                        <p:cTn id="34" dur="1" fill="hold">
                                           <p:stCondLst>
                                             <p:cond delay="0"/>
                                           </p:stCondLst>
@@ -11412,9 +11401,9 @@
                                         <p:strVal val="visible"/>
                                       </p:to>
                                     </p:set>
-                                    <p:animEffect transition="in" filter="fade">
+                                    <p:animEffect transition="in" filter="randombar(horizontal)">
                                       <p:cBhvr>
-                                        <p:cTn id="37" dur="500"/>
+                                        <p:cTn id="35" dur="500"/>
                                         <p:tgtEl>
                                           <p:spTgt spid="3">
                                             <p:txEl>
@@ -11427,33 +11416,15 @@
                                   </p:childTnLst>
                                 </p:cTn>
                               </p:par>
-                            </p:childTnLst>
-                          </p:cTn>
-                        </p:par>
-                      </p:childTnLst>
-                    </p:cTn>
-                  </p:par>
-                  <p:par>
-                    <p:cTn id="38" fill="hold">
-                      <p:stCondLst>
-                        <p:cond delay="indefinite"/>
-                      </p:stCondLst>
-                      <p:childTnLst>
-                        <p:par>
-                          <p:cTn id="39" fill="hold">
-                            <p:stCondLst>
-                              <p:cond delay="0"/>
-                            </p:stCondLst>
-                            <p:childTnLst>
                               <p:par>
-                                <p:cTn id="40" presetID="10" presetClass="entr" presetSubtype="0" fill="hold" nodeType="clickEffect">
+                                <p:cTn id="36" presetID="14" presetClass="entr" presetSubtype="10" fill="hold" nodeType="withEffect">
                                   <p:stCondLst>
                                     <p:cond delay="0"/>
                                   </p:stCondLst>
                                   <p:childTnLst>
                                     <p:set>
                                       <p:cBhvr>
-                                        <p:cTn id="41" dur="1" fill="hold">
+                                        <p:cTn id="37" dur="1" fill="hold">
                                           <p:stCondLst>
                                             <p:cond delay="0"/>
                                           </p:stCondLst>
@@ -11473,15 +11444,50 @@
                                         <p:strVal val="visible"/>
                                       </p:to>
                                     </p:set>
-                                    <p:animEffect transition="in" filter="fade">
+                                    <p:animEffect transition="in" filter="randombar(horizontal)">
                                       <p:cBhvr>
-                                        <p:cTn id="42" dur="500"/>
+                                        <p:cTn id="38" dur="500"/>
                                         <p:tgtEl>
                                           <p:spTgt spid="3">
                                             <p:txEl>
                                               <p:pRg st="7" end="7"/>
                                             </p:txEl>
                                           </p:spTgt>
+                                        </p:tgtEl>
+                                      </p:cBhvr>
+                                    </p:animEffect>
+                                  </p:childTnLst>
+                                </p:cTn>
+                              </p:par>
+                              <p:par>
+                                <p:cTn id="39" presetID="14" presetClass="entr" presetSubtype="10" fill="hold" grpId="0" nodeType="withEffect">
+                                  <p:stCondLst>
+                                    <p:cond delay="0"/>
+                                  </p:stCondLst>
+                                  <p:childTnLst>
+                                    <p:set>
+                                      <p:cBhvr>
+                                        <p:cTn id="40" dur="1" fill="hold">
+                                          <p:stCondLst>
+                                            <p:cond delay="0"/>
+                                          </p:stCondLst>
+                                        </p:cTn>
+                                        <p:tgtEl>
+                                          <p:spTgt spid="7"/>
+                                        </p:tgtEl>
+                                        <p:attrNameLst>
+                                          <p:attrName>style.visibility</p:attrName>
+                                        </p:attrNameLst>
+                                      </p:cBhvr>
+                                      <p:to>
+                                        <p:strVal val="visible"/>
+                                      </p:to>
+                                    </p:set>
+                                    <p:animEffect transition="in" filter="randombar(horizontal)">
+                                      <p:cBhvr>
+                                        <p:cTn id="41" dur="500"/>
+                                        <p:tgtEl>
+                                          <p:spTgt spid="7"/>
                                         </p:tgtEl>
                                       </p:cBhvr>
                                     </p:animEffect>
@@ -11515,6 +11521,11 @@
         </p:cTn>
       </p:par>
     </p:tnLst>
+    <p:bldLst>
+      <p:bldP spid="5" grpId="0" animBg="1"/>
+      <p:bldP spid="6" grpId="0" animBg="1"/>
+      <p:bldP spid="7" grpId="0" animBg="1"/>
+    </p:bldLst>
   </p:timing>
 </p:sld>
 </file>

--- a/Prometheus_meetup_slide.pptx
+++ b/Prometheus_meetup_slide.pptx
@@ -1670,7 +1670,7 @@
             </a:r>
             <a:r>
               <a:rPr kumimoji="1" lang="ja-JP" altLang="en-US" dirty="0"/>
-              <a:t>つ目は、修正する</a:t>
+              <a:t>つ目は、関連する</a:t>
             </a:r>
             <a:r>
               <a:rPr kumimoji="1" lang="en-US" altLang="ja-JP" dirty="0"/>
@@ -2596,7 +2596,19 @@
             </a:r>
             <a:r>
               <a:rPr kumimoji="1" lang="en-US" altLang="ja-JP" dirty="0"/>
-              <a:t>fluent-bit-go-</a:t>
+              <a:t>fluent-bit</a:t>
+            </a:r>
+            <a:r>
+              <a:rPr kumimoji="1" lang="ja-JP" altLang="en-US" dirty="0"/>
+              <a:t>の</a:t>
+            </a:r>
+            <a:r>
+              <a:rPr kumimoji="1" lang="en-US" altLang="ja-JP" dirty="0"/>
+              <a:t>go</a:t>
+            </a:r>
+            <a:r>
+              <a:rPr kumimoji="1" lang="ja-JP" altLang="en-US" dirty="0"/>
+              <a:t>製</a:t>
             </a:r>
             <a:r>
               <a:rPr kumimoji="1" lang="en-US" altLang="ja-JP" dirty="0" err="1"/>
@@ -2604,7 +2616,7 @@
             </a:r>
             <a:r>
               <a:rPr kumimoji="1" lang="ja-JP" altLang="en-US" dirty="0"/>
-              <a:t>の</a:t>
+              <a:t>プラグインの</a:t>
             </a:r>
             <a:r>
               <a:rPr kumimoji="1" lang="en-US" altLang="ja-JP" dirty="0"/>
@@ -10129,6 +10141,51 @@
           </a:prstGeom>
         </p:spPr>
       </p:pic>
+      <p:sp>
+        <p:nvSpPr>
+          <p:cNvPr id="6" name="四角形: 角を丸くする 5">
+            <a:extLst>
+              <a:ext uri="{FF2B5EF4-FFF2-40B4-BE49-F238E27FC236}">
+                <a16:creationId xmlns:a16="http://schemas.microsoft.com/office/drawing/2014/main" id="{9F0C53A7-B1F0-4D7E-A668-604FA6955211}"/>
+              </a:ext>
+            </a:extLst>
+          </p:cNvPr>
+          <p:cNvSpPr/>
+          <p:nvPr/>
+        </p:nvSpPr>
+        <p:spPr>
+          <a:xfrm>
+            <a:off x="457200" y="6172200"/>
+            <a:ext cx="4850296" cy="774368"/>
+          </a:xfrm>
+          <a:prstGeom prst="roundRect">
+            <a:avLst/>
+          </a:prstGeom>
+          <a:noFill/>
+        </p:spPr>
+        <p:style>
+          <a:lnRef idx="2">
+            <a:schemeClr val="accent6"/>
+          </a:lnRef>
+          <a:fillRef idx="1">
+            <a:schemeClr val="lt1"/>
+          </a:fillRef>
+          <a:effectRef idx="0">
+            <a:schemeClr val="accent6"/>
+          </a:effectRef>
+          <a:fontRef idx="minor">
+            <a:schemeClr val="dk1"/>
+          </a:fontRef>
+        </p:style>
+        <p:txBody>
+          <a:bodyPr rtlCol="0" anchor="ctr"/>
+          <a:lstStyle/>
+          <a:p>
+            <a:pPr algn="ctr"/>
+            <a:endParaRPr kumimoji="1" lang="ja-JP" altLang="en-US"/>
+          </a:p>
+        </p:txBody>
+      </p:sp>
     </p:spTree>
     <p:extLst>
       <p:ext uri="{BB962C8B-B14F-4D97-AF65-F5344CB8AC3E}">
@@ -10139,6 +10196,92 @@
   <p:clrMapOvr>
     <a:masterClrMapping/>
   </p:clrMapOvr>
+  <p:timing>
+    <p:tnLst>
+      <p:par>
+        <p:cTn id="1" dur="indefinite" restart="never" nodeType="tmRoot">
+          <p:childTnLst>
+            <p:seq concurrent="1" nextAc="seek">
+              <p:cTn id="2" dur="indefinite" nodeType="mainSeq">
+                <p:childTnLst>
+                  <p:par>
+                    <p:cTn id="3" fill="hold">
+                      <p:stCondLst>
+                        <p:cond delay="indefinite"/>
+                      </p:stCondLst>
+                      <p:childTnLst>
+                        <p:par>
+                          <p:cTn id="4" fill="hold">
+                            <p:stCondLst>
+                              <p:cond delay="0"/>
+                            </p:stCondLst>
+                            <p:childTnLst>
+                              <p:par>
+                                <p:cTn id="5" presetID="14" presetClass="entr" presetSubtype="10" fill="hold" grpId="0" nodeType="clickEffect">
+                                  <p:stCondLst>
+                                    <p:cond delay="0"/>
+                                  </p:stCondLst>
+                                  <p:childTnLst>
+                                    <p:set>
+                                      <p:cBhvr>
+                                        <p:cTn id="6" dur="1" fill="hold">
+                                          <p:stCondLst>
+                                            <p:cond delay="0"/>
+                                          </p:stCondLst>
+                                        </p:cTn>
+                                        <p:tgtEl>
+                                          <p:spTgt spid="6"/>
+                                        </p:tgtEl>
+                                        <p:attrNameLst>
+                                          <p:attrName>style.visibility</p:attrName>
+                                        </p:attrNameLst>
+                                      </p:cBhvr>
+                                      <p:to>
+                                        <p:strVal val="visible"/>
+                                      </p:to>
+                                    </p:set>
+                                    <p:animEffect transition="in" filter="randombar(horizontal)">
+                                      <p:cBhvr>
+                                        <p:cTn id="7" dur="500"/>
+                                        <p:tgtEl>
+                                          <p:spTgt spid="6"/>
+                                        </p:tgtEl>
+                                      </p:cBhvr>
+                                    </p:animEffect>
+                                  </p:childTnLst>
+                                </p:cTn>
+                              </p:par>
+                            </p:childTnLst>
+                          </p:cTn>
+                        </p:par>
+                      </p:childTnLst>
+                    </p:cTn>
+                  </p:par>
+                </p:childTnLst>
+              </p:cTn>
+              <p:prevCondLst>
+                <p:cond evt="onPrev" delay="0">
+                  <p:tgtEl>
+                    <p:sldTgt/>
+                  </p:tgtEl>
+                </p:cond>
+              </p:prevCondLst>
+              <p:nextCondLst>
+                <p:cond evt="onNext" delay="0">
+                  <p:tgtEl>
+                    <p:sldTgt/>
+                  </p:tgtEl>
+                </p:cond>
+              </p:nextCondLst>
+            </p:seq>
+          </p:childTnLst>
+        </p:cTn>
+      </p:par>
+    </p:tnLst>
+    <p:bldLst>
+      <p:bldP spid="6" grpId="0" animBg="1"/>
+    </p:bldLst>
+  </p:timing>
 </p:sld>
 </file>
 
@@ -10744,8 +10887,12 @@
               <a:buAutoNum type="arabicPeriod"/>
             </a:pPr>
             <a:r>
-              <a:rPr kumimoji="1" lang="ja-JP" altLang="en-US" dirty="0"/>
-              <a:t>修正する</a:t>
+              <a:rPr lang="ja-JP" altLang="en-US" dirty="0"/>
+              <a:t>関連</a:t>
+            </a:r>
+            <a:r>
+              <a:rPr kumimoji="1" lang="ja-JP" altLang="en-US" dirty="0"/>
+              <a:t>する</a:t>
             </a:r>
             <a:r>
               <a:rPr kumimoji="1" lang="en-US" altLang="ja-JP" dirty="0"/>
@@ -11751,8 +11898,8 @@
         </p:nvSpPr>
         <p:spPr>
           <a:xfrm>
-            <a:off x="504000" y="1846835"/>
-            <a:ext cx="8716073" cy="4988545"/>
+            <a:off x="504000" y="1136899"/>
+            <a:ext cx="8716073" cy="6422776"/>
           </a:xfrm>
         </p:spPr>
         <p:txBody>
@@ -11852,6 +11999,73 @@
               <a:t>の中の人）</a:t>
             </a:r>
             <a:endParaRPr lang="en-US" altLang="ja-JP" dirty="0"/>
+          </a:p>
+          <a:p>
+            <a:pPr lvl="2"/>
+            <a:r>
+              <a:rPr lang="en-US" altLang="ja-JP" dirty="0" err="1"/>
+              <a:t>Fluentd</a:t>
+            </a:r>
+            <a:r>
+              <a:rPr lang="ja-JP" altLang="en-US" dirty="0"/>
+              <a:t>本体や</a:t>
+            </a:r>
+            <a:r>
+              <a:rPr lang="en-US" altLang="ja-JP" dirty="0" err="1"/>
+              <a:t>Fluentd</a:t>
+            </a:r>
+            <a:r>
+              <a:rPr lang="ja-JP" altLang="en-US" dirty="0"/>
+              <a:t>プラグインの</a:t>
+            </a:r>
+            <a:r>
+              <a:rPr lang="en-US" altLang="ja-JP" dirty="0"/>
+              <a:t>Windows</a:t>
+            </a:r>
+            <a:r>
+              <a:rPr lang="ja-JP" altLang="en-US" dirty="0"/>
+              <a:t>対応</a:t>
+            </a:r>
+            <a:endParaRPr lang="en-US" altLang="ja-JP" dirty="0"/>
+          </a:p>
+          <a:p>
+            <a:pPr lvl="2"/>
+            <a:r>
+              <a:rPr lang="en-US" altLang="ja-JP" dirty="0"/>
+              <a:t>fluent-plugin-</a:t>
+            </a:r>
+            <a:r>
+              <a:rPr lang="en-US" altLang="ja-JP" dirty="0" err="1"/>
+              <a:t>elasticsearch</a:t>
+            </a:r>
+            <a:endParaRPr lang="en-US" altLang="ja-JP" dirty="0"/>
+          </a:p>
+          <a:p>
+            <a:pPr lvl="2"/>
+            <a:r>
+              <a:rPr lang="en-US" altLang="ja-JP" dirty="0"/>
+              <a:t>fluent-plugin-</a:t>
+            </a:r>
+            <a:r>
+              <a:rPr lang="en-US" altLang="ja-JP" dirty="0" err="1"/>
+              <a:t>kafka</a:t>
+            </a:r>
+            <a:endParaRPr lang="en-US" altLang="ja-JP" dirty="0"/>
+          </a:p>
+          <a:p>
+            <a:pPr lvl="2"/>
+            <a:r>
+              <a:rPr lang="en-US" altLang="ja-JP" dirty="0"/>
+              <a:t>fluent-plugin-windows-</a:t>
+            </a:r>
+            <a:r>
+              <a:rPr lang="en-US" altLang="ja-JP" dirty="0" err="1"/>
+              <a:t>eventlog</a:t>
+            </a:r>
+            <a:r>
+              <a:rPr lang="en-US" altLang="ja-JP" dirty="0"/>
+              <a:t> etc.</a:t>
+            </a:r>
           </a:p>
           <a:p>
             <a:pPr lvl="1"/>
@@ -11906,7 +12120,7 @@
         </p:blipFill>
         <p:spPr>
           <a:xfrm>
-            <a:off x="6332836" y="1902422"/>
+            <a:off x="6561436" y="1335158"/>
             <a:ext cx="2503780" cy="2503780"/>
           </a:xfrm>
           <a:prstGeom prst="rect">
@@ -13487,7 +13701,19 @@
             </a:r>
             <a:r>
               <a:rPr kumimoji="1" lang="en-US" altLang="ja-JP" dirty="0"/>
-              <a:t>luent-bit-go-</a:t>
+              <a:t>luent-bit</a:t>
+            </a:r>
+            <a:r>
+              <a:rPr kumimoji="1" lang="ja-JP" altLang="en-US" dirty="0"/>
+              <a:t>の</a:t>
+            </a:r>
+            <a:r>
+              <a:rPr kumimoji="1" lang="en-US" altLang="ja-JP" dirty="0"/>
+              <a:t>go</a:t>
+            </a:r>
+            <a:r>
+              <a:rPr kumimoji="1" lang="ja-JP" altLang="en-US" dirty="0"/>
+              <a:t>製</a:t>
             </a:r>
             <a:r>
               <a:rPr kumimoji="1" lang="en-US" altLang="ja-JP" dirty="0" err="1"/>
@@ -13495,7 +13721,7 @@
             </a:r>
             <a:r>
               <a:rPr kumimoji="1" lang="ja-JP" altLang="en-US" dirty="0"/>
-              <a:t>の</a:t>
+              <a:t>プラグインの</a:t>
             </a:r>
             <a:r>
               <a:rPr kumimoji="1" lang="en-US" altLang="ja-JP" dirty="0"/>
@@ -13780,456 +14006,10 @@
           <p:cNvGraphicFramePr>
             <a:graphicFrameLocks noGrp="1"/>
           </p:cNvGraphicFramePr>
-          <p:nvPr/>
-        </p:nvGraphicFramePr>
-        <p:xfrm>
-          <a:off x="403464" y="2286537"/>
-          <a:ext cx="8898522" cy="3200975"/>
-        </p:xfrm>
-        <a:graphic>
-          <a:graphicData uri="http://schemas.openxmlformats.org/drawingml/2006/table">
-            <a:tbl>
-              <a:tblPr firstRow="1" bandRow="1">
-                <a:tableStyleId>{5C22544A-7EE6-4342-B048-85BDC9FD1C3A}</a:tableStyleId>
-              </a:tblPr>
-              <a:tblGrid>
-                <a:gridCol w="2966174">
-                  <a:extLst>
-                    <a:ext uri="{9D8B030D-6E8A-4147-A177-3AD203B41FA5}">
-                      <a16:colId xmlns:a16="http://schemas.microsoft.com/office/drawing/2014/main" val="180395662"/>
-                    </a:ext>
-                  </a:extLst>
-                </a:gridCol>
-                <a:gridCol w="2966174">
-                  <a:extLst>
-                    <a:ext uri="{9D8B030D-6E8A-4147-A177-3AD203B41FA5}">
-                      <a16:colId xmlns:a16="http://schemas.microsoft.com/office/drawing/2014/main" val="3525907355"/>
-                    </a:ext>
-                  </a:extLst>
-                </a:gridCol>
-                <a:gridCol w="2966174">
-                  <a:extLst>
-                    <a:ext uri="{9D8B030D-6E8A-4147-A177-3AD203B41FA5}">
-                      <a16:colId xmlns:a16="http://schemas.microsoft.com/office/drawing/2014/main" val="2975535666"/>
-                    </a:ext>
-                  </a:extLst>
-                </a:gridCol>
-              </a:tblGrid>
-              <a:tr h="514112">
-                <a:tc>
-                  <a:txBody>
-                    <a:bodyPr/>
-                    <a:lstStyle/>
-                    <a:p>
-                      <a:pPr algn="ctr"/>
-                      <a:endParaRPr kumimoji="1" lang="ja-JP" altLang="en-US" dirty="0"/>
-                    </a:p>
-                  </a:txBody>
-                  <a:tcPr/>
-                </a:tc>
-                <a:tc>
-                  <a:txBody>
-                    <a:bodyPr/>
-                    <a:lstStyle/>
-                    <a:p>
-                      <a:pPr algn="ctr"/>
-                      <a:r>
-                        <a:rPr kumimoji="1" lang="en-US" altLang="ja-JP" sz="2400" dirty="0"/>
-                        <a:t>fluent-bit</a:t>
-                      </a:r>
-                      <a:endParaRPr kumimoji="1" lang="ja-JP" altLang="en-US" sz="2400" dirty="0"/>
-                    </a:p>
-                  </a:txBody>
-                  <a:tcPr/>
-                </a:tc>
-                <a:tc>
-                  <a:txBody>
-                    <a:bodyPr/>
-                    <a:lstStyle/>
-                    <a:p>
-                      <a:pPr algn="ctr"/>
-                      <a:r>
-                        <a:rPr kumimoji="1" lang="en-US" altLang="ja-JP" sz="2400" dirty="0" err="1"/>
-                        <a:t>Fluentd</a:t>
-                      </a:r>
-                      <a:endParaRPr kumimoji="1" lang="ja-JP" altLang="en-US" sz="2400" dirty="0"/>
-                    </a:p>
-                  </a:txBody>
-                  <a:tcPr/>
-                </a:tc>
-                <a:extLst>
-                  <a:ext uri="{0D108BD9-81ED-4DB2-BD59-A6C34878D82A}">
-                    <a16:rowId xmlns:a16="http://schemas.microsoft.com/office/drawing/2014/main" val="3442282393"/>
-                  </a:ext>
-                </a:extLst>
-              </a:tr>
-              <a:tr h="895621">
-                <a:tc>
-                  <a:txBody>
-                    <a:bodyPr/>
-                    <a:lstStyle/>
-                    <a:p>
-                      <a:pPr algn="ctr"/>
-                      <a:r>
-                        <a:rPr kumimoji="1" lang="ja-JP" altLang="en-US" sz="2400" dirty="0"/>
-                        <a:t>実装言語</a:t>
-                      </a:r>
-                    </a:p>
-                  </a:txBody>
-                  <a:tcPr/>
-                </a:tc>
-                <a:tc>
-                  <a:txBody>
-                    <a:bodyPr/>
-                    <a:lstStyle/>
-                    <a:p>
-                      <a:pPr algn="ctr"/>
-                      <a:r>
-                        <a:rPr kumimoji="1" lang="en-US" altLang="ja-JP" sz="2400" dirty="0"/>
-                        <a:t>C</a:t>
-                      </a:r>
-                      <a:endParaRPr kumimoji="1" lang="ja-JP" altLang="en-US" sz="2400" dirty="0"/>
-                    </a:p>
-                  </a:txBody>
-                  <a:tcPr/>
-                </a:tc>
-                <a:tc>
-                  <a:txBody>
-                    <a:bodyPr/>
-                    <a:lstStyle/>
-                    <a:p>
-                      <a:pPr algn="ctr"/>
-                      <a:r>
-                        <a:rPr kumimoji="1" lang="en-US" altLang="ja-JP" sz="2400" dirty="0"/>
-                        <a:t>Ruby,</a:t>
-                      </a:r>
-                      <a:r>
-                        <a:rPr kumimoji="1" lang="ja-JP" altLang="en-US" sz="2400" dirty="0"/>
-                        <a:t> </a:t>
-                      </a:r>
-                      <a:r>
-                        <a:rPr kumimoji="1" lang="en-US" altLang="ja-JP" sz="2400" dirty="0"/>
-                        <a:t>C</a:t>
-                      </a:r>
-                      <a:r>
-                        <a:rPr kumimoji="1" lang="ja-JP" altLang="en-US" sz="2400" dirty="0"/>
-                        <a:t>（</a:t>
-                      </a:r>
-                      <a:r>
-                        <a:rPr kumimoji="1" lang="en-US" altLang="ja-JP" sz="2400" dirty="0"/>
-                        <a:t>※</a:t>
-                      </a:r>
-                      <a:r>
-                        <a:rPr kumimoji="1" lang="ja-JP" altLang="en-US" sz="2400" dirty="0"/>
-                        <a:t>下回り）</a:t>
-                      </a:r>
-                    </a:p>
-                  </a:txBody>
-                  <a:tcPr/>
-                </a:tc>
-                <a:extLst>
-                  <a:ext uri="{0D108BD9-81ED-4DB2-BD59-A6C34878D82A}">
-                    <a16:rowId xmlns:a16="http://schemas.microsoft.com/office/drawing/2014/main" val="438292001"/>
-                  </a:ext>
-                </a:extLst>
-              </a:tr>
-              <a:tr h="895621">
-                <a:tc>
-                  <a:txBody>
-                    <a:bodyPr/>
-                    <a:lstStyle/>
-                    <a:p>
-                      <a:pPr algn="ctr"/>
-                      <a:r>
-                        <a:rPr kumimoji="1" lang="ja-JP" altLang="en-US" sz="2400" dirty="0"/>
-                        <a:t>依存関係</a:t>
-                      </a:r>
-                    </a:p>
-                  </a:txBody>
-                  <a:tcPr/>
-                </a:tc>
-                <a:tc>
-                  <a:txBody>
-                    <a:bodyPr/>
-                    <a:lstStyle/>
-                    <a:p>
-                      <a:pPr algn="ctr"/>
-                      <a:r>
-                        <a:rPr kumimoji="1" lang="ja-JP" altLang="en-US" sz="2400" dirty="0"/>
-                        <a:t>なし（依存ライブラリは同梱）</a:t>
-                      </a:r>
-                    </a:p>
-                  </a:txBody>
-                  <a:tcPr/>
-                </a:tc>
-                <a:tc>
-                  <a:txBody>
-                    <a:bodyPr/>
-                    <a:lstStyle/>
-                    <a:p>
-                      <a:pPr algn="ctr"/>
-                      <a:r>
-                        <a:rPr kumimoji="1" lang="en-US" altLang="ja-JP" sz="2400" dirty="0"/>
-                        <a:t>Ruby,</a:t>
-                      </a:r>
-                      <a:r>
-                        <a:rPr kumimoji="1" lang="ja-JP" altLang="en-US" sz="2400" dirty="0"/>
-                        <a:t> いくつかの</a:t>
-                      </a:r>
-                      <a:r>
-                        <a:rPr kumimoji="1" lang="en-US" altLang="ja-JP" sz="2400" dirty="0"/>
-                        <a:t>gem</a:t>
-                      </a:r>
-                      <a:endParaRPr kumimoji="1" lang="ja-JP" altLang="en-US" sz="2400" dirty="0"/>
-                    </a:p>
-                  </a:txBody>
-                  <a:tcPr/>
-                </a:tc>
-                <a:extLst>
-                  <a:ext uri="{0D108BD9-81ED-4DB2-BD59-A6C34878D82A}">
-                    <a16:rowId xmlns:a16="http://schemas.microsoft.com/office/drawing/2014/main" val="3944155792"/>
-                  </a:ext>
-                </a:extLst>
-              </a:tr>
-              <a:tr h="895621">
-                <a:tc>
-                  <a:txBody>
-                    <a:bodyPr/>
-                    <a:lstStyle/>
-                    <a:p>
-                      <a:pPr algn="ctr"/>
-                      <a:r>
-                        <a:rPr kumimoji="1" lang="ja-JP" altLang="en-US" sz="2400" dirty="0"/>
-                        <a:t>プラグインの実装に使える言語</a:t>
-                      </a:r>
-                    </a:p>
-                  </a:txBody>
-                  <a:tcPr/>
-                </a:tc>
-                <a:tc>
-                  <a:txBody>
-                    <a:bodyPr/>
-                    <a:lstStyle/>
-                    <a:p>
-                      <a:pPr algn="ctr"/>
-                      <a:r>
-                        <a:rPr kumimoji="1" lang="en-US" altLang="ja-JP" sz="2400" dirty="0"/>
-                        <a:t>C,</a:t>
-                      </a:r>
-                      <a:r>
-                        <a:rPr kumimoji="1" lang="ja-JP" altLang="en-US" sz="2400" dirty="0"/>
-                        <a:t> </a:t>
-                      </a:r>
-                      <a:r>
-                        <a:rPr kumimoji="1" lang="en-US" altLang="ja-JP" sz="2400" dirty="0"/>
-                        <a:t>Golang</a:t>
-                      </a:r>
-                      <a:r>
-                        <a:rPr kumimoji="1" lang="ja-JP" altLang="en-US" sz="2400" dirty="0"/>
-                        <a:t>（</a:t>
-                      </a:r>
-                      <a:r>
-                        <a:rPr kumimoji="1" lang="en-US" altLang="ja-JP" sz="2400" dirty="0"/>
-                        <a:t>※</a:t>
-                      </a:r>
-                      <a:r>
-                        <a:rPr kumimoji="1" lang="ja-JP" altLang="en-US" sz="2400" dirty="0"/>
-                        <a:t>アウトプットのみ）</a:t>
-                      </a:r>
-                    </a:p>
-                  </a:txBody>
-                  <a:tcPr/>
-                </a:tc>
-                <a:tc>
-                  <a:txBody>
-                    <a:bodyPr/>
-                    <a:lstStyle/>
-                    <a:p>
-                      <a:pPr algn="ctr"/>
-                      <a:r>
-                        <a:rPr kumimoji="1" lang="en-US" altLang="ja-JP" sz="2400" dirty="0"/>
-                        <a:t>Ruby</a:t>
-                      </a:r>
-                      <a:endParaRPr kumimoji="1" lang="ja-JP" altLang="en-US" sz="2400" dirty="0"/>
-                    </a:p>
-                  </a:txBody>
-                  <a:tcPr/>
-                </a:tc>
-                <a:extLst>
-                  <a:ext uri="{0D108BD9-81ED-4DB2-BD59-A6C34878D82A}">
-                    <a16:rowId xmlns:a16="http://schemas.microsoft.com/office/drawing/2014/main" val="863869362"/>
-                  </a:ext>
-                </a:extLst>
-              </a:tr>
-            </a:tbl>
-          </a:graphicData>
-        </a:graphic>
-      </p:graphicFrame>
-    </p:spTree>
-    <p:extLst>
-      <p:ext uri="{BB962C8B-B14F-4D97-AF65-F5344CB8AC3E}">
-        <p14:creationId xmlns:p14="http://schemas.microsoft.com/office/powerpoint/2010/main" val="3147813"/>
-      </p:ext>
-    </p:extLst>
-  </p:cSld>
-  <p:clrMapOvr>
-    <a:masterClrMapping/>
-  </p:clrMapOvr>
-</p:sld>
-</file>
-
-<file path=ppt/slides/slide4.xml><?xml version="1.0" encoding="utf-8"?>
-<p:sld xmlns:a="http://schemas.openxmlformats.org/drawingml/2006/main" xmlns:r="http://schemas.openxmlformats.org/officeDocument/2006/relationships" xmlns:p="http://schemas.openxmlformats.org/presentationml/2006/main">
-  <p:cSld>
-    <p:spTree>
-      <p:nvGrpSpPr>
-        <p:cNvPr id="1" name=""/>
-        <p:cNvGrpSpPr/>
-        <p:nvPr/>
-      </p:nvGrpSpPr>
-      <p:grpSpPr>
-        <a:xfrm>
-          <a:off x="0" y="0"/>
-          <a:ext cx="0" cy="0"/>
-          <a:chOff x="0" y="0"/>
-          <a:chExt cx="0" cy="0"/>
-        </a:xfrm>
-      </p:grpSpPr>
-      <p:sp>
-        <p:nvSpPr>
-          <p:cNvPr id="2" name="タイトル 1">
-            <a:extLst>
-              <a:ext uri="{FF2B5EF4-FFF2-40B4-BE49-F238E27FC236}">
-                <a16:creationId xmlns:a16="http://schemas.microsoft.com/office/drawing/2014/main" id="{E47709CD-CB7B-4919-8A2F-930A470E2F92}"/>
-              </a:ext>
-            </a:extLst>
-          </p:cNvPr>
-          <p:cNvSpPr>
-            <a:spLocks noGrp="1"/>
-          </p:cNvSpPr>
-          <p:nvPr>
-            <p:ph type="title"/>
-          </p:nvPr>
-        </p:nvSpPr>
-        <p:spPr>
-          <a:xfrm>
-            <a:off x="504000" y="559301"/>
-            <a:ext cx="9071640" cy="609398"/>
-          </a:xfrm>
-        </p:spPr>
-        <p:txBody>
-          <a:bodyPr/>
-          <a:lstStyle/>
-          <a:p>
-            <a:r>
-              <a:rPr kumimoji="1" lang="en-US" altLang="ja-JP" dirty="0"/>
-              <a:t>fluent-bit</a:t>
-            </a:r>
-            <a:r>
-              <a:rPr kumimoji="1" lang="ja-JP" altLang="en-US" dirty="0"/>
-              <a:t>とは</a:t>
-            </a:r>
-          </a:p>
-        </p:txBody>
-      </p:sp>
-      <p:sp>
-        <p:nvSpPr>
-          <p:cNvPr id="3" name="字幕 2">
-            <a:extLst>
-              <a:ext uri="{FF2B5EF4-FFF2-40B4-BE49-F238E27FC236}">
-                <a16:creationId xmlns:a16="http://schemas.microsoft.com/office/drawing/2014/main" id="{C9D337BE-0567-44C5-9CDE-95D8EB5F5774}"/>
-              </a:ext>
-            </a:extLst>
-          </p:cNvPr>
-          <p:cNvSpPr>
-            <a:spLocks noGrp="1"/>
-          </p:cNvSpPr>
-          <p:nvPr>
-            <p:ph type="subTitle"/>
-          </p:nvPr>
-        </p:nvSpPr>
-        <p:spPr>
-          <a:xfrm>
-            <a:off x="403464" y="1410958"/>
-            <a:ext cx="9071640" cy="775597"/>
-          </a:xfrm>
-        </p:spPr>
-        <p:txBody>
-          <a:bodyPr/>
-          <a:lstStyle/>
-          <a:p>
-            <a:pPr marL="0" indent="0">
-              <a:buNone/>
-            </a:pPr>
-            <a:r>
-              <a:rPr lang="en-US" altLang="ja-JP" sz="2800" dirty="0"/>
-              <a:t>f</a:t>
-            </a:r>
-            <a:r>
-              <a:rPr kumimoji="1" lang="en-US" altLang="ja-JP" sz="2800" dirty="0"/>
-              <a:t>luent-bit</a:t>
-            </a:r>
-            <a:r>
-              <a:rPr kumimoji="1" lang="ja-JP" altLang="en-US" sz="2800" dirty="0"/>
-              <a:t>は</a:t>
-            </a:r>
-            <a:r>
-              <a:rPr kumimoji="1" lang="en-US" altLang="ja-JP" sz="2800" dirty="0" err="1"/>
-              <a:t>Fluentd</a:t>
-            </a:r>
-            <a:r>
-              <a:rPr kumimoji="1" lang="ja-JP" altLang="en-US" sz="2800" dirty="0"/>
-              <a:t>ファミリーのログコレクターで、</a:t>
-            </a:r>
-            <a:endParaRPr kumimoji="1" lang="en-US" altLang="ja-JP" sz="2800" dirty="0"/>
-          </a:p>
-          <a:p>
-            <a:pPr marL="0" indent="0">
-              <a:buNone/>
-            </a:pPr>
-            <a:r>
-              <a:rPr kumimoji="1" lang="en-US" altLang="ja-JP" sz="2800" dirty="0"/>
-              <a:t>C</a:t>
-            </a:r>
-            <a:r>
-              <a:rPr kumimoji="1" lang="ja-JP" altLang="en-US" sz="2800" dirty="0"/>
-              <a:t>言語で書かれている。</a:t>
-            </a:r>
-            <a:r>
-              <a:rPr kumimoji="1" lang="en-US" altLang="ja-JP" sz="2800" dirty="0"/>
-              <a:t>IoT</a:t>
-            </a:r>
-            <a:r>
-              <a:rPr kumimoji="1" lang="ja-JP" altLang="en-US" sz="2800" dirty="0"/>
-              <a:t>を意識した軽量</a:t>
-            </a:r>
-            <a:r>
-              <a:rPr kumimoji="1" lang="en-US" altLang="ja-JP" sz="2800" dirty="0" err="1"/>
-              <a:t>Fluentd</a:t>
-            </a:r>
-            <a:r>
-              <a:rPr kumimoji="1" lang="ja-JP" altLang="en-US" sz="2800" dirty="0"/>
-              <a:t>。</a:t>
-            </a:r>
-          </a:p>
-        </p:txBody>
-      </p:sp>
-      <p:graphicFrame>
-        <p:nvGraphicFramePr>
-          <p:cNvPr id="6" name="表 6">
-            <a:extLst>
-              <a:ext uri="{FF2B5EF4-FFF2-40B4-BE49-F238E27FC236}">
-                <a16:creationId xmlns:a16="http://schemas.microsoft.com/office/drawing/2014/main" id="{3D52F841-879C-4D1D-962F-CA972B68CC30}"/>
-              </a:ext>
-            </a:extLst>
-          </p:cNvPr>
-          <p:cNvGraphicFramePr>
-            <a:graphicFrameLocks noGrp="1"/>
-          </p:cNvGraphicFramePr>
           <p:nvPr>
             <p:extLst>
               <p:ext uri="{D42A27DB-BD31-4B8C-83A1-F6EECF244321}">
-                <p14:modId xmlns:p14="http://schemas.microsoft.com/office/powerpoint/2010/main" val="4023165081"/>
+                <p14:modId xmlns:p14="http://schemas.microsoft.com/office/powerpoint/2010/main" val="302169313"/>
               </p:ext>
             </p:extLst>
           </p:nvPr>
@@ -14328,7 +14108,7 @@
                       </a:r>
                     </a:p>
                   </a:txBody>
-                  <a:tcPr/>
+                  <a:tcPr anchor="ctr"/>
                 </a:tc>
                 <a:tc>
                   <a:txBody>
@@ -14343,7 +14123,7 @@
                       <a:endParaRPr kumimoji="1" lang="ja-JP" altLang="en-US" sz="2400" dirty="0"/>
                     </a:p>
                   </a:txBody>
-                  <a:tcPr/>
+                  <a:tcPr anchor="ctr"/>
                 </a:tc>
                 <a:tc>
                   <a:txBody>
@@ -14377,7 +14157,7 @@
                       </a:r>
                     </a:p>
                   </a:txBody>
-                  <a:tcPr/>
+                  <a:tcPr anchor="ctr"/>
                 </a:tc>
                 <a:extLst>
                   <a:ext uri="{0D108BD9-81ED-4DB2-BD59-A6C34878D82A}">
@@ -14398,7 +14178,7 @@
                       </a:r>
                     </a:p>
                   </a:txBody>
-                  <a:tcPr/>
+                  <a:tcPr anchor="ctr"/>
                 </a:tc>
                 <a:tc>
                   <a:txBody>
@@ -14412,7 +14192,7 @@
                       </a:r>
                     </a:p>
                   </a:txBody>
-                  <a:tcPr/>
+                  <a:tcPr anchor="ctr"/>
                 </a:tc>
                 <a:tc>
                   <a:txBody>
@@ -14435,7 +14215,7 @@
                       <a:endParaRPr kumimoji="1" lang="ja-JP" altLang="en-US" sz="2400" dirty="0"/>
                     </a:p>
                   </a:txBody>
-                  <a:tcPr/>
+                  <a:tcPr anchor="ctr"/>
                 </a:tc>
                 <a:extLst>
                   <a:ext uri="{0D108BD9-81ED-4DB2-BD59-A6C34878D82A}">
@@ -14456,7 +14236,459 @@
                       </a:r>
                     </a:p>
                   </a:txBody>
+                  <a:tcPr anchor="ctr"/>
+                </a:tc>
+                <a:tc>
+                  <a:txBody>
+                    <a:bodyPr/>
+                    <a:lstStyle/>
+                    <a:p>
+                      <a:pPr algn="ctr"/>
+                      <a:r>
+                        <a:rPr kumimoji="1" lang="en-US" altLang="ja-JP" sz="2400" dirty="0"/>
+                        <a:t>C,</a:t>
+                      </a:r>
+                      <a:r>
+                        <a:rPr kumimoji="1" lang="ja-JP" altLang="en-US" sz="2400" dirty="0"/>
+                        <a:t> </a:t>
+                      </a:r>
+                      <a:r>
+                        <a:rPr kumimoji="1" lang="en-US" altLang="ja-JP" sz="2400" dirty="0"/>
+                        <a:t>Golang</a:t>
+                      </a:r>
+                      <a:r>
+                        <a:rPr kumimoji="1" lang="ja-JP" altLang="en-US" sz="2400" dirty="0"/>
+                        <a:t>（</a:t>
+                      </a:r>
+                      <a:r>
+                        <a:rPr kumimoji="1" lang="en-US" altLang="ja-JP" sz="2400" dirty="0"/>
+                        <a:t>※</a:t>
+                      </a:r>
+                      <a:r>
+                        <a:rPr kumimoji="1" lang="ja-JP" altLang="en-US" sz="2400" dirty="0"/>
+                        <a:t>アウトプットのみ）</a:t>
+                      </a:r>
+                    </a:p>
+                  </a:txBody>
+                  <a:tcPr anchor="ctr"/>
+                </a:tc>
+                <a:tc>
+                  <a:txBody>
+                    <a:bodyPr/>
+                    <a:lstStyle/>
+                    <a:p>
+                      <a:pPr algn="ctr"/>
+                      <a:r>
+                        <a:rPr kumimoji="1" lang="en-US" altLang="ja-JP" sz="2400" dirty="0"/>
+                        <a:t>Ruby</a:t>
+                      </a:r>
+                      <a:endParaRPr kumimoji="1" lang="ja-JP" altLang="en-US" sz="2400" dirty="0"/>
+                    </a:p>
+                  </a:txBody>
+                  <a:tcPr anchor="ctr"/>
+                </a:tc>
+                <a:extLst>
+                  <a:ext uri="{0D108BD9-81ED-4DB2-BD59-A6C34878D82A}">
+                    <a16:rowId xmlns:a16="http://schemas.microsoft.com/office/drawing/2014/main" val="863869362"/>
+                  </a:ext>
+                </a:extLst>
+              </a:tr>
+            </a:tbl>
+          </a:graphicData>
+        </a:graphic>
+      </p:graphicFrame>
+    </p:spTree>
+    <p:extLst>
+      <p:ext uri="{BB962C8B-B14F-4D97-AF65-F5344CB8AC3E}">
+        <p14:creationId xmlns:p14="http://schemas.microsoft.com/office/powerpoint/2010/main" val="3147813"/>
+      </p:ext>
+    </p:extLst>
+  </p:cSld>
+  <p:clrMapOvr>
+    <a:masterClrMapping/>
+  </p:clrMapOvr>
+</p:sld>
+</file>
+
+<file path=ppt/slides/slide4.xml><?xml version="1.0" encoding="utf-8"?>
+<p:sld xmlns:a="http://schemas.openxmlformats.org/drawingml/2006/main" xmlns:r="http://schemas.openxmlformats.org/officeDocument/2006/relationships" xmlns:p="http://schemas.openxmlformats.org/presentationml/2006/main">
+  <p:cSld>
+    <p:spTree>
+      <p:nvGrpSpPr>
+        <p:cNvPr id="1" name=""/>
+        <p:cNvGrpSpPr/>
+        <p:nvPr/>
+      </p:nvGrpSpPr>
+      <p:grpSpPr>
+        <a:xfrm>
+          <a:off x="0" y="0"/>
+          <a:ext cx="0" cy="0"/>
+          <a:chOff x="0" y="0"/>
+          <a:chExt cx="0" cy="0"/>
+        </a:xfrm>
+      </p:grpSpPr>
+      <p:sp>
+        <p:nvSpPr>
+          <p:cNvPr id="2" name="タイトル 1">
+            <a:extLst>
+              <a:ext uri="{FF2B5EF4-FFF2-40B4-BE49-F238E27FC236}">
+                <a16:creationId xmlns:a16="http://schemas.microsoft.com/office/drawing/2014/main" id="{E47709CD-CB7B-4919-8A2F-930A470E2F92}"/>
+              </a:ext>
+            </a:extLst>
+          </p:cNvPr>
+          <p:cNvSpPr>
+            <a:spLocks noGrp="1"/>
+          </p:cNvSpPr>
+          <p:nvPr>
+            <p:ph type="title"/>
+          </p:nvPr>
+        </p:nvSpPr>
+        <p:spPr>
+          <a:xfrm>
+            <a:off x="504000" y="559301"/>
+            <a:ext cx="9071640" cy="609398"/>
+          </a:xfrm>
+        </p:spPr>
+        <p:txBody>
+          <a:bodyPr/>
+          <a:lstStyle/>
+          <a:p>
+            <a:r>
+              <a:rPr kumimoji="1" lang="en-US" altLang="ja-JP" dirty="0"/>
+              <a:t>fluent-bit</a:t>
+            </a:r>
+            <a:r>
+              <a:rPr kumimoji="1" lang="ja-JP" altLang="en-US" dirty="0"/>
+              <a:t>とは</a:t>
+            </a:r>
+          </a:p>
+        </p:txBody>
+      </p:sp>
+      <p:sp>
+        <p:nvSpPr>
+          <p:cNvPr id="3" name="字幕 2">
+            <a:extLst>
+              <a:ext uri="{FF2B5EF4-FFF2-40B4-BE49-F238E27FC236}">
+                <a16:creationId xmlns:a16="http://schemas.microsoft.com/office/drawing/2014/main" id="{C9D337BE-0567-44C5-9CDE-95D8EB5F5774}"/>
+              </a:ext>
+            </a:extLst>
+          </p:cNvPr>
+          <p:cNvSpPr>
+            <a:spLocks noGrp="1"/>
+          </p:cNvSpPr>
+          <p:nvPr>
+            <p:ph type="subTitle"/>
+          </p:nvPr>
+        </p:nvSpPr>
+        <p:spPr>
+          <a:xfrm>
+            <a:off x="403464" y="1410958"/>
+            <a:ext cx="9071640" cy="775597"/>
+          </a:xfrm>
+        </p:spPr>
+        <p:txBody>
+          <a:bodyPr/>
+          <a:lstStyle/>
+          <a:p>
+            <a:pPr marL="0" indent="0">
+              <a:buNone/>
+            </a:pPr>
+            <a:r>
+              <a:rPr lang="en-US" altLang="ja-JP" sz="2800" dirty="0"/>
+              <a:t>f</a:t>
+            </a:r>
+            <a:r>
+              <a:rPr kumimoji="1" lang="en-US" altLang="ja-JP" sz="2800" dirty="0"/>
+              <a:t>luent-bit</a:t>
+            </a:r>
+            <a:r>
+              <a:rPr kumimoji="1" lang="ja-JP" altLang="en-US" sz="2800" dirty="0"/>
+              <a:t>は</a:t>
+            </a:r>
+            <a:r>
+              <a:rPr kumimoji="1" lang="en-US" altLang="ja-JP" sz="2800" dirty="0" err="1"/>
+              <a:t>Fluentd</a:t>
+            </a:r>
+            <a:r>
+              <a:rPr kumimoji="1" lang="ja-JP" altLang="en-US" sz="2800" dirty="0"/>
+              <a:t>ファミリーのログコレクターで、</a:t>
+            </a:r>
+            <a:endParaRPr kumimoji="1" lang="en-US" altLang="ja-JP" sz="2800" dirty="0"/>
+          </a:p>
+          <a:p>
+            <a:pPr marL="0" indent="0">
+              <a:buNone/>
+            </a:pPr>
+            <a:r>
+              <a:rPr kumimoji="1" lang="en-US" altLang="ja-JP" sz="2800" dirty="0"/>
+              <a:t>C</a:t>
+            </a:r>
+            <a:r>
+              <a:rPr kumimoji="1" lang="ja-JP" altLang="en-US" sz="2800" dirty="0"/>
+              <a:t>言語で書かれている。</a:t>
+            </a:r>
+            <a:r>
+              <a:rPr kumimoji="1" lang="en-US" altLang="ja-JP" sz="2800" dirty="0"/>
+              <a:t>IoT</a:t>
+            </a:r>
+            <a:r>
+              <a:rPr kumimoji="1" lang="ja-JP" altLang="en-US" sz="2800" dirty="0"/>
+              <a:t>を意識した軽量</a:t>
+            </a:r>
+            <a:r>
+              <a:rPr kumimoji="1" lang="en-US" altLang="ja-JP" sz="2800" dirty="0" err="1"/>
+              <a:t>Fluentd</a:t>
+            </a:r>
+            <a:r>
+              <a:rPr kumimoji="1" lang="ja-JP" altLang="en-US" sz="2800" dirty="0"/>
+              <a:t>。</a:t>
+            </a:r>
+          </a:p>
+        </p:txBody>
+      </p:sp>
+      <p:graphicFrame>
+        <p:nvGraphicFramePr>
+          <p:cNvPr id="6" name="表 6">
+            <a:extLst>
+              <a:ext uri="{FF2B5EF4-FFF2-40B4-BE49-F238E27FC236}">
+                <a16:creationId xmlns:a16="http://schemas.microsoft.com/office/drawing/2014/main" id="{3D52F841-879C-4D1D-962F-CA972B68CC30}"/>
+              </a:ext>
+            </a:extLst>
+          </p:cNvPr>
+          <p:cNvGraphicFramePr>
+            <a:graphicFrameLocks noGrp="1"/>
+          </p:cNvGraphicFramePr>
+          <p:nvPr>
+            <p:extLst>
+              <p:ext uri="{D42A27DB-BD31-4B8C-83A1-F6EECF244321}">
+                <p14:modId xmlns:p14="http://schemas.microsoft.com/office/powerpoint/2010/main" val="2805717740"/>
+              </p:ext>
+            </p:extLst>
+          </p:nvPr>
+        </p:nvGraphicFramePr>
+        <p:xfrm>
+          <a:off x="403464" y="2286537"/>
+          <a:ext cx="8898522" cy="3200975"/>
+        </p:xfrm>
+        <a:graphic>
+          <a:graphicData uri="http://schemas.openxmlformats.org/drawingml/2006/table">
+            <a:tbl>
+              <a:tblPr firstRow="1" bandRow="1">
+                <a:tableStyleId>{5C22544A-7EE6-4342-B048-85BDC9FD1C3A}</a:tableStyleId>
+              </a:tblPr>
+              <a:tblGrid>
+                <a:gridCol w="2966174">
+                  <a:extLst>
+                    <a:ext uri="{9D8B030D-6E8A-4147-A177-3AD203B41FA5}">
+                      <a16:colId xmlns:a16="http://schemas.microsoft.com/office/drawing/2014/main" val="180395662"/>
+                    </a:ext>
+                  </a:extLst>
+                </a:gridCol>
+                <a:gridCol w="2966174">
+                  <a:extLst>
+                    <a:ext uri="{9D8B030D-6E8A-4147-A177-3AD203B41FA5}">
+                      <a16:colId xmlns:a16="http://schemas.microsoft.com/office/drawing/2014/main" val="3525907355"/>
+                    </a:ext>
+                  </a:extLst>
+                </a:gridCol>
+                <a:gridCol w="2966174">
+                  <a:extLst>
+                    <a:ext uri="{9D8B030D-6E8A-4147-A177-3AD203B41FA5}">
+                      <a16:colId xmlns:a16="http://schemas.microsoft.com/office/drawing/2014/main" val="2975535666"/>
+                    </a:ext>
+                  </a:extLst>
+                </a:gridCol>
+              </a:tblGrid>
+              <a:tr h="514112">
+                <a:tc>
+                  <a:txBody>
+                    <a:bodyPr/>
+                    <a:lstStyle/>
+                    <a:p>
+                      <a:pPr algn="ctr"/>
+                      <a:endParaRPr kumimoji="1" lang="ja-JP" altLang="en-US" dirty="0"/>
+                    </a:p>
+                  </a:txBody>
                   <a:tcPr/>
+                </a:tc>
+                <a:tc>
+                  <a:txBody>
+                    <a:bodyPr/>
+                    <a:lstStyle/>
+                    <a:p>
+                      <a:pPr algn="ctr"/>
+                      <a:r>
+                        <a:rPr kumimoji="1" lang="en-US" altLang="ja-JP" sz="2400" dirty="0"/>
+                        <a:t>fluent-bit</a:t>
+                      </a:r>
+                      <a:endParaRPr kumimoji="1" lang="ja-JP" altLang="en-US" sz="2400" dirty="0"/>
+                    </a:p>
+                  </a:txBody>
+                  <a:tcPr/>
+                </a:tc>
+                <a:tc>
+                  <a:txBody>
+                    <a:bodyPr/>
+                    <a:lstStyle/>
+                    <a:p>
+                      <a:pPr algn="ctr"/>
+                      <a:r>
+                        <a:rPr kumimoji="1" lang="en-US" altLang="ja-JP" sz="2400" dirty="0" err="1"/>
+                        <a:t>Fluentd</a:t>
+                      </a:r>
+                      <a:endParaRPr kumimoji="1" lang="ja-JP" altLang="en-US" sz="2400" dirty="0"/>
+                    </a:p>
+                  </a:txBody>
+                  <a:tcPr/>
+                </a:tc>
+                <a:extLst>
+                  <a:ext uri="{0D108BD9-81ED-4DB2-BD59-A6C34878D82A}">
+                    <a16:rowId xmlns:a16="http://schemas.microsoft.com/office/drawing/2014/main" val="3442282393"/>
+                  </a:ext>
+                </a:extLst>
+              </a:tr>
+              <a:tr h="895621">
+                <a:tc>
+                  <a:txBody>
+                    <a:bodyPr/>
+                    <a:lstStyle/>
+                    <a:p>
+                      <a:pPr algn="ctr"/>
+                      <a:r>
+                        <a:rPr kumimoji="1" lang="ja-JP" altLang="en-US" sz="2400" dirty="0"/>
+                        <a:t>実装言語</a:t>
+                      </a:r>
+                    </a:p>
+                  </a:txBody>
+                  <a:tcPr anchor="ctr"/>
+                </a:tc>
+                <a:tc>
+                  <a:txBody>
+                    <a:bodyPr/>
+                    <a:lstStyle/>
+                    <a:p>
+                      <a:pPr algn="ctr"/>
+                      <a:r>
+                        <a:rPr kumimoji="1" lang="en-US" altLang="ja-JP" sz="2400" dirty="0"/>
+                        <a:t>C</a:t>
+                      </a:r>
+                      <a:endParaRPr kumimoji="1" lang="ja-JP" altLang="en-US" sz="2400" dirty="0"/>
+                    </a:p>
+                  </a:txBody>
+                  <a:tcPr anchor="ctr"/>
+                </a:tc>
+                <a:tc>
+                  <a:txBody>
+                    <a:bodyPr/>
+                    <a:lstStyle/>
+                    <a:p>
+                      <a:pPr algn="ctr"/>
+                      <a:r>
+                        <a:rPr kumimoji="1" lang="en-US" altLang="ja-JP" sz="2400" dirty="0"/>
+                        <a:t>Ruby,</a:t>
+                      </a:r>
+                      <a:r>
+                        <a:rPr kumimoji="1" lang="ja-JP" altLang="en-US" sz="2400" dirty="0"/>
+                        <a:t> </a:t>
+                      </a:r>
+                      <a:r>
+                        <a:rPr kumimoji="1" lang="en-US" altLang="ja-JP" sz="2400" dirty="0"/>
+                        <a:t>C</a:t>
+                      </a:r>
+                      <a:r>
+                        <a:rPr kumimoji="1" lang="ja-JP" altLang="en-US" sz="2400" dirty="0"/>
+                        <a:t>（</a:t>
+                      </a:r>
+                      <a:r>
+                        <a:rPr kumimoji="1" lang="en-US" altLang="ja-JP" sz="2400" dirty="0"/>
+                        <a:t>※</a:t>
+                      </a:r>
+                      <a:r>
+                        <a:rPr kumimoji="1" lang="ja-JP" altLang="en-US" sz="2400" dirty="0"/>
+                        <a:t>下回り）</a:t>
+                      </a:r>
+                    </a:p>
+                  </a:txBody>
+                  <a:tcPr anchor="ctr"/>
+                </a:tc>
+                <a:extLst>
+                  <a:ext uri="{0D108BD9-81ED-4DB2-BD59-A6C34878D82A}">
+                    <a16:rowId xmlns:a16="http://schemas.microsoft.com/office/drawing/2014/main" val="438292001"/>
+                  </a:ext>
+                </a:extLst>
+              </a:tr>
+              <a:tr h="895621">
+                <a:tc>
+                  <a:txBody>
+                    <a:bodyPr/>
+                    <a:lstStyle/>
+                    <a:p>
+                      <a:pPr algn="ctr"/>
+                      <a:r>
+                        <a:rPr kumimoji="1" lang="ja-JP" altLang="en-US" sz="2400" dirty="0"/>
+                        <a:t>依存関係</a:t>
+                      </a:r>
+                    </a:p>
+                  </a:txBody>
+                  <a:tcPr anchor="ctr"/>
+                </a:tc>
+                <a:tc>
+                  <a:txBody>
+                    <a:bodyPr/>
+                    <a:lstStyle/>
+                    <a:p>
+                      <a:pPr algn="ctr"/>
+                      <a:r>
+                        <a:rPr kumimoji="1" lang="ja-JP" altLang="en-US" sz="2400" dirty="0"/>
+                        <a:t>なし（依存ライブラリは同梱）</a:t>
+                      </a:r>
+                    </a:p>
+                  </a:txBody>
+                  <a:tcPr anchor="ctr"/>
+                </a:tc>
+                <a:tc>
+                  <a:txBody>
+                    <a:bodyPr/>
+                    <a:lstStyle/>
+                    <a:p>
+                      <a:pPr algn="ctr"/>
+                      <a:r>
+                        <a:rPr kumimoji="1" lang="en-US" altLang="ja-JP" sz="2400" dirty="0"/>
+                        <a:t>Ruby,</a:t>
+                      </a:r>
+                      <a:r>
+                        <a:rPr kumimoji="1" lang="ja-JP" altLang="en-US" sz="2400" dirty="0"/>
+                        <a:t> いくつかの</a:t>
+                      </a:r>
+                      <a:r>
+                        <a:rPr kumimoji="1" lang="en-US" altLang="ja-JP" sz="2400" dirty="0"/>
+                        <a:t>gem</a:t>
+                      </a:r>
+                      <a:endParaRPr kumimoji="1" lang="ja-JP" altLang="en-US" sz="2400" dirty="0"/>
+                    </a:p>
+                  </a:txBody>
+                  <a:tcPr anchor="ctr"/>
+                </a:tc>
+                <a:extLst>
+                  <a:ext uri="{0D108BD9-81ED-4DB2-BD59-A6C34878D82A}">
+                    <a16:rowId xmlns:a16="http://schemas.microsoft.com/office/drawing/2014/main" val="3944155792"/>
+                  </a:ext>
+                </a:extLst>
+              </a:tr>
+              <a:tr h="895621">
+                <a:tc>
+                  <a:txBody>
+                    <a:bodyPr/>
+                    <a:lstStyle/>
+                    <a:p>
+                      <a:pPr algn="ctr"/>
+                      <a:r>
+                        <a:rPr kumimoji="1" lang="ja-JP" altLang="en-US" sz="2400" dirty="0"/>
+                        <a:t>プラグインの実装に使える言語</a:t>
+                      </a:r>
+                    </a:p>
+                  </a:txBody>
+                  <a:tcPr anchor="ctr"/>
                 </a:tc>
                 <a:tc>
                   <a:txBody>
@@ -14506,7 +14738,7 @@
                       </a:r>
                     </a:p>
                   </a:txBody>
-                  <a:tcPr/>
+                  <a:tcPr anchor="ctr"/>
                 </a:tc>
                 <a:tc>
                   <a:txBody>
@@ -14521,7 +14753,7 @@
                       <a:endParaRPr kumimoji="1" lang="ja-JP" altLang="en-US" sz="2400" dirty="0"/>
                     </a:p>
                   </a:txBody>
-                  <a:tcPr/>
+                  <a:tcPr anchor="ctr"/>
                 </a:tc>
                 <a:extLst>
                   <a:ext uri="{0D108BD9-81ED-4DB2-BD59-A6C34878D82A}">
@@ -14581,7 +14813,7 @@
         </p:nvSpPr>
         <p:spPr>
           <a:xfrm>
-            <a:off x="504492" y="188619"/>
+            <a:off x="504492" y="260154"/>
             <a:ext cx="9071640" cy="498598"/>
           </a:xfrm>
         </p:spPr>
@@ -14634,7 +14866,7 @@
         </p:nvSpPr>
         <p:spPr>
           <a:xfrm>
-            <a:off x="504492" y="651091"/>
+            <a:off x="504492" y="709870"/>
             <a:ext cx="7491153" cy="6555641"/>
           </a:xfrm>
           <a:prstGeom prst="rect">
@@ -16657,7 +16889,7 @@
         </p:nvSpPr>
         <p:spPr>
           <a:xfrm>
-            <a:off x="504492" y="1995260"/>
+            <a:off x="504492" y="2039990"/>
             <a:ext cx="4153682" cy="370262"/>
           </a:xfrm>
           <a:prstGeom prst="roundRect">
@@ -16709,7 +16941,7 @@
         </p:nvSpPr>
         <p:spPr>
           <a:xfrm>
-            <a:off x="504492" y="2737560"/>
+            <a:off x="504492" y="2777320"/>
             <a:ext cx="4105807" cy="370261"/>
           </a:xfrm>
           <a:prstGeom prst="roundRect">
@@ -16761,7 +16993,7 @@
         </p:nvSpPr>
         <p:spPr>
           <a:xfrm>
-            <a:off x="522785" y="4182588"/>
+            <a:off x="522785" y="4227318"/>
             <a:ext cx="6955188" cy="370262"/>
           </a:xfrm>
           <a:prstGeom prst="roundRect">
@@ -16813,7 +17045,7 @@
         </p:nvSpPr>
         <p:spPr>
           <a:xfrm>
-            <a:off x="522785" y="5815083"/>
+            <a:off x="522785" y="5874722"/>
             <a:ext cx="2301742" cy="370261"/>
           </a:xfrm>
           <a:prstGeom prst="roundRect">
@@ -16865,7 +17097,7 @@
         </p:nvSpPr>
         <p:spPr>
           <a:xfrm>
-            <a:off x="5572574" y="2684289"/>
+            <a:off x="5572574" y="2694229"/>
             <a:ext cx="3817410" cy="1385593"/>
           </a:xfrm>
           <a:prstGeom prst="wedgeEllipseCallout">
@@ -17344,8 +17576,8 @@
         </p:nvSpPr>
         <p:spPr>
           <a:xfrm>
-            <a:off x="465701" y="1327884"/>
-            <a:ext cx="9071640" cy="2451953"/>
+            <a:off x="465701" y="1307366"/>
+            <a:ext cx="9071640" cy="2492990"/>
           </a:xfrm>
         </p:spPr>
         <p:txBody>
@@ -17357,31 +17589,31 @@
               <a:buAutoNum type="arabicPeriod"/>
             </a:pPr>
             <a:r>
-              <a:rPr kumimoji="1" lang="ja-JP" altLang="en-US" dirty="0"/>
+              <a:rPr kumimoji="1" lang="ja-JP" altLang="en-US" sz="3600" dirty="0"/>
               <a:t>共有ライブラリとしてビルド</a:t>
             </a:r>
-            <a:endParaRPr kumimoji="1" lang="en-US" altLang="ja-JP" dirty="0"/>
+            <a:endParaRPr kumimoji="1" lang="en-US" altLang="ja-JP" sz="3600" dirty="0"/>
           </a:p>
           <a:p>
             <a:pPr marL="514350" indent="-514350">
               <a:buFont typeface="+mj-lt"/>
               <a:buAutoNum type="arabicPeriod"/>
             </a:pPr>
-            <a:endParaRPr lang="en-US" altLang="ja-JP" dirty="0"/>
+            <a:endParaRPr lang="en-US" altLang="ja-JP" sz="3600" dirty="0"/>
           </a:p>
           <a:p>
             <a:pPr marL="514350" indent="-514350">
               <a:buFont typeface="+mj-lt"/>
               <a:buAutoNum type="arabicPeriod"/>
             </a:pPr>
-            <a:endParaRPr kumimoji="1" lang="en-US" altLang="ja-JP" dirty="0"/>
+            <a:endParaRPr kumimoji="1" lang="en-US" altLang="ja-JP" sz="3600" dirty="0"/>
           </a:p>
           <a:p>
             <a:pPr marL="514350" indent="-514350">
               <a:buFont typeface="+mj-lt"/>
               <a:buAutoNum type="arabicPeriod"/>
             </a:pPr>
-            <a:endParaRPr kumimoji="1" lang="en-US" altLang="ja-JP" dirty="0"/>
+            <a:endParaRPr kumimoji="1" lang="en-US" altLang="ja-JP" sz="3600" dirty="0"/>
           </a:p>
           <a:p>
             <a:pPr marL="514350" indent="-514350">
@@ -17389,10 +17621,10 @@
               <a:buAutoNum type="arabicPeriod"/>
             </a:pPr>
             <a:r>
-              <a:rPr lang="ja-JP" altLang="en-US" dirty="0"/>
+              <a:rPr lang="ja-JP" altLang="en-US" sz="3600" dirty="0"/>
               <a:t>読み込みパスに追加して起動</a:t>
             </a:r>
-            <a:endParaRPr kumimoji="1" lang="ja-JP" altLang="en-US" dirty="0"/>
+            <a:endParaRPr kumimoji="1" lang="ja-JP" altLang="en-US" sz="3600" dirty="0"/>
           </a:p>
         </p:txBody>
       </p:sp>
@@ -17410,7 +17642,7 @@
         </p:nvSpPr>
         <p:spPr>
           <a:xfrm>
-            <a:off x="465701" y="2163920"/>
+            <a:off x="465700" y="2323028"/>
             <a:ext cx="8465779" cy="461665"/>
           </a:xfrm>
           <a:prstGeom prst="rect">
@@ -17670,7 +17902,7 @@
         </p:nvSpPr>
         <p:spPr>
           <a:xfrm>
-            <a:off x="465700" y="5206182"/>
+            <a:off x="465700" y="5424359"/>
             <a:ext cx="5628464" cy="830997"/>
           </a:xfrm>
           <a:prstGeom prst="rect">
@@ -17832,7 +18064,7 @@
         </p:nvSpPr>
         <p:spPr>
           <a:xfrm>
-            <a:off x="465700" y="4682962"/>
+            <a:off x="758904" y="4714965"/>
             <a:ext cx="1261884" cy="523220"/>
           </a:xfrm>
           <a:prstGeom prst="rect">

--- a/Prometheus_meetup_slide.pptx
+++ b/Prometheus_meetup_slide.pptx
@@ -19749,6 +19749,42 @@
           </a:p>
         </p:txBody>
       </p:sp>
+      <p:pic>
+        <p:nvPicPr>
+          <p:cNvPr id="14" name="図 13" descr="記号 が含まれている画像&#10;&#10;自動的に生成された説明">
+            <a:extLst>
+              <a:ext uri="{FF2B5EF4-FFF2-40B4-BE49-F238E27FC236}">
+                <a16:creationId xmlns:a16="http://schemas.microsoft.com/office/drawing/2014/main" id="{26F4D2FF-D6CC-4D54-AF59-A133439FF320}"/>
+              </a:ext>
+            </a:extLst>
+          </p:cNvPr>
+          <p:cNvPicPr>
+            <a:picLocks noChangeAspect="1"/>
+          </p:cNvPicPr>
+          <p:nvPr/>
+        </p:nvPicPr>
+        <p:blipFill>
+          <a:blip r:embed="rId7">
+            <a:extLst>
+              <a:ext uri="{28A0092B-C50C-407E-A947-70E740481C1C}">
+                <a14:useLocalDpi xmlns:a14="http://schemas.microsoft.com/office/drawing/2010/main" val="0"/>
+              </a:ext>
+            </a:extLst>
+          </a:blip>
+          <a:stretch>
+            <a:fillRect/>
+          </a:stretch>
+        </p:blipFill>
+        <p:spPr>
+          <a:xfrm>
+            <a:off x="2864784" y="2099962"/>
+            <a:ext cx="1902416" cy="1681872"/>
+          </a:xfrm>
+          <a:prstGeom prst="rect">
+            <a:avLst/>
+          </a:prstGeom>
+        </p:spPr>
+      </p:pic>
     </p:spTree>
     <p:extLst>
       <p:ext uri="{BB962C8B-B14F-4D97-AF65-F5344CB8AC3E}">

--- a/Prometheus_meetup_slide.pptx
+++ b/Prometheus_meetup_slide.pptx
@@ -221,7 +221,7 @@
           <a:p>
             <a:fld id="{0A2C6E4E-92E0-4AC1-8B2D-D1FAB06D7154}" type="datetimeFigureOut">
               <a:rPr kumimoji="1" lang="ja-JP" altLang="en-US" smtClean="0"/>
-              <a:t>2020/1/14</a:t>
+              <a:t>2020/1/15</a:t>
             </a:fld>
             <a:endParaRPr kumimoji="1" lang="ja-JP" altLang="en-US"/>
           </a:p>
@@ -4432,7 +4432,7 @@
           <a:p>
             <a:fld id="{53235D1F-0741-40E3-B9F5-9646A1C97BC9}" type="datetimeFigureOut">
               <a:rPr kumimoji="1" lang="ja-JP" altLang="en-US" smtClean="0"/>
-              <a:t>2020/1/14</a:t>
+              <a:t>2020/1/15</a:t>
             </a:fld>
             <a:endParaRPr kumimoji="1" lang="ja-JP" altLang="en-US"/>
           </a:p>
@@ -9810,8 +9810,8 @@
         </p:nvSpPr>
         <p:spPr>
           <a:xfrm>
-            <a:off x="504000" y="2942566"/>
-            <a:ext cx="9071640" cy="2250873"/>
+            <a:off x="504000" y="3209306"/>
+            <a:ext cx="9071640" cy="1717393"/>
           </a:xfrm>
         </p:spPr>
         <p:txBody>
@@ -9825,7 +9825,10 @@
             <a:endParaRPr kumimoji="1" lang="en-US" altLang="ja-JP" dirty="0"/>
           </a:p>
           <a:p>
-            <a:pPr lvl="1"/>
+            <a:pPr marL="285750" lvl="1" indent="-285750">
+              <a:buFont typeface="Arial" panose="020B0604020202020204" pitchFamily="34" charset="0"/>
+              <a:buChar char="•"/>
+            </a:pPr>
             <a:r>
               <a:rPr lang="ja-JP" altLang="en-US" dirty="0"/>
               <a:t>同じログコレクターの中の人として</a:t>
@@ -9841,7 +9844,10 @@
             <a:endParaRPr lang="en-US" altLang="ja-JP" dirty="0"/>
           </a:p>
           <a:p>
-            <a:pPr lvl="1"/>
+            <a:pPr marL="285750" lvl="1" indent="-285750">
+              <a:buFont typeface="Arial" panose="020B0604020202020204" pitchFamily="34" charset="0"/>
+              <a:buChar char="•"/>
+            </a:pPr>
             <a:r>
               <a:rPr kumimoji="1" lang="en-US" altLang="ja-JP" dirty="0" err="1"/>
               <a:t>Promtail</a:t>
@@ -9861,7 +9867,10 @@
             <a:endParaRPr kumimoji="1" lang="en-US" altLang="ja-JP" dirty="0"/>
           </a:p>
           <a:p>
-            <a:pPr lvl="2"/>
+            <a:pPr marL="285750" lvl="2" indent="-285750">
+              <a:buFont typeface="Arial" panose="020B0604020202020204" pitchFamily="34" charset="0"/>
+              <a:buChar char="•"/>
+            </a:pPr>
             <a:r>
               <a:rPr lang="en-US" altLang="ja-JP" strike="sngStrike" dirty="0" err="1"/>
               <a:t>Promtail</a:t>
@@ -9873,7 +9882,10 @@
             <a:endParaRPr lang="en-US" altLang="ja-JP" strike="sngStrike" dirty="0"/>
           </a:p>
           <a:p>
-            <a:pPr lvl="1"/>
+            <a:pPr marL="285750" lvl="1" indent="-285750">
+              <a:buFont typeface="Arial" panose="020B0604020202020204" pitchFamily="34" charset="0"/>
+              <a:buChar char="•"/>
+            </a:pPr>
             <a:r>
               <a:rPr lang="ja-JP" altLang="en-US" strike="sngStrike" dirty="0"/>
               <a:t>そこに</a:t>
@@ -10645,8 +10657,8 @@
         </p:nvSpPr>
         <p:spPr>
           <a:xfrm>
-            <a:off x="5883758" y="1806872"/>
-            <a:ext cx="3691882" cy="4522264"/>
+            <a:off x="5883758" y="1879713"/>
+            <a:ext cx="3691882" cy="4376583"/>
           </a:xfrm>
         </p:spPr>
         <p:txBody>
@@ -10654,27 +10666,27 @@
           <a:lstStyle/>
           <a:p>
             <a:r>
-              <a:rPr kumimoji="1" lang="en-US" altLang="ja-JP" dirty="0">
+              <a:rPr kumimoji="1" lang="en-US" altLang="ja-JP" sz="3600" dirty="0">
                 <a:hlinkClick r:id="rId3"/>
               </a:rPr>
               <a:t>Grafana/Loki#847</a:t>
             </a:r>
-            <a:endParaRPr kumimoji="1" lang="en-US" altLang="ja-JP" dirty="0"/>
-          </a:p>
-          <a:p>
-            <a:r>
-              <a:rPr kumimoji="1" lang="ja-JP" altLang="en-US" dirty="0"/>
+            <a:endParaRPr kumimoji="1" lang="en-US" altLang="ja-JP" sz="3600" dirty="0"/>
+          </a:p>
+          <a:p>
+            <a:r>
+              <a:rPr kumimoji="1" lang="ja-JP" altLang="en-US" sz="3600" dirty="0"/>
               <a:t>一般に</a:t>
             </a:r>
             <a:r>
-              <a:rPr kumimoji="1" lang="en-US" altLang="ja-JP" dirty="0"/>
+              <a:rPr kumimoji="1" lang="en-US" altLang="ja-JP" sz="3600" dirty="0"/>
               <a:t>OSS</a:t>
             </a:r>
             <a:r>
-              <a:rPr kumimoji="1" lang="ja-JP" altLang="en-US" dirty="0"/>
+              <a:rPr kumimoji="1" lang="ja-JP" altLang="en-US" sz="3600" dirty="0"/>
               <a:t>にフィードバックする作法に準じればちゃんと見てもらえる</a:t>
             </a:r>
-            <a:endParaRPr kumimoji="1" lang="en-US" altLang="ja-JP" dirty="0"/>
+            <a:endParaRPr kumimoji="1" lang="en-US" altLang="ja-JP" sz="3600" dirty="0"/>
           </a:p>
           <a:p>
             <a:pPr lvl="1"/>
@@ -10822,8 +10834,8 @@
         </p:nvSpPr>
         <p:spPr>
           <a:xfrm>
-            <a:off x="5844002" y="832107"/>
-            <a:ext cx="4172361" cy="5895460"/>
+            <a:off x="5844002" y="1203747"/>
+            <a:ext cx="4172361" cy="5152180"/>
           </a:xfrm>
         </p:spPr>
         <p:txBody>
@@ -10835,10 +10847,10 @@
               <a:buAutoNum type="arabicPeriod"/>
             </a:pPr>
             <a:r>
-              <a:rPr kumimoji="1" lang="ja-JP" altLang="en-US" dirty="0"/>
+              <a:rPr kumimoji="1" lang="ja-JP" altLang="en-US" sz="3200" dirty="0"/>
               <a:t>はっきりとした動機を書く</a:t>
             </a:r>
-            <a:endParaRPr kumimoji="1" lang="en-US" altLang="ja-JP" dirty="0"/>
+            <a:endParaRPr kumimoji="1" lang="en-US" altLang="ja-JP" sz="3200" dirty="0"/>
           </a:p>
           <a:p>
             <a:pPr marL="971550" lvl="1" indent="-514350">
@@ -10887,22 +10899,22 @@
               <a:buAutoNum type="arabicPeriod"/>
             </a:pPr>
             <a:r>
-              <a:rPr lang="ja-JP" altLang="en-US" dirty="0"/>
+              <a:rPr lang="ja-JP" altLang="en-US" sz="3200" dirty="0"/>
               <a:t>関連</a:t>
             </a:r>
             <a:r>
-              <a:rPr kumimoji="1" lang="ja-JP" altLang="en-US" dirty="0"/>
+              <a:rPr kumimoji="1" lang="ja-JP" altLang="en-US" sz="3200" dirty="0"/>
               <a:t>する</a:t>
             </a:r>
             <a:r>
-              <a:rPr kumimoji="1" lang="en-US" altLang="ja-JP" dirty="0"/>
+              <a:rPr kumimoji="1" lang="en-US" altLang="ja-JP" sz="3200" dirty="0"/>
               <a:t>Issue</a:t>
             </a:r>
             <a:r>
-              <a:rPr kumimoji="1" lang="ja-JP" altLang="en-US" dirty="0"/>
+              <a:rPr kumimoji="1" lang="ja-JP" altLang="en-US" sz="3200" dirty="0"/>
               <a:t>チケット番号</a:t>
             </a:r>
-            <a:endParaRPr kumimoji="1" lang="en-US" altLang="ja-JP" dirty="0"/>
+            <a:endParaRPr kumimoji="1" lang="en-US" altLang="ja-JP" sz="3200" dirty="0"/>
           </a:p>
           <a:p>
             <a:pPr marL="971550" lvl="1" indent="-514350">
@@ -10933,10 +10945,10 @@
               <a:buAutoNum type="arabicPeriod"/>
             </a:pPr>
             <a:r>
-              <a:rPr lang="ja-JP" altLang="en-US" dirty="0"/>
+              <a:rPr lang="ja-JP" altLang="en-US" sz="3200" dirty="0"/>
               <a:t>チェックリストがあれば忘れずに埋める</a:t>
             </a:r>
-            <a:endParaRPr lang="en-US" altLang="ja-JP" dirty="0"/>
+            <a:endParaRPr lang="en-US" altLang="ja-JP" sz="3200" dirty="0"/>
           </a:p>
           <a:p>
             <a:pPr marL="971550" lvl="1" indent="-514350">
@@ -11898,8 +11910,8 @@
         </p:nvSpPr>
         <p:spPr>
           <a:xfrm>
-            <a:off x="504000" y="1136899"/>
-            <a:ext cx="8716073" cy="6422776"/>
+            <a:off x="504000" y="1578298"/>
+            <a:ext cx="8716073" cy="5539978"/>
           </a:xfrm>
         </p:spPr>
         <p:txBody>
@@ -11962,6 +11974,10 @@
             <a:endParaRPr lang="en-US" altLang="ja-JP" dirty="0"/>
           </a:p>
           <a:p>
+            <a:pPr marL="571500" indent="-571500">
+              <a:buFont typeface="Arial" panose="020B0604020202020204" pitchFamily="34" charset="0"/>
+              <a:buChar char="•"/>
+            </a:pPr>
             <a:r>
               <a:rPr lang="ja-JP" altLang="en-US" dirty="0"/>
               <a:t>業務</a:t>
@@ -11969,7 +11985,10 @@
             <a:endParaRPr lang="en-US" altLang="ja-JP" dirty="0"/>
           </a:p>
           <a:p>
-            <a:pPr lvl="1"/>
+            <a:pPr marL="285750" lvl="1" indent="-285750">
+              <a:buFont typeface="Arial" panose="020B0604020202020204" pitchFamily="34" charset="0"/>
+              <a:buChar char="•"/>
+            </a:pPr>
             <a:r>
               <a:rPr kumimoji="1" lang="en-US" altLang="ja-JP" dirty="0" err="1"/>
               <a:t>Fluentd</a:t>
@@ -12001,7 +12020,10 @@
             <a:endParaRPr lang="en-US" altLang="ja-JP" dirty="0"/>
           </a:p>
           <a:p>
-            <a:pPr lvl="2"/>
+            <a:pPr marL="285750" lvl="2" indent="-285750">
+              <a:buFont typeface="Arial" panose="020B0604020202020204" pitchFamily="34" charset="0"/>
+              <a:buChar char="•"/>
+            </a:pPr>
             <a:r>
               <a:rPr lang="en-US" altLang="ja-JP" dirty="0" err="1"/>
               <a:t>Fluentd</a:t>
@@ -12029,7 +12051,10 @@
             <a:endParaRPr lang="en-US" altLang="ja-JP" dirty="0"/>
           </a:p>
           <a:p>
-            <a:pPr lvl="2"/>
+            <a:pPr marL="285750" lvl="2" indent="-285750">
+              <a:buFont typeface="Arial" panose="020B0604020202020204" pitchFamily="34" charset="0"/>
+              <a:buChar char="•"/>
+            </a:pPr>
             <a:r>
               <a:rPr lang="en-US" altLang="ja-JP" dirty="0"/>
               <a:t>fluent-plugin-</a:t>
@@ -12041,7 +12066,10 @@
             <a:endParaRPr lang="en-US" altLang="ja-JP" dirty="0"/>
           </a:p>
           <a:p>
-            <a:pPr lvl="2"/>
+            <a:pPr marL="285750" lvl="2" indent="-285750">
+              <a:buFont typeface="Arial" panose="020B0604020202020204" pitchFamily="34" charset="0"/>
+              <a:buChar char="•"/>
+            </a:pPr>
             <a:r>
               <a:rPr lang="en-US" altLang="ja-JP" dirty="0"/>
               <a:t>fluent-plugin-</a:t>
@@ -12053,7 +12081,10 @@
             <a:endParaRPr lang="en-US" altLang="ja-JP" dirty="0"/>
           </a:p>
           <a:p>
-            <a:pPr lvl="2"/>
+            <a:pPr marL="285750" lvl="2" indent="-285750">
+              <a:buFont typeface="Arial" panose="020B0604020202020204" pitchFamily="34" charset="0"/>
+              <a:buChar char="•"/>
+            </a:pPr>
             <a:r>
               <a:rPr lang="en-US" altLang="ja-JP" dirty="0"/>
               <a:t>fluent-plugin-windows-</a:t>
@@ -12068,7 +12099,10 @@
             </a:r>
           </a:p>
           <a:p>
-            <a:pPr lvl="1"/>
+            <a:pPr marL="285750" lvl="1" indent="-285750">
+              <a:buFont typeface="Arial" panose="020B0604020202020204" pitchFamily="34" charset="0"/>
+              <a:buChar char="•"/>
+            </a:pPr>
             <a:r>
               <a:rPr lang="ja-JP" altLang="en-US" dirty="0"/>
               <a:t>産業用半導体メーカーのボードで動く</a:t>
@@ -13499,8 +13533,8 @@
         </p:nvSpPr>
         <p:spPr>
           <a:xfrm>
-            <a:off x="350892" y="882341"/>
-            <a:ext cx="9071640" cy="775597"/>
+            <a:off x="350892" y="826941"/>
+            <a:ext cx="9071640" cy="886397"/>
           </a:xfrm>
         </p:spPr>
         <p:txBody>
@@ -13508,35 +13542,35 @@
           <a:lstStyle/>
           <a:p>
             <a:r>
-              <a:rPr lang="ja-JP" altLang="en-US" dirty="0"/>
+              <a:rPr lang="ja-JP" altLang="en-US" sz="3200" dirty="0"/>
               <a:t>少し待つと、</a:t>
             </a:r>
             <a:r>
-              <a:rPr lang="en-US" altLang="ja-JP" dirty="0"/>
+              <a:rPr lang="en-US" altLang="ja-JP" sz="3200" dirty="0"/>
               <a:t>f</a:t>
             </a:r>
             <a:r>
-              <a:rPr kumimoji="1" lang="en-US" altLang="ja-JP" dirty="0"/>
+              <a:rPr kumimoji="1" lang="en-US" altLang="ja-JP" sz="3200" dirty="0"/>
               <a:t>luent-bit</a:t>
             </a:r>
             <a:r>
-              <a:rPr kumimoji="1" lang="ja-JP" altLang="en-US" dirty="0"/>
+              <a:rPr kumimoji="1" lang="ja-JP" altLang="en-US" sz="3200" dirty="0"/>
               <a:t>で取得した</a:t>
             </a:r>
             <a:r>
-              <a:rPr kumimoji="1" lang="en-US" altLang="ja-JP" dirty="0"/>
+              <a:rPr kumimoji="1" lang="en-US" altLang="ja-JP" sz="3200" dirty="0"/>
               <a:t>CPU</a:t>
             </a:r>
             <a:r>
-              <a:rPr kumimoji="1" lang="ja-JP" altLang="en-US" dirty="0"/>
+              <a:rPr kumimoji="1" lang="ja-JP" altLang="en-US" sz="3200" dirty="0"/>
               <a:t>使用率が</a:t>
             </a:r>
             <a:r>
-              <a:rPr kumimoji="1" lang="en-US" altLang="ja-JP" dirty="0"/>
+              <a:rPr kumimoji="1" lang="en-US" altLang="ja-JP" sz="3200" dirty="0"/>
               <a:t>Loki</a:t>
             </a:r>
             <a:r>
-              <a:rPr kumimoji="1" lang="ja-JP" altLang="en-US" dirty="0"/>
+              <a:rPr kumimoji="1" lang="ja-JP" altLang="en-US" sz="3200" dirty="0"/>
               <a:t>に投入される</a:t>
             </a:r>
           </a:p>
@@ -13659,8 +13693,8 @@
         </p:nvSpPr>
         <p:spPr>
           <a:xfrm>
-            <a:off x="504000" y="2554768"/>
-            <a:ext cx="9071640" cy="3026470"/>
+            <a:off x="504000" y="2766108"/>
+            <a:ext cx="9071640" cy="2603790"/>
           </a:xfrm>
         </p:spPr>
         <p:txBody>
@@ -13674,7 +13708,10 @@
             <a:endParaRPr kumimoji="1" lang="en-US" altLang="ja-JP" dirty="0"/>
           </a:p>
           <a:p>
-            <a:pPr lvl="1"/>
+            <a:pPr marL="285750" lvl="1" indent="-285750">
+              <a:buFont typeface="Arial" panose="020B0604020202020204" pitchFamily="34" charset="0"/>
+              <a:buChar char="•"/>
+            </a:pPr>
             <a:r>
               <a:rPr lang="en-US" altLang="ja-JP" dirty="0"/>
               <a:t>Grafana/Loki</a:t>
@@ -13694,7 +13731,10 @@
             <a:endParaRPr lang="en-US" altLang="ja-JP" dirty="0"/>
           </a:p>
           <a:p>
-            <a:pPr lvl="1"/>
+            <a:pPr marL="285750" lvl="1" indent="-285750">
+              <a:buFont typeface="Arial" panose="020B0604020202020204" pitchFamily="34" charset="0"/>
+              <a:buChar char="•"/>
+            </a:pPr>
             <a:r>
               <a:rPr lang="en-US" altLang="ja-JP" dirty="0"/>
               <a:t>f</a:t>
@@ -13742,7 +13782,10 @@
             <a:endParaRPr lang="en-US" altLang="ja-JP" dirty="0"/>
           </a:p>
           <a:p>
-            <a:pPr lvl="1"/>
+            <a:pPr marL="285750" lvl="1" indent="-285750">
+              <a:buFont typeface="Arial" panose="020B0604020202020204" pitchFamily="34" charset="0"/>
+              <a:buChar char="•"/>
+            </a:pPr>
             <a:r>
               <a:rPr kumimoji="1" lang="en-US" altLang="ja-JP" dirty="0"/>
               <a:t>Grafana/Loki</a:t>
@@ -13770,7 +13813,10 @@
             <a:endParaRPr kumimoji="1" lang="en-US" altLang="ja-JP" dirty="0"/>
           </a:p>
           <a:p>
-            <a:pPr lvl="1"/>
+            <a:pPr marL="285750" lvl="1" indent="-285750">
+              <a:buFont typeface="Arial" panose="020B0604020202020204" pitchFamily="34" charset="0"/>
+              <a:buChar char="•"/>
+            </a:pPr>
             <a:r>
               <a:rPr lang="ja-JP" altLang="en-US" dirty="0"/>
               <a:t>ドキュメントもちゃんと書かれた</a:t>

--- a/Prometheus_meetup_slide.pptx
+++ b/Prometheus_meetup_slide.pptx
@@ -9,7 +9,7 @@
   </p:notesMasterIdLst>
   <p:sldIdLst>
     <p:sldId id="256" r:id="rId2"/>
-    <p:sldId id="290" r:id="rId3"/>
+    <p:sldId id="294" r:id="rId3"/>
     <p:sldId id="273" r:id="rId4"/>
     <p:sldId id="274" r:id="rId5"/>
     <p:sldId id="275" r:id="rId6"/>
@@ -20,7 +20,7 @@
     <p:sldId id="270" r:id="rId11"/>
     <p:sldId id="271" r:id="rId12"/>
     <p:sldId id="278" r:id="rId13"/>
-    <p:sldId id="292" r:id="rId14"/>
+    <p:sldId id="295" r:id="rId14"/>
     <p:sldId id="279" r:id="rId15"/>
     <p:sldId id="280" r:id="rId16"/>
     <p:sldId id="281" r:id="rId17"/>
@@ -31,7 +31,7 @@
     <p:sldId id="286" r:id="rId22"/>
     <p:sldId id="285" r:id="rId23"/>
     <p:sldId id="284" r:id="rId24"/>
-    <p:sldId id="283" r:id="rId25"/>
+    <p:sldId id="296" r:id="rId25"/>
     <p:sldId id="291" r:id="rId26"/>
   </p:sldIdLst>
   <p:sldSz cx="10080625" cy="7559675"/>
@@ -221,7 +221,7 @@
           <a:p>
             <a:fld id="{0A2C6E4E-92E0-4AC1-8B2D-D1FAB06D7154}" type="datetimeFigureOut">
               <a:rPr kumimoji="1" lang="ja-JP" altLang="en-US" smtClean="0"/>
-              <a:t>2020/1/15</a:t>
+              <a:t>2020/1/16</a:t>
             </a:fld>
             <a:endParaRPr kumimoji="1" lang="ja-JP" altLang="en-US"/>
           </a:p>
@@ -566,33 +566,26 @@
           <a:p>
             <a:r>
               <a:rPr kumimoji="1" lang="ja-JP" altLang="en-US" dirty="0"/>
-              <a:t>まず初めに自己紹介です。</a:t>
+              <a:t>まず、</a:t>
+            </a:r>
+            <a:r>
+              <a:rPr kumimoji="1" lang="en-US" altLang="ja-JP" dirty="0"/>
+              <a:t>Fluent-bit</a:t>
+            </a:r>
+            <a:r>
+              <a:rPr kumimoji="1" lang="ja-JP" altLang="en-US" dirty="0"/>
+              <a:t>について軽く解説していきましょう。</a:t>
             </a:r>
             <a:endParaRPr kumimoji="1" lang="en-US" altLang="ja-JP" dirty="0"/>
           </a:p>
           <a:p>
             <a:r>
+              <a:rPr kumimoji="1" lang="en-US" altLang="ja-JP" dirty="0"/>
+              <a:t>Fluent-bit</a:t>
+            </a:r>
+            <a:r>
               <a:rPr kumimoji="1" lang="ja-JP" altLang="en-US" dirty="0"/>
-              <a:t>株式会社クリアコードに勤務しています。</a:t>
-            </a:r>
-            <a:endParaRPr kumimoji="1" lang="en-US" altLang="ja-JP" dirty="0"/>
-          </a:p>
-          <a:p>
-            <a:r>
-              <a:rPr kumimoji="1" lang="en-US" altLang="ja-JP" dirty="0" err="1"/>
-              <a:t>TwitterID</a:t>
-            </a:r>
-            <a:r>
-              <a:rPr kumimoji="1" lang="ja-JP" altLang="en-US" dirty="0"/>
-              <a:t>と</a:t>
-            </a:r>
-            <a:r>
-              <a:rPr kumimoji="1" lang="en-US" altLang="ja-JP" dirty="0"/>
-              <a:t>GitHub</a:t>
-            </a:r>
-            <a:r>
-              <a:rPr kumimoji="1" lang="ja-JP" altLang="en-US" dirty="0"/>
-              <a:t>アカウントは映し出されているものの通りで、業務では</a:t>
+              <a:t>とは、</a:t>
             </a:r>
             <a:r>
               <a:rPr kumimoji="1" lang="en-US" altLang="ja-JP" dirty="0" err="1"/>
@@ -600,15 +593,54 @@
             </a:r>
             <a:r>
               <a:rPr kumimoji="1" lang="ja-JP" altLang="en-US" dirty="0"/>
-              <a:t>といくつかのプラグインの中の人と、産業用半導体のボードで動く</a:t>
+              <a:t>ファミリーのログコレクターで、</a:t>
             </a:r>
             <a:r>
               <a:rPr kumimoji="1" lang="en-US" altLang="ja-JP" dirty="0"/>
-              <a:t>Linux</a:t>
+              <a:t>C</a:t>
             </a:r>
             <a:r>
               <a:rPr kumimoji="1" lang="ja-JP" altLang="en-US" dirty="0"/>
-              <a:t>への現在的なブラウザの移植をやっています。</a:t>
+              <a:t>言語で実装されています。</a:t>
+            </a:r>
+            <a:endParaRPr kumimoji="1" lang="en-US" altLang="ja-JP" dirty="0"/>
+          </a:p>
+          <a:p>
+            <a:r>
+              <a:rPr kumimoji="1" lang="ja-JP" altLang="en-US" dirty="0"/>
+              <a:t>表にまとめると、</a:t>
+            </a:r>
+            <a:r>
+              <a:rPr kumimoji="1" lang="en-US" altLang="ja-JP" dirty="0"/>
+              <a:t>fluent-bit</a:t>
+            </a:r>
+            <a:r>
+              <a:rPr kumimoji="1" lang="ja-JP" altLang="en-US" dirty="0"/>
+              <a:t>は</a:t>
+            </a:r>
+            <a:r>
+              <a:rPr kumimoji="1" lang="en-US" altLang="ja-JP" dirty="0"/>
+              <a:t>C</a:t>
+            </a:r>
+            <a:r>
+              <a:rPr kumimoji="1" lang="ja-JP" altLang="en-US" dirty="0"/>
+              <a:t>言語で実装されているのに対して、</a:t>
+            </a:r>
+            <a:r>
+              <a:rPr kumimoji="1" lang="en-US" altLang="ja-JP" dirty="0" err="1"/>
+              <a:t>Fluentd</a:t>
+            </a:r>
+            <a:r>
+              <a:rPr kumimoji="1" lang="ja-JP" altLang="en-US" dirty="0"/>
+              <a:t>は主に</a:t>
+            </a:r>
+            <a:r>
+              <a:rPr kumimoji="1" lang="en-US" altLang="ja-JP" dirty="0"/>
+              <a:t>Ruby</a:t>
+            </a:r>
+            <a:r>
+              <a:rPr kumimoji="1" lang="ja-JP" altLang="en-US" dirty="0"/>
+              <a:t>で実装されています。</a:t>
             </a:r>
           </a:p>
         </p:txBody>
@@ -630,7 +662,7 @@
           <a:p>
             <a:fld id="{8E3142AE-6E51-4A92-A93B-CC4267427FC5}" type="slidenum">
               <a:rPr kumimoji="1" lang="ja-JP" altLang="en-US" smtClean="0"/>
-              <a:t>2</a:t>
+              <a:t>3</a:t>
             </a:fld>
             <a:endParaRPr kumimoji="1" lang="ja-JP" altLang="en-US"/>
           </a:p>
@@ -639,7 +671,7 @@
     </p:spTree>
     <p:extLst>
       <p:ext uri="{BB962C8B-B14F-4D97-AF65-F5344CB8AC3E}">
-        <p14:creationId xmlns:p14="http://schemas.microsoft.com/office/powerpoint/2010/main" val="678293945"/>
+        <p14:creationId xmlns:p14="http://schemas.microsoft.com/office/powerpoint/2010/main" val="824055364"/>
       </p:ext>
     </p:extLst>
   </p:cSld>
@@ -695,70 +727,89 @@
           <a:p>
             <a:r>
               <a:rPr kumimoji="1" lang="ja-JP" altLang="en-US" dirty="0"/>
-              <a:t>まとめると、</a:t>
+              <a:t>ここまでの背景知識をもとに、</a:t>
+            </a:r>
+            <a:r>
+              <a:rPr kumimoji="1" lang="en-US" altLang="ja-JP" dirty="0"/>
+              <a:t>fluent-bit-go-</a:t>
             </a:r>
             <a:r>
               <a:rPr kumimoji="1" lang="en-US" altLang="ja-JP" dirty="0" err="1"/>
-              <a:t>gRPC</a:t>
+              <a:t>loki</a:t>
             </a:r>
             <a:r>
               <a:rPr kumimoji="1" lang="ja-JP" altLang="en-US" dirty="0"/>
-              <a:t>で送るには、</a:t>
+              <a:t>プラグインを作成しました。</a:t>
+            </a:r>
+            <a:endParaRPr kumimoji="1" lang="en-US" altLang="ja-JP" dirty="0"/>
+          </a:p>
+          <a:p>
+            <a:r>
+              <a:rPr kumimoji="1" lang="ja-JP" altLang="en-US" dirty="0"/>
+              <a:t>まずは、自分の</a:t>
+            </a:r>
+            <a:r>
+              <a:rPr kumimoji="1" lang="en-US" altLang="ja-JP" dirty="0"/>
+              <a:t>GitHub</a:t>
+            </a:r>
+            <a:r>
+              <a:rPr kumimoji="1" lang="ja-JP" altLang="en-US" dirty="0"/>
+              <a:t>アカウントで</a:t>
+            </a:r>
+            <a:r>
+              <a:rPr kumimoji="1" lang="en-US" altLang="ja-JP" dirty="0"/>
+              <a:t>Golang</a:t>
+            </a:r>
+            <a:r>
+              <a:rPr kumimoji="1" lang="ja-JP" altLang="en-US" dirty="0"/>
+              <a:t>製の</a:t>
+            </a:r>
+            <a:r>
+              <a:rPr kumimoji="1" lang="en-US" altLang="ja-JP" dirty="0"/>
+              <a:t>fluent-bit-go-</a:t>
             </a:r>
             <a:r>
               <a:rPr kumimoji="1" lang="en-US" altLang="ja-JP" dirty="0" err="1"/>
-              <a:t>Promtail</a:t>
+              <a:t>loki</a:t>
             </a:r>
             <a:r>
               <a:rPr kumimoji="1" lang="ja-JP" altLang="en-US" dirty="0"/>
-              <a:t>のクライアントインスタンスを作成し、そのインスタンスの</a:t>
-            </a:r>
+              <a:t>プラグインを作成しました。</a:t>
+            </a:r>
+            <a:endParaRPr kumimoji="1" lang="en-US" altLang="ja-JP" dirty="0"/>
+          </a:p>
+          <a:p>
             <a:r>
               <a:rPr kumimoji="1" lang="en-US" altLang="ja-JP" dirty="0"/>
-              <a:t>API</a:t>
+              <a:t>Golang</a:t>
             </a:r>
             <a:r>
               <a:rPr kumimoji="1" lang="ja-JP" altLang="en-US" dirty="0"/>
-              <a:t>を使ってログを送信します。</a:t>
-            </a:r>
-            <a:endParaRPr kumimoji="1" lang="en-US" altLang="ja-JP" dirty="0"/>
-          </a:p>
-          <a:p>
+              <a:t>のみで書かれているので、</a:t>
+            </a:r>
+            <a:r>
+              <a:rPr kumimoji="1" lang="en-US" altLang="ja-JP" dirty="0"/>
+              <a:t>Linux,</a:t>
+            </a:r>
             <a:r>
               <a:rPr kumimoji="1" lang="ja-JP" altLang="en-US" dirty="0"/>
-              <a:t>この時、</a:t>
-            </a:r>
-            <a:r>
-              <a:rPr kumimoji="1" lang="en-US" altLang="ja-JP" dirty="0" err="1"/>
-              <a:t>gRPC</a:t>
+              <a:t> </a:t>
+            </a:r>
+            <a:r>
+              <a:rPr kumimoji="1" lang="en-US" altLang="ja-JP" dirty="0"/>
+              <a:t>macOS,</a:t>
             </a:r>
             <a:r>
               <a:rPr kumimoji="1" lang="ja-JP" altLang="en-US" dirty="0"/>
-              <a:t>を使った</a:t>
+              <a:t> </a:t>
             </a:r>
             <a:r>
               <a:rPr kumimoji="1" lang="en-US" altLang="ja-JP" dirty="0"/>
-              <a:t>API</a:t>
+              <a:t>Windows</a:t>
             </a:r>
             <a:r>
               <a:rPr kumimoji="1" lang="ja-JP" altLang="en-US" dirty="0"/>
-              <a:t>の</a:t>
-            </a:r>
-            <a:r>
-              <a:rPr kumimoji="1" lang="en-US" altLang="ja-JP" dirty="0"/>
-              <a:t>Handle</a:t>
-            </a:r>
-            <a:r>
-              <a:rPr kumimoji="1" lang="ja-JP" altLang="en-US" dirty="0"/>
-              <a:t>関数は内部でバッチ的に送られるため、非同期な</a:t>
-            </a:r>
-            <a:r>
-              <a:rPr kumimoji="1" lang="en-US" altLang="ja-JP" dirty="0"/>
-              <a:t>API</a:t>
-            </a:r>
-            <a:r>
-              <a:rPr kumimoji="1" lang="ja-JP" altLang="en-US" dirty="0"/>
-              <a:t>ということに注意します。</a:t>
+              <a:t>で動作します。</a:t>
             </a:r>
           </a:p>
         </p:txBody>
@@ -780,7 +831,7 @@
           <a:p>
             <a:fld id="{8E3142AE-6E51-4A92-A93B-CC4267427FC5}" type="slidenum">
               <a:rPr kumimoji="1" lang="ja-JP" altLang="en-US" smtClean="0"/>
-              <a:t>11</a:t>
+              <a:t>12</a:t>
             </a:fld>
             <a:endParaRPr kumimoji="1" lang="ja-JP" altLang="en-US"/>
           </a:p>
@@ -789,7 +840,7 @@
     </p:spTree>
     <p:extLst>
       <p:ext uri="{BB962C8B-B14F-4D97-AF65-F5344CB8AC3E}">
-        <p14:creationId xmlns:p14="http://schemas.microsoft.com/office/powerpoint/2010/main" val="3676938967"/>
+        <p14:creationId xmlns:p14="http://schemas.microsoft.com/office/powerpoint/2010/main" val="2338926839"/>
       </p:ext>
     </p:extLst>
   </p:cSld>
@@ -845,89 +896,15 @@
           <a:p>
             <a:r>
               <a:rPr kumimoji="1" lang="ja-JP" altLang="en-US" dirty="0"/>
-              <a:t>ここまでの背景知識をもとに、</a:t>
+              <a:t>スターもそこそこ集めてほくほくしていたそんなある日、</a:t>
             </a:r>
             <a:r>
               <a:rPr kumimoji="1" lang="en-US" altLang="ja-JP" dirty="0"/>
-              <a:t>fluent-bit-go-</a:t>
-            </a:r>
-            <a:r>
-              <a:rPr kumimoji="1" lang="en-US" altLang="ja-JP" dirty="0" err="1"/>
-              <a:t>loki</a:t>
+              <a:t>Grafana/Loki</a:t>
             </a:r>
             <a:r>
               <a:rPr kumimoji="1" lang="ja-JP" altLang="en-US" dirty="0"/>
-              <a:t>プラグインを作成しました。</a:t>
-            </a:r>
-            <a:endParaRPr kumimoji="1" lang="en-US" altLang="ja-JP" dirty="0"/>
-          </a:p>
-          <a:p>
-            <a:r>
-              <a:rPr kumimoji="1" lang="ja-JP" altLang="en-US" dirty="0"/>
-              <a:t>まずは、自分の</a:t>
-            </a:r>
-            <a:r>
-              <a:rPr kumimoji="1" lang="en-US" altLang="ja-JP" dirty="0"/>
-              <a:t>GitHub</a:t>
-            </a:r>
-            <a:r>
-              <a:rPr kumimoji="1" lang="ja-JP" altLang="en-US" dirty="0"/>
-              <a:t>アカウントで</a:t>
-            </a:r>
-            <a:r>
-              <a:rPr kumimoji="1" lang="en-US" altLang="ja-JP" dirty="0"/>
-              <a:t>Golang</a:t>
-            </a:r>
-            <a:r>
-              <a:rPr kumimoji="1" lang="ja-JP" altLang="en-US" dirty="0"/>
-              <a:t>製の</a:t>
-            </a:r>
-            <a:r>
-              <a:rPr kumimoji="1" lang="en-US" altLang="ja-JP" dirty="0"/>
-              <a:t>fluent-bit-go-</a:t>
-            </a:r>
-            <a:r>
-              <a:rPr kumimoji="1" lang="en-US" altLang="ja-JP" dirty="0" err="1"/>
-              <a:t>loki</a:t>
-            </a:r>
-            <a:r>
-              <a:rPr kumimoji="1" lang="ja-JP" altLang="en-US" dirty="0"/>
-              <a:t>プラグインを作成しました。</a:t>
-            </a:r>
-            <a:endParaRPr kumimoji="1" lang="en-US" altLang="ja-JP" dirty="0"/>
-          </a:p>
-          <a:p>
-            <a:r>
-              <a:rPr kumimoji="1" lang="en-US" altLang="ja-JP" dirty="0"/>
-              <a:t>Golang</a:t>
-            </a:r>
-            <a:r>
-              <a:rPr kumimoji="1" lang="ja-JP" altLang="en-US" dirty="0"/>
-              <a:t>のみで書かれているので、</a:t>
-            </a:r>
-            <a:r>
-              <a:rPr kumimoji="1" lang="en-US" altLang="ja-JP" dirty="0"/>
-              <a:t>Linux,</a:t>
-            </a:r>
-            <a:r>
-              <a:rPr kumimoji="1" lang="ja-JP" altLang="en-US" dirty="0"/>
-              <a:t> </a:t>
-            </a:r>
-            <a:r>
-              <a:rPr kumimoji="1" lang="en-US" altLang="ja-JP" dirty="0"/>
-              <a:t>macOS,</a:t>
-            </a:r>
-            <a:r>
-              <a:rPr kumimoji="1" lang="ja-JP" altLang="en-US" dirty="0"/>
-              <a:t> </a:t>
-            </a:r>
-            <a:r>
-              <a:rPr kumimoji="1" lang="en-US" altLang="ja-JP" dirty="0"/>
-              <a:t>Windows</a:t>
-            </a:r>
-            <a:r>
-              <a:rPr kumimoji="1" lang="ja-JP" altLang="en-US" dirty="0"/>
-              <a:t>で動作します。</a:t>
+              <a:t>の中の人から打診が。</a:t>
             </a:r>
           </a:p>
         </p:txBody>
@@ -949,7 +926,7 @@
           <a:p>
             <a:fld id="{8E3142AE-6E51-4A92-A93B-CC4267427FC5}" type="slidenum">
               <a:rPr kumimoji="1" lang="ja-JP" altLang="en-US" smtClean="0"/>
-              <a:t>12</a:t>
+              <a:t>14</a:t>
             </a:fld>
             <a:endParaRPr kumimoji="1" lang="ja-JP" altLang="en-US"/>
           </a:p>
@@ -958,7 +935,7 @@
     </p:spTree>
     <p:extLst>
       <p:ext uri="{BB962C8B-B14F-4D97-AF65-F5344CB8AC3E}">
-        <p14:creationId xmlns:p14="http://schemas.microsoft.com/office/powerpoint/2010/main" val="2338926839"/>
+        <p14:creationId xmlns:p14="http://schemas.microsoft.com/office/powerpoint/2010/main" val="3541101032"/>
       </p:ext>
     </p:extLst>
   </p:cSld>
@@ -1012,63 +989,54 @@
           <a:bodyPr/>
           <a:lstStyle/>
           <a:p>
+            <a:pPr marL="0" marR="0" lvl="0" indent="0" algn="l" defTabSz="914400" rtl="0" eaLnBrk="1" fontAlgn="auto" latinLnBrk="0" hangingPunct="1">
+              <a:lnSpc>
+                <a:spcPct val="100000"/>
+              </a:lnSpc>
+              <a:spcBef>
+                <a:spcPts val="0"/>
+              </a:spcBef>
+              <a:spcAft>
+                <a:spcPts val="0"/>
+              </a:spcAft>
+              <a:buClrTx/>
+              <a:buSzTx/>
+              <a:buFontTx/>
+              <a:buNone/>
+              <a:tabLst/>
+              <a:defRPr/>
+            </a:pPr>
             <a:r>
               <a:rPr kumimoji="1" lang="ja-JP" altLang="en-US" dirty="0"/>
-              <a:t>作った理由は、同じログコレクターの中の人として</a:t>
+              <a:t>拡大すると、</a:t>
             </a:r>
             <a:r>
               <a:rPr kumimoji="1" lang="en-US" altLang="ja-JP" dirty="0"/>
-              <a:t>Loki</a:t>
+              <a:t>Grafana/Loki</a:t>
             </a:r>
             <a:r>
               <a:rPr kumimoji="1" lang="ja-JP" altLang="en-US" dirty="0"/>
-              <a:t>に触れておきたい。</a:t>
+              <a:t>の中の人から作成していた</a:t>
+            </a:r>
+            <a:r>
+              <a:rPr kumimoji="1" lang="en-US" altLang="ja-JP" dirty="0"/>
+              <a:t>fluent-bit-go-</a:t>
             </a:r>
             <a:r>
               <a:rPr kumimoji="1" lang="en-US" altLang="ja-JP" dirty="0" err="1"/>
-              <a:t>Promtail</a:t>
+              <a:t>loki</a:t>
             </a:r>
             <a:r>
               <a:rPr kumimoji="1" lang="ja-JP" altLang="en-US" dirty="0"/>
-              <a:t>よりも慣れ親しんだプロトコルで</a:t>
+              <a:t>を</a:t>
             </a:r>
             <a:r>
               <a:rPr kumimoji="1" lang="en-US" altLang="ja-JP" dirty="0"/>
-              <a:t>Loki</a:t>
+              <a:t>Grafana/Loki</a:t>
             </a:r>
             <a:r>
               <a:rPr kumimoji="1" lang="ja-JP" altLang="en-US" dirty="0"/>
-              <a:t>にログを投入してみたい。</a:t>
-            </a:r>
-            <a:endParaRPr kumimoji="1" lang="en-US" altLang="ja-JP" dirty="0"/>
-          </a:p>
-          <a:p>
-            <a:r>
-              <a:rPr kumimoji="1" lang="ja-JP" altLang="en-US" dirty="0"/>
-              <a:t>あとは。</a:t>
-            </a:r>
-            <a:r>
-              <a:rPr kumimoji="1" lang="en-US" altLang="ja-JP" dirty="0" err="1"/>
-              <a:t>Promtail</a:t>
-            </a:r>
-            <a:r>
-              <a:rPr kumimoji="1" lang="ja-JP" altLang="en-US" dirty="0"/>
-              <a:t>がちょっと使いづらいから、ですね。</a:t>
-            </a:r>
-            <a:endParaRPr kumimoji="1" lang="en-US" altLang="ja-JP" dirty="0"/>
-          </a:p>
-          <a:p>
-            <a:r>
-              <a:rPr kumimoji="1" lang="ja-JP" altLang="en-US" dirty="0"/>
-              <a:t>忘れてはいけないのが</a:t>
-            </a:r>
-            <a:r>
-              <a:rPr kumimoji="1" lang="en-US" altLang="ja-JP" dirty="0"/>
-              <a:t>Issue</a:t>
-            </a:r>
-            <a:r>
-              <a:rPr kumimoji="1" lang="ja-JP" altLang="en-US" dirty="0"/>
-              <a:t>チケットがあったから、というのもあります。</a:t>
+              <a:t>にマージしてみるのはどうよ？という打診が来た。</a:t>
             </a:r>
           </a:p>
         </p:txBody>
@@ -1090,7 +1058,7 @@
           <a:p>
             <a:fld id="{8E3142AE-6E51-4A92-A93B-CC4267427FC5}" type="slidenum">
               <a:rPr kumimoji="1" lang="ja-JP" altLang="en-US" smtClean="0"/>
-              <a:t>13</a:t>
+              <a:t>15</a:t>
             </a:fld>
             <a:endParaRPr kumimoji="1" lang="ja-JP" altLang="en-US"/>
           </a:p>
@@ -1099,7 +1067,7 @@
     </p:spTree>
     <p:extLst>
       <p:ext uri="{BB962C8B-B14F-4D97-AF65-F5344CB8AC3E}">
-        <p14:creationId xmlns:p14="http://schemas.microsoft.com/office/powerpoint/2010/main" val="3699728650"/>
+        <p14:creationId xmlns:p14="http://schemas.microsoft.com/office/powerpoint/2010/main" val="2302165285"/>
       </p:ext>
     </p:extLst>
   </p:cSld>
@@ -1153,18 +1121,30 @@
           <a:bodyPr/>
           <a:lstStyle/>
           <a:p>
+            <a:pPr marL="0" marR="0" lvl="0" indent="0" algn="l" defTabSz="914400" rtl="0" eaLnBrk="1" fontAlgn="auto" latinLnBrk="0" hangingPunct="1">
+              <a:lnSpc>
+                <a:spcPct val="100000"/>
+              </a:lnSpc>
+              <a:spcBef>
+                <a:spcPts val="0"/>
+              </a:spcBef>
+              <a:spcAft>
+                <a:spcPts val="0"/>
+              </a:spcAft>
+              <a:buClrTx/>
+              <a:buSzTx/>
+              <a:buFontTx/>
+              <a:buNone/>
+              <a:tabLst/>
+              <a:defRPr/>
+            </a:pPr>
             <a:r>
               <a:rPr kumimoji="1" lang="ja-JP" altLang="en-US" dirty="0"/>
-              <a:t>スターもそこそこ集めてほくほくしていたそんなある日、</a:t>
-            </a:r>
-            <a:r>
-              <a:rPr kumimoji="1" lang="en-US" altLang="ja-JP" dirty="0"/>
-              <a:t>Grafana/Loki</a:t>
-            </a:r>
-            <a:r>
-              <a:rPr kumimoji="1" lang="ja-JP" altLang="en-US" dirty="0"/>
-              <a:t>の中の人から打診が。</a:t>
-            </a:r>
+              <a:t>フィードバックに興味があることと、継続して関わっていきたい旨を意思表示しました。</a:t>
+            </a:r>
+          </a:p>
+          <a:p>
+            <a:endParaRPr kumimoji="1" lang="ja-JP" altLang="en-US" dirty="0"/>
           </a:p>
         </p:txBody>
       </p:sp>
@@ -1185,7 +1165,7 @@
           <a:p>
             <a:fld id="{8E3142AE-6E51-4A92-A93B-CC4267427FC5}" type="slidenum">
               <a:rPr kumimoji="1" lang="ja-JP" altLang="en-US" smtClean="0"/>
-              <a:t>14</a:t>
+              <a:t>16</a:t>
             </a:fld>
             <a:endParaRPr kumimoji="1" lang="ja-JP" altLang="en-US"/>
           </a:p>
@@ -1194,7 +1174,7 @@
     </p:spTree>
     <p:extLst>
       <p:ext uri="{BB962C8B-B14F-4D97-AF65-F5344CB8AC3E}">
-        <p14:creationId xmlns:p14="http://schemas.microsoft.com/office/powerpoint/2010/main" val="3541101032"/>
+        <p14:creationId xmlns:p14="http://schemas.microsoft.com/office/powerpoint/2010/main" val="855326903"/>
       </p:ext>
     </p:extLst>
   </p:cSld>
@@ -1248,26 +1228,15 @@
           <a:bodyPr/>
           <a:lstStyle/>
           <a:p>
-            <a:pPr marL="0" marR="0" lvl="0" indent="0" algn="l" defTabSz="914400" rtl="0" eaLnBrk="1" fontAlgn="auto" latinLnBrk="0" hangingPunct="1">
-              <a:lnSpc>
-                <a:spcPct val="100000"/>
-              </a:lnSpc>
-              <a:spcBef>
-                <a:spcPts val="0"/>
-              </a:spcBef>
-              <a:spcAft>
-                <a:spcPts val="0"/>
-              </a:spcAft>
-              <a:buClrTx/>
-              <a:buSzTx/>
-              <a:buFontTx/>
-              <a:buNone/>
-              <a:tabLst/>
-              <a:defRPr/>
-            </a:pPr>
+            <a:r>
+              <a:rPr kumimoji="1" lang="en-US" altLang="ja-JP" dirty="0">
+                <a:hlinkClick r:id="rId3"/>
+              </a:rPr>
+              <a:t>Grafana/Loki#847</a:t>
+            </a:r>
             <a:r>
               <a:rPr kumimoji="1" lang="ja-JP" altLang="en-US" dirty="0"/>
-              <a:t>拡大すると、</a:t>
+              <a:t>にてフィードバック。</a:t>
             </a:r>
             <a:r>
               <a:rPr kumimoji="1" lang="en-US" altLang="ja-JP" dirty="0"/>
@@ -1275,28 +1244,47 @@
             </a:r>
             <a:r>
               <a:rPr kumimoji="1" lang="ja-JP" altLang="en-US" dirty="0"/>
-              <a:t>の中の人から作成していた</a:t>
+              <a:t>のやり取りは英語ですが、</a:t>
             </a:r>
             <a:r>
               <a:rPr kumimoji="1" lang="en-US" altLang="ja-JP" dirty="0"/>
-              <a:t>fluent-bit-go-</a:t>
-            </a:r>
-            <a:r>
-              <a:rPr kumimoji="1" lang="en-US" altLang="ja-JP" dirty="0" err="1"/>
-              <a:t>loki</a:t>
+              <a:t>OSS</a:t>
             </a:r>
             <a:r>
               <a:rPr kumimoji="1" lang="ja-JP" altLang="en-US" dirty="0"/>
-              <a:t>を</a:t>
+              <a:t>にフィードバックする作法に準じればちゃんと見てもらえました。</a:t>
+            </a:r>
+            <a:endParaRPr kumimoji="1" lang="en-US" altLang="ja-JP" dirty="0"/>
+          </a:p>
+          <a:p>
+            <a:r>
+              <a:rPr kumimoji="1" lang="ja-JP" altLang="en-US" dirty="0"/>
+              <a:t>例えば、</a:t>
             </a:r>
             <a:r>
               <a:rPr kumimoji="1" lang="en-US" altLang="ja-JP" dirty="0"/>
-              <a:t>Grafana/Loki</a:t>
+              <a:t>Pull request</a:t>
             </a:r>
             <a:r>
               <a:rPr kumimoji="1" lang="ja-JP" altLang="en-US" dirty="0"/>
-              <a:t>にマージしてみるのはどうよ？という打診が来た。</a:t>
-            </a:r>
+              <a:t>テンプレートを埋めて書き込めば</a:t>
+            </a:r>
+            <a:r>
+              <a:rPr kumimoji="1" lang="en-US" altLang="ja-JP" dirty="0"/>
+              <a:t>OK</a:t>
+            </a:r>
+            <a:r>
+              <a:rPr kumimoji="1" lang="ja-JP" altLang="en-US" dirty="0"/>
+              <a:t>で、</a:t>
+            </a:r>
+            <a:r>
+              <a:rPr lang="ja-JP" altLang="en-US" dirty="0"/>
+              <a:t>独自フォーマットで説明するのはよほどのことがない限り避けた方がよいです。</a:t>
+            </a:r>
+            <a:endParaRPr kumimoji="1" lang="ja-JP" altLang="en-US" dirty="0"/>
+          </a:p>
+          <a:p>
+            <a:endParaRPr kumimoji="1" lang="ja-JP" altLang="en-US" dirty="0"/>
           </a:p>
         </p:txBody>
       </p:sp>
@@ -1317,7 +1305,7 @@
           <a:p>
             <a:fld id="{8E3142AE-6E51-4A92-A93B-CC4267427FC5}" type="slidenum">
               <a:rPr kumimoji="1" lang="ja-JP" altLang="en-US" smtClean="0"/>
-              <a:t>15</a:t>
+              <a:t>17</a:t>
             </a:fld>
             <a:endParaRPr kumimoji="1" lang="ja-JP" altLang="en-US"/>
           </a:p>
@@ -1326,7 +1314,7 @@
     </p:spTree>
     <p:extLst>
       <p:ext uri="{BB962C8B-B14F-4D97-AF65-F5344CB8AC3E}">
-        <p14:creationId xmlns:p14="http://schemas.microsoft.com/office/powerpoint/2010/main" val="2302165285"/>
+        <p14:creationId xmlns:p14="http://schemas.microsoft.com/office/powerpoint/2010/main" val="1257228164"/>
       </p:ext>
     </p:extLst>
   </p:cSld>
@@ -1380,30 +1368,110 @@
           <a:bodyPr/>
           <a:lstStyle/>
           <a:p>
-            <a:pPr marL="0" marR="0" lvl="0" indent="0" algn="l" defTabSz="914400" rtl="0" eaLnBrk="1" fontAlgn="auto" latinLnBrk="0" hangingPunct="1">
-              <a:lnSpc>
-                <a:spcPct val="100000"/>
-              </a:lnSpc>
-              <a:spcBef>
-                <a:spcPts val="0"/>
-              </a:spcBef>
-              <a:spcAft>
-                <a:spcPts val="0"/>
-              </a:spcAft>
-              <a:buClrTx/>
-              <a:buSzTx/>
-              <a:buFontTx/>
-              <a:buNone/>
-              <a:tabLst/>
-              <a:defRPr/>
-            </a:pPr>
+            <a:r>
+              <a:rPr kumimoji="1" lang="en-US" altLang="ja-JP" dirty="0"/>
+              <a:t>OSS</a:t>
+            </a:r>
             <a:r>
               <a:rPr kumimoji="1" lang="ja-JP" altLang="en-US" dirty="0"/>
-              <a:t>フィードバックに興味があることと、継続して関わっていきたい旨を意思表示しました。</a:t>
-            </a:r>
-          </a:p>
-          <a:p>
-            <a:endParaRPr kumimoji="1" lang="ja-JP" altLang="en-US" dirty="0"/>
+              <a:t>にフィードバックする作法を軽く解説します。</a:t>
+            </a:r>
+            <a:endParaRPr kumimoji="1" lang="en-US" altLang="ja-JP" dirty="0"/>
+          </a:p>
+          <a:p>
+            <a:r>
+              <a:rPr kumimoji="1" lang="ja-JP" altLang="en-US" dirty="0"/>
+              <a:t>主に気を付けることは３つあります。</a:t>
+            </a:r>
+            <a:endParaRPr kumimoji="1" lang="en-US" altLang="ja-JP" dirty="0"/>
+          </a:p>
+          <a:p>
+            <a:r>
+              <a:rPr kumimoji="1" lang="en-US" altLang="ja-JP" dirty="0"/>
+              <a:t>1</a:t>
+            </a:r>
+            <a:r>
+              <a:rPr kumimoji="1" lang="ja-JP" altLang="en-US" dirty="0"/>
+              <a:t>つ目は、はっきりとした動機を書く必要があります。なぜ必要か？既存の機能で要求を達成できない理由、この</a:t>
+            </a:r>
+            <a:r>
+              <a:rPr kumimoji="1" lang="en-US" altLang="ja-JP" dirty="0"/>
+              <a:t>PR</a:t>
+            </a:r>
+            <a:r>
+              <a:rPr kumimoji="1" lang="ja-JP" altLang="en-US" dirty="0"/>
+              <a:t>では何がしたいかを書きます。</a:t>
+            </a:r>
+            <a:endParaRPr kumimoji="1" lang="en-US" altLang="ja-JP" dirty="0"/>
+          </a:p>
+          <a:p>
+            <a:r>
+              <a:rPr kumimoji="1" lang="en-US" altLang="ja-JP" dirty="0"/>
+              <a:t>2</a:t>
+            </a:r>
+            <a:r>
+              <a:rPr kumimoji="1" lang="ja-JP" altLang="en-US" dirty="0"/>
+              <a:t>つ目は、関連する</a:t>
+            </a:r>
+            <a:r>
+              <a:rPr kumimoji="1" lang="en-US" altLang="ja-JP" dirty="0"/>
+              <a:t>Issue</a:t>
+            </a:r>
+            <a:r>
+              <a:rPr kumimoji="1" lang="ja-JP" altLang="en-US" dirty="0"/>
+              <a:t>チケット番号を書きます。ある程度大きな機能であれば</a:t>
+            </a:r>
+            <a:r>
+              <a:rPr kumimoji="1" lang="en-US" altLang="ja-JP" dirty="0"/>
+              <a:t>PR</a:t>
+            </a:r>
+            <a:r>
+              <a:rPr kumimoji="1" lang="ja-JP" altLang="en-US" dirty="0"/>
+              <a:t>を単発で出すのではなく、事前に</a:t>
+            </a:r>
+            <a:r>
+              <a:rPr kumimoji="1" lang="en-US" altLang="ja-JP" dirty="0"/>
+              <a:t>Issue</a:t>
+            </a:r>
+            <a:r>
+              <a:rPr kumimoji="1" lang="ja-JP" altLang="en-US" dirty="0"/>
+              <a:t>チケットで方針を議論した方がレビュアーにやさしいです。</a:t>
+            </a:r>
+            <a:endParaRPr kumimoji="1" lang="en-US" altLang="ja-JP" dirty="0"/>
+          </a:p>
+          <a:p>
+            <a:r>
+              <a:rPr kumimoji="1" lang="en-US" altLang="ja-JP" dirty="0"/>
+              <a:t>3</a:t>
+            </a:r>
+            <a:r>
+              <a:rPr kumimoji="1" lang="ja-JP" altLang="en-US" dirty="0"/>
+              <a:t>つ目は、</a:t>
+            </a:r>
+            <a:r>
+              <a:rPr kumimoji="1" lang="en-US" altLang="ja-JP" dirty="0"/>
+              <a:t>Issue</a:t>
+            </a:r>
+            <a:r>
+              <a:rPr kumimoji="1" lang="ja-JP" altLang="en-US" dirty="0"/>
+              <a:t>チケットや</a:t>
+            </a:r>
+            <a:r>
+              <a:rPr kumimoji="1" lang="en-US" altLang="ja-JP" dirty="0"/>
+              <a:t>Pull</a:t>
+            </a:r>
+            <a:r>
+              <a:rPr kumimoji="1" lang="ja-JP" altLang="en-US" dirty="0"/>
+              <a:t> </a:t>
+            </a:r>
+            <a:r>
+              <a:rPr kumimoji="1" lang="en-US" altLang="ja-JP" dirty="0"/>
+              <a:t>request</a:t>
+            </a:r>
+            <a:r>
+              <a:rPr kumimoji="1" lang="ja-JP" altLang="en-US" dirty="0"/>
+              <a:t>テンプレート内のチェックリストは忘れずにチェックして埋めましょう。</a:t>
+            </a:r>
           </a:p>
         </p:txBody>
       </p:sp>
@@ -1424,7 +1492,7 @@
           <a:p>
             <a:fld id="{8E3142AE-6E51-4A92-A93B-CC4267427FC5}" type="slidenum">
               <a:rPr kumimoji="1" lang="ja-JP" altLang="en-US" smtClean="0"/>
-              <a:t>16</a:t>
+              <a:t>18</a:t>
             </a:fld>
             <a:endParaRPr kumimoji="1" lang="ja-JP" altLang="en-US"/>
           </a:p>
@@ -1433,7 +1501,7 @@
     </p:spTree>
     <p:extLst>
       <p:ext uri="{BB962C8B-B14F-4D97-AF65-F5344CB8AC3E}">
-        <p14:creationId xmlns:p14="http://schemas.microsoft.com/office/powerpoint/2010/main" val="855326903"/>
+        <p14:creationId xmlns:p14="http://schemas.microsoft.com/office/powerpoint/2010/main" val="1071920398"/>
       </p:ext>
     </p:extLst>
   </p:cSld>
@@ -1487,38 +1555,32 @@
           <a:bodyPr/>
           <a:lstStyle/>
           <a:p>
-            <a:r>
-              <a:rPr kumimoji="1" lang="en-US" altLang="ja-JP" dirty="0">
+            <a:pPr marL="0" marR="0" lvl="0" indent="0" algn="l" defTabSz="914400" rtl="0" eaLnBrk="1" fontAlgn="auto" latinLnBrk="0" hangingPunct="1">
+              <a:lnSpc>
+                <a:spcPct val="100000"/>
+              </a:lnSpc>
+              <a:spcBef>
+                <a:spcPts val="0"/>
+              </a:spcBef>
+              <a:spcAft>
+                <a:spcPts val="0"/>
+              </a:spcAft>
+              <a:buClrTx/>
+              <a:buSzTx/>
+              <a:buFontTx/>
+              <a:buNone/>
+              <a:tabLst/>
+              <a:defRPr/>
+            </a:pPr>
+            <a:r>
+              <a:rPr kumimoji="1" lang="en-US" altLang="ja-JP" sz="1200" dirty="0">
                 <a:hlinkClick r:id="rId3"/>
               </a:rPr>
-              <a:t>Grafana/Loki#847</a:t>
+              <a:t>Grafana/Loki#1454</a:t>
             </a:r>
             <a:r>
               <a:rPr kumimoji="1" lang="ja-JP" altLang="en-US" dirty="0"/>
-              <a:t>にてフィードバック。</a:t>
-            </a:r>
-            <a:r>
-              <a:rPr kumimoji="1" lang="en-US" altLang="ja-JP" dirty="0"/>
-              <a:t>Grafana/Loki</a:t>
-            </a:r>
-            <a:r>
-              <a:rPr kumimoji="1" lang="ja-JP" altLang="en-US" dirty="0"/>
-              <a:t>のやり取りは英語ですが、</a:t>
-            </a:r>
-            <a:r>
-              <a:rPr kumimoji="1" lang="en-US" altLang="ja-JP" dirty="0"/>
-              <a:t>OSS</a:t>
-            </a:r>
-            <a:r>
-              <a:rPr kumimoji="1" lang="ja-JP" altLang="en-US" dirty="0"/>
-              <a:t>にフィードバックする作法に準じればちゃんと見てもらえました。</a:t>
-            </a:r>
-            <a:endParaRPr kumimoji="1" lang="en-US" altLang="ja-JP" dirty="0"/>
-          </a:p>
-          <a:p>
-            <a:r>
-              <a:rPr kumimoji="1" lang="ja-JP" altLang="en-US" dirty="0"/>
-              <a:t>例えば、</a:t>
+              <a:t>にてフィードバック。こちらも</a:t>
             </a:r>
             <a:r>
               <a:rPr kumimoji="1" lang="en-US" altLang="ja-JP" dirty="0"/>
@@ -1526,24 +1588,8 @@
             </a:r>
             <a:r>
               <a:rPr kumimoji="1" lang="ja-JP" altLang="en-US" dirty="0"/>
-              <a:t>テンプレートを埋めて書き込めば</a:t>
-            </a:r>
-            <a:r>
-              <a:rPr kumimoji="1" lang="en-US" altLang="ja-JP" dirty="0"/>
-              <a:t>OK</a:t>
-            </a:r>
-            <a:r>
-              <a:rPr kumimoji="1" lang="ja-JP" altLang="en-US" dirty="0"/>
-              <a:t>で、</a:t>
-            </a:r>
-            <a:r>
-              <a:rPr lang="ja-JP" altLang="en-US" dirty="0"/>
-              <a:t>独自フォーマットで説明するのはよほどのことがない限り避けた方がよいです。</a:t>
-            </a:r>
-            <a:endParaRPr kumimoji="1" lang="ja-JP" altLang="en-US" dirty="0"/>
-          </a:p>
-          <a:p>
-            <a:endParaRPr kumimoji="1" lang="ja-JP" altLang="en-US" dirty="0"/>
+              <a:t>のテンプレートに沿った形式で提出。</a:t>
+            </a:r>
           </a:p>
         </p:txBody>
       </p:sp>
@@ -1564,7 +1610,7 @@
           <a:p>
             <a:fld id="{8E3142AE-6E51-4A92-A93B-CC4267427FC5}" type="slidenum">
               <a:rPr kumimoji="1" lang="ja-JP" altLang="en-US" smtClean="0"/>
-              <a:t>17</a:t>
+              <a:t>19</a:t>
             </a:fld>
             <a:endParaRPr kumimoji="1" lang="ja-JP" altLang="en-US"/>
           </a:p>
@@ -1573,7 +1619,7 @@
     </p:spTree>
     <p:extLst>
       <p:ext uri="{BB962C8B-B14F-4D97-AF65-F5344CB8AC3E}">
-        <p14:creationId xmlns:p14="http://schemas.microsoft.com/office/powerpoint/2010/main" val="1257228164"/>
+        <p14:creationId xmlns:p14="http://schemas.microsoft.com/office/powerpoint/2010/main" val="3793717061"/>
       </p:ext>
     </p:extLst>
   </p:cSld>
@@ -1628,92 +1674,8 @@
           <a:lstStyle/>
           <a:p>
             <a:r>
-              <a:rPr kumimoji="1" lang="en-US" altLang="ja-JP" dirty="0"/>
-              <a:t>OSS</a:t>
-            </a:r>
-            <a:r>
               <a:rPr kumimoji="1" lang="ja-JP" altLang="en-US" dirty="0"/>
-              <a:t>にフィードバックする作法を軽く解説します。</a:t>
-            </a:r>
-            <a:endParaRPr kumimoji="1" lang="en-US" altLang="ja-JP" dirty="0"/>
-          </a:p>
-          <a:p>
-            <a:r>
-              <a:rPr kumimoji="1" lang="ja-JP" altLang="en-US" dirty="0"/>
-              <a:t>主に気を付けることは３つあります。</a:t>
-            </a:r>
-            <a:endParaRPr kumimoji="1" lang="en-US" altLang="ja-JP" dirty="0"/>
-          </a:p>
-          <a:p>
-            <a:r>
-              <a:rPr kumimoji="1" lang="en-US" altLang="ja-JP" dirty="0"/>
-              <a:t>1</a:t>
-            </a:r>
-            <a:r>
-              <a:rPr kumimoji="1" lang="ja-JP" altLang="en-US" dirty="0"/>
-              <a:t>つ目は、はっきりとした動機を書く必要があります。なぜ必要か？既存の機能で要求を達成できない理由、この</a:t>
-            </a:r>
-            <a:r>
-              <a:rPr kumimoji="1" lang="en-US" altLang="ja-JP" dirty="0"/>
-              <a:t>PR</a:t>
-            </a:r>
-            <a:r>
-              <a:rPr kumimoji="1" lang="ja-JP" altLang="en-US" dirty="0"/>
-              <a:t>では何がしたいかを書きます。</a:t>
-            </a:r>
-            <a:endParaRPr kumimoji="1" lang="en-US" altLang="ja-JP" dirty="0"/>
-          </a:p>
-          <a:p>
-            <a:r>
-              <a:rPr kumimoji="1" lang="en-US" altLang="ja-JP" dirty="0"/>
-              <a:t>2</a:t>
-            </a:r>
-            <a:r>
-              <a:rPr kumimoji="1" lang="ja-JP" altLang="en-US" dirty="0"/>
-              <a:t>つ目は、関連する</a:t>
-            </a:r>
-            <a:r>
-              <a:rPr kumimoji="1" lang="en-US" altLang="ja-JP" dirty="0"/>
-              <a:t>Issue</a:t>
-            </a:r>
-            <a:r>
-              <a:rPr kumimoji="1" lang="ja-JP" altLang="en-US" dirty="0"/>
-              <a:t>チケット番号を書きます。ある程度大きな機能であれば</a:t>
-            </a:r>
-            <a:r>
-              <a:rPr kumimoji="1" lang="en-US" altLang="ja-JP" dirty="0"/>
-              <a:t>PR</a:t>
-            </a:r>
-            <a:r>
-              <a:rPr kumimoji="1" lang="ja-JP" altLang="en-US" dirty="0"/>
-              <a:t>を単発で出すのではなく、事前に</a:t>
-            </a:r>
-            <a:r>
-              <a:rPr kumimoji="1" lang="en-US" altLang="ja-JP" dirty="0"/>
-              <a:t>Issue</a:t>
-            </a:r>
-            <a:r>
-              <a:rPr kumimoji="1" lang="ja-JP" altLang="en-US" dirty="0"/>
-              <a:t>チケットで方針を議論した方がレビュアーにやさしいです。</a:t>
-            </a:r>
-            <a:endParaRPr kumimoji="1" lang="en-US" altLang="ja-JP" dirty="0"/>
-          </a:p>
-          <a:p>
-            <a:r>
-              <a:rPr kumimoji="1" lang="en-US" altLang="ja-JP" dirty="0"/>
-              <a:t>3</a:t>
-            </a:r>
-            <a:r>
-              <a:rPr kumimoji="1" lang="ja-JP" altLang="en-US" dirty="0"/>
-              <a:t>つ目は、</a:t>
-            </a:r>
-            <a:r>
-              <a:rPr kumimoji="1" lang="en-US" altLang="ja-JP" dirty="0"/>
-              <a:t>Issue</a:t>
-            </a:r>
-            <a:r>
-              <a:rPr kumimoji="1" lang="ja-JP" altLang="en-US" dirty="0"/>
-              <a:t>チケットや</a:t>
+              <a:t>結果的には別の</a:t>
             </a:r>
             <a:r>
               <a:rPr kumimoji="1" lang="en-US" altLang="ja-JP" dirty="0"/>
@@ -1729,7 +1691,7 @@
             </a:r>
             <a:r>
               <a:rPr kumimoji="1" lang="ja-JP" altLang="en-US" dirty="0"/>
-              <a:t>テンプレート内のチェックリストは忘れずにチェックして埋めましょう。</a:t>
+              <a:t>の送信者にアイディアを取り入れてもらって開発元にマージされました。</a:t>
             </a:r>
           </a:p>
         </p:txBody>
@@ -1751,7 +1713,7 @@
           <a:p>
             <a:fld id="{8E3142AE-6E51-4A92-A93B-CC4267427FC5}" type="slidenum">
               <a:rPr kumimoji="1" lang="ja-JP" altLang="en-US" smtClean="0"/>
-              <a:t>18</a:t>
+              <a:t>20</a:t>
             </a:fld>
             <a:endParaRPr kumimoji="1" lang="ja-JP" altLang="en-US"/>
           </a:p>
@@ -1760,7 +1722,7 @@
     </p:spTree>
     <p:extLst>
       <p:ext uri="{BB962C8B-B14F-4D97-AF65-F5344CB8AC3E}">
-        <p14:creationId xmlns:p14="http://schemas.microsoft.com/office/powerpoint/2010/main" val="1071920398"/>
+        <p14:creationId xmlns:p14="http://schemas.microsoft.com/office/powerpoint/2010/main" val="3356321436"/>
       </p:ext>
     </p:extLst>
   </p:cSld>
@@ -1814,40 +1776,60 @@
           <a:bodyPr/>
           <a:lstStyle/>
           <a:p>
-            <a:pPr marL="0" marR="0" lvl="0" indent="0" algn="l" defTabSz="914400" rtl="0" eaLnBrk="1" fontAlgn="auto" latinLnBrk="0" hangingPunct="1">
-              <a:lnSpc>
-                <a:spcPct val="100000"/>
-              </a:lnSpc>
-              <a:spcBef>
-                <a:spcPts val="0"/>
-              </a:spcBef>
-              <a:spcAft>
-                <a:spcPts val="0"/>
-              </a:spcAft>
-              <a:buClrTx/>
-              <a:buSzTx/>
-              <a:buFontTx/>
-              <a:buNone/>
-              <a:tabLst/>
-              <a:defRPr/>
-            </a:pPr>
-            <a:r>
-              <a:rPr kumimoji="1" lang="en-US" altLang="ja-JP" sz="1200" dirty="0">
-                <a:hlinkClick r:id="rId3"/>
-              </a:rPr>
-              <a:t>Grafana/Loki#1454</a:t>
+            <a:r>
+              <a:rPr kumimoji="1" lang="en-US" altLang="ja-JP" dirty="0" err="1"/>
+              <a:t>FluentBit</a:t>
             </a:r>
             <a:r>
               <a:rPr kumimoji="1" lang="ja-JP" altLang="en-US" dirty="0"/>
-              <a:t>にてフィードバック。こちらも</a:t>
+              <a:t>の設定ファイルは</a:t>
             </a:r>
             <a:r>
               <a:rPr kumimoji="1" lang="en-US" altLang="ja-JP" dirty="0"/>
-              <a:t>Pull request</a:t>
+              <a:t>INI</a:t>
             </a:r>
             <a:r>
               <a:rPr kumimoji="1" lang="ja-JP" altLang="en-US" dirty="0"/>
-              <a:t>のテンプレートに沿った形式で提出。</a:t>
+              <a:t>形式になっています。</a:t>
+            </a:r>
+            <a:endParaRPr kumimoji="1" lang="en-US" altLang="ja-JP" dirty="0"/>
+          </a:p>
+          <a:p>
+            <a:r>
+              <a:rPr kumimoji="1" lang="ja-JP" altLang="en-US" dirty="0"/>
+              <a:t>例えば、このスライドにある設定では、</a:t>
+            </a:r>
+            <a:r>
+              <a:rPr kumimoji="1" lang="en-US" altLang="ja-JP" dirty="0"/>
+              <a:t>CPU</a:t>
+            </a:r>
+            <a:r>
+              <a:rPr kumimoji="1" lang="ja-JP" altLang="en-US" dirty="0"/>
+              <a:t>のインプットプラグインを使って</a:t>
+            </a:r>
+            <a:r>
+              <a:rPr kumimoji="1" lang="en-US" altLang="ja-JP" dirty="0"/>
+              <a:t>Loki</a:t>
+            </a:r>
+            <a:r>
+              <a:rPr kumimoji="1" lang="ja-JP" altLang="en-US" dirty="0"/>
+              <a:t>のアウトプットに</a:t>
+            </a:r>
+            <a:r>
+              <a:rPr kumimoji="1" lang="en-US" altLang="ja-JP" dirty="0" err="1"/>
+              <a:t>FluentBit</a:t>
+            </a:r>
+            <a:r>
+              <a:rPr kumimoji="1" lang="ja-JP" altLang="en-US" dirty="0"/>
+              <a:t>の取得した</a:t>
+            </a:r>
+            <a:r>
+              <a:rPr kumimoji="1" lang="en-US" altLang="ja-JP" dirty="0"/>
+              <a:t>CPU</a:t>
+            </a:r>
+            <a:r>
+              <a:rPr kumimoji="1" lang="ja-JP" altLang="en-US" dirty="0"/>
+              <a:t>使用率を含むイベントを送信します。</a:t>
             </a:r>
           </a:p>
         </p:txBody>
@@ -1869,7 +1851,7 @@
           <a:p>
             <a:fld id="{8E3142AE-6E51-4A92-A93B-CC4267427FC5}" type="slidenum">
               <a:rPr kumimoji="1" lang="ja-JP" altLang="en-US" smtClean="0"/>
-              <a:t>19</a:t>
+              <a:t>21</a:t>
             </a:fld>
             <a:endParaRPr kumimoji="1" lang="ja-JP" altLang="en-US"/>
           </a:p>
@@ -1878,7 +1860,7 @@
     </p:spTree>
     <p:extLst>
       <p:ext uri="{BB962C8B-B14F-4D97-AF65-F5344CB8AC3E}">
-        <p14:creationId xmlns:p14="http://schemas.microsoft.com/office/powerpoint/2010/main" val="3793717061"/>
+        <p14:creationId xmlns:p14="http://schemas.microsoft.com/office/powerpoint/2010/main" val="283330706"/>
       </p:ext>
     </p:extLst>
   </p:cSld>
@@ -1933,25 +1915,40 @@
           <a:lstStyle/>
           <a:p>
             <a:r>
+              <a:rPr kumimoji="1" lang="en-US" altLang="ja-JP" dirty="0"/>
+              <a:t>fluent-bit</a:t>
+            </a:r>
+            <a:r>
               <a:rPr kumimoji="1" lang="ja-JP" altLang="en-US" dirty="0"/>
-              <a:t>結果的には別の</a:t>
+              <a:t>の</a:t>
             </a:r>
             <a:r>
               <a:rPr kumimoji="1" lang="en-US" altLang="ja-JP" dirty="0"/>
-              <a:t>Pull</a:t>
+              <a:t>Loki</a:t>
             </a:r>
             <a:r>
               <a:rPr kumimoji="1" lang="ja-JP" altLang="en-US" dirty="0"/>
-              <a:t> </a:t>
+              <a:t>プラグインは共有ライブラリとしてビルドし、</a:t>
             </a:r>
             <a:r>
               <a:rPr kumimoji="1" lang="en-US" altLang="ja-JP" dirty="0"/>
-              <a:t>request</a:t>
+              <a:t>fluent-bit</a:t>
             </a:r>
             <a:r>
               <a:rPr kumimoji="1" lang="ja-JP" altLang="en-US" dirty="0"/>
-              <a:t>の送信者にアイディアを取り入れてもらって開発元にマージされました。</a:t>
-            </a:r>
+              <a:t>の読み込みパスに追加して起動します。</a:t>
+            </a:r>
+            <a:endParaRPr kumimoji="1" lang="en-US" altLang="ja-JP" dirty="0"/>
+          </a:p>
+          <a:p>
+            <a:r>
+              <a:rPr kumimoji="1" lang="ja-JP" altLang="en-US" dirty="0"/>
+              <a:t>共有ライブラリを通常実行ファイルが読み込みに行く位置に配置しておくのも良いです。</a:t>
+            </a:r>
+            <a:endParaRPr kumimoji="1" lang="en-US" altLang="ja-JP" dirty="0"/>
+          </a:p>
+          <a:p>
+            <a:endParaRPr kumimoji="1" lang="ja-JP" altLang="en-US" dirty="0"/>
           </a:p>
         </p:txBody>
       </p:sp>
@@ -1972,7 +1969,7 @@
           <a:p>
             <a:fld id="{8E3142AE-6E51-4A92-A93B-CC4267427FC5}" type="slidenum">
               <a:rPr kumimoji="1" lang="ja-JP" altLang="en-US" smtClean="0"/>
-              <a:t>20</a:t>
+              <a:t>22</a:t>
             </a:fld>
             <a:endParaRPr kumimoji="1" lang="ja-JP" altLang="en-US"/>
           </a:p>
@@ -1981,7 +1978,7 @@
     </p:spTree>
     <p:extLst>
       <p:ext uri="{BB962C8B-B14F-4D97-AF65-F5344CB8AC3E}">
-        <p14:creationId xmlns:p14="http://schemas.microsoft.com/office/powerpoint/2010/main" val="3356321436"/>
+        <p14:creationId xmlns:p14="http://schemas.microsoft.com/office/powerpoint/2010/main" val="1551893730"/>
       </p:ext>
     </p:extLst>
   </p:cSld>
@@ -2036,35 +2033,28 @@
           <a:lstStyle/>
           <a:p>
             <a:r>
-              <a:rPr kumimoji="1" lang="ja-JP" altLang="en-US" dirty="0"/>
-              <a:t>まず、</a:t>
-            </a:r>
-            <a:r>
-              <a:rPr kumimoji="1" lang="en-US" altLang="ja-JP" dirty="0"/>
-              <a:t>Fluent-bit</a:t>
-            </a:r>
-            <a:r>
-              <a:rPr kumimoji="1" lang="ja-JP" altLang="en-US" dirty="0"/>
-              <a:t>について軽く解説していきましょう。</a:t>
-            </a:r>
-            <a:endParaRPr kumimoji="1" lang="en-US" altLang="ja-JP" dirty="0"/>
-          </a:p>
-          <a:p>
-            <a:r>
-              <a:rPr kumimoji="1" lang="en-US" altLang="ja-JP" dirty="0"/>
-              <a:t>Fluent-bit</a:t>
-            </a:r>
-            <a:r>
-              <a:rPr kumimoji="1" lang="ja-JP" altLang="en-US" dirty="0"/>
-              <a:t>とは、</a:t>
-            </a:r>
-            <a:r>
               <a:rPr kumimoji="1" lang="en-US" altLang="ja-JP" dirty="0" err="1"/>
               <a:t>Fluentd</a:t>
             </a:r>
             <a:r>
               <a:rPr kumimoji="1" lang="ja-JP" altLang="en-US" dirty="0"/>
-              <a:t>ファミリーのログコレクターで、</a:t>
+              <a:t>ではプラグインのコードを</a:t>
+            </a:r>
+            <a:r>
+              <a:rPr kumimoji="1" lang="en-US" altLang="ja-JP" dirty="0"/>
+              <a:t>Ruby</a:t>
+            </a:r>
+            <a:r>
+              <a:rPr kumimoji="1" lang="ja-JP" altLang="en-US" dirty="0"/>
+              <a:t>でしか書けないのに対して、</a:t>
+            </a:r>
+            <a:r>
+              <a:rPr kumimoji="1" lang="en-US" altLang="ja-JP" dirty="0"/>
+              <a:t>fluent-bit</a:t>
+            </a:r>
+            <a:r>
+              <a:rPr kumimoji="1" lang="ja-JP" altLang="en-US" dirty="0"/>
+              <a:t>では</a:t>
             </a:r>
             <a:r>
               <a:rPr kumimoji="1" lang="en-US" altLang="ja-JP" dirty="0"/>
@@ -2072,46 +2062,15 @@
             </a:r>
             <a:r>
               <a:rPr kumimoji="1" lang="ja-JP" altLang="en-US" dirty="0"/>
-              <a:t>言語で実装されています。</a:t>
-            </a:r>
-            <a:endParaRPr kumimoji="1" lang="en-US" altLang="ja-JP" dirty="0"/>
-          </a:p>
-          <a:p>
+              <a:t>やアウトプットに限り</a:t>
+            </a:r>
+            <a:r>
+              <a:rPr kumimoji="1" lang="en-US" altLang="ja-JP" dirty="0"/>
+              <a:t>Golang</a:t>
+            </a:r>
             <a:r>
               <a:rPr kumimoji="1" lang="ja-JP" altLang="en-US" dirty="0"/>
-              <a:t>表にまとめると、</a:t>
-            </a:r>
-            <a:r>
-              <a:rPr kumimoji="1" lang="en-US" altLang="ja-JP" dirty="0"/>
-              <a:t>fluent-bit</a:t>
-            </a:r>
-            <a:r>
-              <a:rPr kumimoji="1" lang="ja-JP" altLang="en-US" dirty="0"/>
-              <a:t>は</a:t>
-            </a:r>
-            <a:r>
-              <a:rPr kumimoji="1" lang="en-US" altLang="ja-JP" dirty="0"/>
-              <a:t>C</a:t>
-            </a:r>
-            <a:r>
-              <a:rPr kumimoji="1" lang="ja-JP" altLang="en-US" dirty="0"/>
-              <a:t>言語で実装されているのに対して、</a:t>
-            </a:r>
-            <a:r>
-              <a:rPr kumimoji="1" lang="en-US" altLang="ja-JP" dirty="0" err="1"/>
-              <a:t>Fluentd</a:t>
-            </a:r>
-            <a:r>
-              <a:rPr kumimoji="1" lang="ja-JP" altLang="en-US" dirty="0"/>
-              <a:t>は主に</a:t>
-            </a:r>
-            <a:r>
-              <a:rPr kumimoji="1" lang="en-US" altLang="ja-JP" dirty="0"/>
-              <a:t>Ruby</a:t>
-            </a:r>
-            <a:r>
-              <a:rPr kumimoji="1" lang="ja-JP" altLang="en-US" dirty="0"/>
-              <a:t>で実装されています。</a:t>
+              <a:t>を使うことが出来ます。</a:t>
             </a:r>
           </a:p>
         </p:txBody>
@@ -2133,7 +2092,7 @@
           <a:p>
             <a:fld id="{8E3142AE-6E51-4A92-A93B-CC4267427FC5}" type="slidenum">
               <a:rPr kumimoji="1" lang="ja-JP" altLang="en-US" smtClean="0"/>
-              <a:t>3</a:t>
+              <a:t>4</a:t>
             </a:fld>
             <a:endParaRPr kumimoji="1" lang="ja-JP" altLang="en-US"/>
           </a:p>
@@ -2142,7 +2101,7 @@
     </p:spTree>
     <p:extLst>
       <p:ext uri="{BB962C8B-B14F-4D97-AF65-F5344CB8AC3E}">
-        <p14:creationId xmlns:p14="http://schemas.microsoft.com/office/powerpoint/2010/main" val="824055364"/>
+        <p14:creationId xmlns:p14="http://schemas.microsoft.com/office/powerpoint/2010/main" val="4263710881"/>
       </p:ext>
     </p:extLst>
   </p:cSld>
@@ -2197,27 +2156,24 @@
           <a:lstStyle/>
           <a:p>
             <a:r>
-              <a:rPr kumimoji="1" lang="en-US" altLang="ja-JP" dirty="0" err="1"/>
-              <a:t>FluentBit</a:t>
-            </a:r>
-            <a:r>
               <a:rPr kumimoji="1" lang="ja-JP" altLang="en-US" dirty="0"/>
-              <a:t>の設定ファイルは</a:t>
+              <a:t>前のスライドの設定を</a:t>
             </a:r>
             <a:r>
               <a:rPr kumimoji="1" lang="en-US" altLang="ja-JP" dirty="0"/>
-              <a:t>INI</a:t>
+              <a:t>Fluent-bit</a:t>
             </a:r>
             <a:r>
               <a:rPr kumimoji="1" lang="ja-JP" altLang="en-US" dirty="0"/>
-              <a:t>形式になっています。</a:t>
-            </a:r>
-            <a:endParaRPr kumimoji="1" lang="en-US" altLang="ja-JP" dirty="0"/>
-          </a:p>
-          <a:p>
+              <a:t>に食べさせると、</a:t>
+            </a:r>
+            <a:r>
+              <a:rPr kumimoji="1" lang="en-US" altLang="ja-JP" dirty="0"/>
+              <a:t>fluent-bit</a:t>
+            </a:r>
             <a:r>
               <a:rPr kumimoji="1" lang="ja-JP" altLang="en-US" dirty="0"/>
-              <a:t>例えば、このスライドにある設定では、</a:t>
+              <a:t>で取得した</a:t>
             </a:r>
             <a:r>
               <a:rPr kumimoji="1" lang="en-US" altLang="ja-JP" dirty="0"/>
@@ -2225,7 +2181,7 @@
             </a:r>
             <a:r>
               <a:rPr kumimoji="1" lang="ja-JP" altLang="en-US" dirty="0"/>
-              <a:t>のインプットプラグインを使って</a:t>
+              <a:t>使用率が</a:t>
             </a:r>
             <a:r>
               <a:rPr kumimoji="1" lang="en-US" altLang="ja-JP" dirty="0"/>
@@ -2233,23 +2189,7 @@
             </a:r>
             <a:r>
               <a:rPr kumimoji="1" lang="ja-JP" altLang="en-US" dirty="0"/>
-              <a:t>のアウトプットに</a:t>
-            </a:r>
-            <a:r>
-              <a:rPr kumimoji="1" lang="en-US" altLang="ja-JP" dirty="0" err="1"/>
-              <a:t>FluentBit</a:t>
-            </a:r>
-            <a:r>
-              <a:rPr kumimoji="1" lang="ja-JP" altLang="en-US" dirty="0"/>
-              <a:t>の取得した</a:t>
-            </a:r>
-            <a:r>
-              <a:rPr kumimoji="1" lang="en-US" altLang="ja-JP" dirty="0"/>
-              <a:t>CPU</a:t>
-            </a:r>
-            <a:r>
-              <a:rPr kumimoji="1" lang="ja-JP" altLang="en-US" dirty="0"/>
-              <a:t>使用率を含むイベントを送信します。</a:t>
+              <a:t>に投入されます。</a:t>
             </a:r>
           </a:p>
         </p:txBody>
@@ -2271,243 +2211,6 @@
           <a:p>
             <a:fld id="{8E3142AE-6E51-4A92-A93B-CC4267427FC5}" type="slidenum">
               <a:rPr kumimoji="1" lang="ja-JP" altLang="en-US" smtClean="0"/>
-              <a:t>21</a:t>
-            </a:fld>
-            <a:endParaRPr kumimoji="1" lang="ja-JP" altLang="en-US"/>
-          </a:p>
-        </p:txBody>
-      </p:sp>
-    </p:spTree>
-    <p:extLst>
-      <p:ext uri="{BB962C8B-B14F-4D97-AF65-F5344CB8AC3E}">
-        <p14:creationId xmlns:p14="http://schemas.microsoft.com/office/powerpoint/2010/main" val="283330706"/>
-      </p:ext>
-    </p:extLst>
-  </p:cSld>
-  <p:clrMapOvr>
-    <a:masterClrMapping/>
-  </p:clrMapOvr>
-</p:notes>
-</file>
-
-<file path=ppt/notesSlides/notesSlide21.xml><?xml version="1.0" encoding="utf-8"?>
-<p:notes xmlns:a="http://schemas.openxmlformats.org/drawingml/2006/main" xmlns:r="http://schemas.openxmlformats.org/officeDocument/2006/relationships" xmlns:p="http://schemas.openxmlformats.org/presentationml/2006/main">
-  <p:cSld>
-    <p:spTree>
-      <p:nvGrpSpPr>
-        <p:cNvPr id="1" name=""/>
-        <p:cNvGrpSpPr/>
-        <p:nvPr/>
-      </p:nvGrpSpPr>
-      <p:grpSpPr>
-        <a:xfrm>
-          <a:off x="0" y="0"/>
-          <a:ext cx="0" cy="0"/>
-          <a:chOff x="0" y="0"/>
-          <a:chExt cx="0" cy="0"/>
-        </a:xfrm>
-      </p:grpSpPr>
-      <p:sp>
-        <p:nvSpPr>
-          <p:cNvPr id="2" name="スライド イメージ プレースホルダー 1"/>
-          <p:cNvSpPr>
-            <a:spLocks noGrp="1" noRot="1" noChangeAspect="1"/>
-          </p:cNvSpPr>
-          <p:nvPr>
-            <p:ph type="sldImg"/>
-          </p:nvPr>
-        </p:nvSpPr>
-        <p:spPr/>
-      </p:sp>
-      <p:sp>
-        <p:nvSpPr>
-          <p:cNvPr id="3" name="ノート プレースホルダー 2"/>
-          <p:cNvSpPr>
-            <a:spLocks noGrp="1"/>
-          </p:cNvSpPr>
-          <p:nvPr>
-            <p:ph type="body" idx="1"/>
-          </p:nvPr>
-        </p:nvSpPr>
-        <p:spPr/>
-        <p:txBody>
-          <a:bodyPr/>
-          <a:lstStyle/>
-          <a:p>
-            <a:r>
-              <a:rPr kumimoji="1" lang="en-US" altLang="ja-JP" dirty="0"/>
-              <a:t>fluent-bit</a:t>
-            </a:r>
-            <a:r>
-              <a:rPr kumimoji="1" lang="ja-JP" altLang="en-US" dirty="0"/>
-              <a:t>の</a:t>
-            </a:r>
-            <a:r>
-              <a:rPr kumimoji="1" lang="en-US" altLang="ja-JP" dirty="0"/>
-              <a:t>Loki</a:t>
-            </a:r>
-            <a:r>
-              <a:rPr kumimoji="1" lang="ja-JP" altLang="en-US" dirty="0"/>
-              <a:t>プラグインは共有ライブラリとしてビルドし、</a:t>
-            </a:r>
-            <a:r>
-              <a:rPr kumimoji="1" lang="en-US" altLang="ja-JP" dirty="0"/>
-              <a:t>fluent-bit</a:t>
-            </a:r>
-            <a:r>
-              <a:rPr kumimoji="1" lang="ja-JP" altLang="en-US" dirty="0"/>
-              <a:t>の読み込みパスに追加して起動します。</a:t>
-            </a:r>
-            <a:endParaRPr kumimoji="1" lang="en-US" altLang="ja-JP" dirty="0"/>
-          </a:p>
-          <a:p>
-            <a:r>
-              <a:rPr kumimoji="1" lang="ja-JP" altLang="en-US" dirty="0"/>
-              <a:t>共有ライブラリを通常実行ファイルが読み込みに行く位置に配置しておくのも良いです。</a:t>
-            </a:r>
-            <a:endParaRPr kumimoji="1" lang="en-US" altLang="ja-JP" dirty="0"/>
-          </a:p>
-          <a:p>
-            <a:endParaRPr kumimoji="1" lang="ja-JP" altLang="en-US" dirty="0"/>
-          </a:p>
-        </p:txBody>
-      </p:sp>
-      <p:sp>
-        <p:nvSpPr>
-          <p:cNvPr id="4" name="スライド番号プレースホルダー 3"/>
-          <p:cNvSpPr>
-            <a:spLocks noGrp="1"/>
-          </p:cNvSpPr>
-          <p:nvPr>
-            <p:ph type="sldNum" sz="quarter" idx="5"/>
-          </p:nvPr>
-        </p:nvSpPr>
-        <p:spPr/>
-        <p:txBody>
-          <a:bodyPr/>
-          <a:lstStyle/>
-          <a:p>
-            <a:fld id="{8E3142AE-6E51-4A92-A93B-CC4267427FC5}" type="slidenum">
-              <a:rPr kumimoji="1" lang="ja-JP" altLang="en-US" smtClean="0"/>
-              <a:t>22</a:t>
-            </a:fld>
-            <a:endParaRPr kumimoji="1" lang="ja-JP" altLang="en-US"/>
-          </a:p>
-        </p:txBody>
-      </p:sp>
-    </p:spTree>
-    <p:extLst>
-      <p:ext uri="{BB962C8B-B14F-4D97-AF65-F5344CB8AC3E}">
-        <p14:creationId xmlns:p14="http://schemas.microsoft.com/office/powerpoint/2010/main" val="1551893730"/>
-      </p:ext>
-    </p:extLst>
-  </p:cSld>
-  <p:clrMapOvr>
-    <a:masterClrMapping/>
-  </p:clrMapOvr>
-</p:notes>
-</file>
-
-<file path=ppt/notesSlides/notesSlide22.xml><?xml version="1.0" encoding="utf-8"?>
-<p:notes xmlns:a="http://schemas.openxmlformats.org/drawingml/2006/main" xmlns:r="http://schemas.openxmlformats.org/officeDocument/2006/relationships" xmlns:p="http://schemas.openxmlformats.org/presentationml/2006/main">
-  <p:cSld>
-    <p:spTree>
-      <p:nvGrpSpPr>
-        <p:cNvPr id="1" name=""/>
-        <p:cNvGrpSpPr/>
-        <p:nvPr/>
-      </p:nvGrpSpPr>
-      <p:grpSpPr>
-        <a:xfrm>
-          <a:off x="0" y="0"/>
-          <a:ext cx="0" cy="0"/>
-          <a:chOff x="0" y="0"/>
-          <a:chExt cx="0" cy="0"/>
-        </a:xfrm>
-      </p:grpSpPr>
-      <p:sp>
-        <p:nvSpPr>
-          <p:cNvPr id="2" name="スライド イメージ プレースホルダー 1"/>
-          <p:cNvSpPr>
-            <a:spLocks noGrp="1" noRot="1" noChangeAspect="1"/>
-          </p:cNvSpPr>
-          <p:nvPr>
-            <p:ph type="sldImg"/>
-          </p:nvPr>
-        </p:nvSpPr>
-        <p:spPr/>
-      </p:sp>
-      <p:sp>
-        <p:nvSpPr>
-          <p:cNvPr id="3" name="ノート プレースホルダー 2"/>
-          <p:cNvSpPr>
-            <a:spLocks noGrp="1"/>
-          </p:cNvSpPr>
-          <p:nvPr>
-            <p:ph type="body" idx="1"/>
-          </p:nvPr>
-        </p:nvSpPr>
-        <p:spPr/>
-        <p:txBody>
-          <a:bodyPr/>
-          <a:lstStyle/>
-          <a:p>
-            <a:r>
-              <a:rPr kumimoji="1" lang="ja-JP" altLang="en-US" dirty="0"/>
-              <a:t>前のスライドの設定を</a:t>
-            </a:r>
-            <a:r>
-              <a:rPr kumimoji="1" lang="en-US" altLang="ja-JP" dirty="0"/>
-              <a:t>Fluent-bit</a:t>
-            </a:r>
-            <a:r>
-              <a:rPr kumimoji="1" lang="ja-JP" altLang="en-US" dirty="0"/>
-              <a:t>に食べさせると、</a:t>
-            </a:r>
-            <a:r>
-              <a:rPr kumimoji="1" lang="en-US" altLang="ja-JP" dirty="0"/>
-              <a:t>fluent-bit</a:t>
-            </a:r>
-            <a:r>
-              <a:rPr kumimoji="1" lang="ja-JP" altLang="en-US" dirty="0"/>
-              <a:t>で取得した</a:t>
-            </a:r>
-            <a:r>
-              <a:rPr kumimoji="1" lang="en-US" altLang="ja-JP" dirty="0"/>
-              <a:t>CPU</a:t>
-            </a:r>
-            <a:r>
-              <a:rPr kumimoji="1" lang="ja-JP" altLang="en-US" dirty="0"/>
-              <a:t>使用率が</a:t>
-            </a:r>
-            <a:r>
-              <a:rPr kumimoji="1" lang="en-US" altLang="ja-JP" dirty="0"/>
-              <a:t>Loki</a:t>
-            </a:r>
-            <a:r>
-              <a:rPr kumimoji="1" lang="ja-JP" altLang="en-US" dirty="0"/>
-              <a:t>に投入されます。</a:t>
-            </a:r>
-          </a:p>
-        </p:txBody>
-      </p:sp>
-      <p:sp>
-        <p:nvSpPr>
-          <p:cNvPr id="4" name="スライド番号プレースホルダー 3"/>
-          <p:cNvSpPr>
-            <a:spLocks noGrp="1"/>
-          </p:cNvSpPr>
-          <p:nvPr>
-            <p:ph type="sldNum" sz="quarter" idx="5"/>
-          </p:nvPr>
-        </p:nvSpPr>
-        <p:spPr/>
-        <p:txBody>
-          <a:bodyPr/>
-          <a:lstStyle/>
-          <a:p>
-            <a:fld id="{8E3142AE-6E51-4A92-A93B-CC4267427FC5}" type="slidenum">
-              <a:rPr kumimoji="1" lang="ja-JP" altLang="en-US" smtClean="0"/>
               <a:t>23</a:t>
             </a:fld>
             <a:endParaRPr kumimoji="1" lang="ja-JP" altLang="en-US"/>
@@ -2518,202 +2221,6 @@
     <p:extLst>
       <p:ext uri="{BB962C8B-B14F-4D97-AF65-F5344CB8AC3E}">
         <p14:creationId xmlns:p14="http://schemas.microsoft.com/office/powerpoint/2010/main" val="1679336383"/>
-      </p:ext>
-    </p:extLst>
-  </p:cSld>
-  <p:clrMapOvr>
-    <a:masterClrMapping/>
-  </p:clrMapOvr>
-</p:notes>
-</file>
-
-<file path=ppt/notesSlides/notesSlide23.xml><?xml version="1.0" encoding="utf-8"?>
-<p:notes xmlns:a="http://schemas.openxmlformats.org/drawingml/2006/main" xmlns:r="http://schemas.openxmlformats.org/officeDocument/2006/relationships" xmlns:p="http://schemas.openxmlformats.org/presentationml/2006/main">
-  <p:cSld>
-    <p:spTree>
-      <p:nvGrpSpPr>
-        <p:cNvPr id="1" name=""/>
-        <p:cNvGrpSpPr/>
-        <p:nvPr/>
-      </p:nvGrpSpPr>
-      <p:grpSpPr>
-        <a:xfrm>
-          <a:off x="0" y="0"/>
-          <a:ext cx="0" cy="0"/>
-          <a:chOff x="0" y="0"/>
-          <a:chExt cx="0" cy="0"/>
-        </a:xfrm>
-      </p:grpSpPr>
-      <p:sp>
-        <p:nvSpPr>
-          <p:cNvPr id="2" name="スライド イメージ プレースホルダー 1"/>
-          <p:cNvSpPr>
-            <a:spLocks noGrp="1" noRot="1" noChangeAspect="1"/>
-          </p:cNvSpPr>
-          <p:nvPr>
-            <p:ph type="sldImg"/>
-          </p:nvPr>
-        </p:nvSpPr>
-        <p:spPr/>
-      </p:sp>
-      <p:sp>
-        <p:nvSpPr>
-          <p:cNvPr id="3" name="ノート プレースホルダー 2"/>
-          <p:cNvSpPr>
-            <a:spLocks noGrp="1"/>
-          </p:cNvSpPr>
-          <p:nvPr>
-            <p:ph type="body" idx="1"/>
-          </p:nvPr>
-        </p:nvSpPr>
-        <p:spPr/>
-        <p:txBody>
-          <a:bodyPr/>
-          <a:lstStyle/>
-          <a:p>
-            <a:r>
-              <a:rPr kumimoji="1" lang="ja-JP" altLang="en-US" dirty="0"/>
-              <a:t>フィードバックすると良いこととしては、自分の独力では対応しれないプラットフォームの対応が進んだことです。</a:t>
-            </a:r>
-            <a:endParaRPr kumimoji="1" lang="en-US" altLang="ja-JP" dirty="0"/>
-          </a:p>
-          <a:p>
-            <a:r>
-              <a:rPr kumimoji="1" lang="en-US" altLang="ja-JP" dirty="0"/>
-              <a:t>Grafana/Loki</a:t>
-            </a:r>
-            <a:r>
-              <a:rPr kumimoji="1" lang="ja-JP" altLang="en-US" dirty="0"/>
-              <a:t>は</a:t>
-            </a:r>
-            <a:r>
-              <a:rPr kumimoji="1" lang="en-US" altLang="ja-JP" dirty="0"/>
-              <a:t>k8s</a:t>
-            </a:r>
-            <a:r>
-              <a:rPr kumimoji="1" lang="ja-JP" altLang="en-US" dirty="0"/>
-              <a:t>上での運用も見据えられており、</a:t>
-            </a:r>
-            <a:r>
-              <a:rPr kumimoji="1" lang="en-US" altLang="ja-JP" dirty="0"/>
-              <a:t>fluent-bit</a:t>
-            </a:r>
-            <a:r>
-              <a:rPr kumimoji="1" lang="ja-JP" altLang="en-US" dirty="0"/>
-              <a:t>の</a:t>
-            </a:r>
-            <a:r>
-              <a:rPr kumimoji="1" lang="en-US" altLang="ja-JP" dirty="0"/>
-              <a:t>go</a:t>
-            </a:r>
-            <a:r>
-              <a:rPr kumimoji="1" lang="ja-JP" altLang="en-US" dirty="0"/>
-              <a:t>製</a:t>
-            </a:r>
-            <a:r>
-              <a:rPr kumimoji="1" lang="en-US" altLang="ja-JP" dirty="0" err="1"/>
-              <a:t>loki</a:t>
-            </a:r>
-            <a:r>
-              <a:rPr kumimoji="1" lang="ja-JP" altLang="en-US" dirty="0"/>
-              <a:t>プラグインの</a:t>
-            </a:r>
-            <a:r>
-              <a:rPr kumimoji="1" lang="en-US" altLang="ja-JP" dirty="0"/>
-              <a:t>k8s</a:t>
-            </a:r>
-            <a:r>
-              <a:rPr kumimoji="1" lang="ja-JP" altLang="en-US" dirty="0"/>
-              <a:t>へのデプロイのための</a:t>
-            </a:r>
-            <a:r>
-              <a:rPr kumimoji="1" lang="en-US" altLang="ja-JP" dirty="0"/>
-              <a:t>helm</a:t>
-            </a:r>
-            <a:r>
-              <a:rPr kumimoji="1" lang="ja-JP" altLang="en-US" dirty="0"/>
-              <a:t>チャートサポートが入りました。</a:t>
-            </a:r>
-            <a:endParaRPr kumimoji="1" lang="en-US" altLang="ja-JP" dirty="0"/>
-          </a:p>
-          <a:p>
-            <a:r>
-              <a:rPr kumimoji="1" lang="ja-JP" altLang="en-US" dirty="0"/>
-              <a:t>また、その</a:t>
-            </a:r>
-            <a:r>
-              <a:rPr kumimoji="1" lang="en-US" altLang="ja-JP" dirty="0"/>
-              <a:t>k8s</a:t>
-            </a:r>
-            <a:r>
-              <a:rPr kumimoji="1" lang="ja-JP" altLang="en-US" dirty="0"/>
-              <a:t>のイメージとして使うために、</a:t>
-            </a:r>
-            <a:r>
-              <a:rPr kumimoji="1" lang="en-US" altLang="ja-JP" dirty="0"/>
-              <a:t>Grafana/Loki</a:t>
-            </a:r>
-            <a:r>
-              <a:rPr kumimoji="1" lang="ja-JP" altLang="en-US" dirty="0"/>
-              <a:t>の公式の</a:t>
-            </a:r>
-            <a:r>
-              <a:rPr kumimoji="1" lang="en-US" altLang="ja-JP" dirty="0"/>
-              <a:t>Docker</a:t>
-            </a:r>
-            <a:r>
-              <a:rPr kumimoji="1" lang="ja-JP" altLang="en-US" dirty="0"/>
-              <a:t>イメージの提供もされるようになりました。</a:t>
-            </a:r>
-            <a:endParaRPr kumimoji="1" lang="en-US" altLang="ja-JP" dirty="0"/>
-          </a:p>
-          <a:p>
-            <a:r>
-              <a:rPr kumimoji="1" lang="en-US" altLang="ja-JP" dirty="0"/>
-              <a:t>Fluent-bit</a:t>
-            </a:r>
-            <a:r>
-              <a:rPr kumimoji="1" lang="ja-JP" altLang="en-US" dirty="0"/>
-              <a:t>の</a:t>
-            </a:r>
-            <a:r>
-              <a:rPr kumimoji="1" lang="en-US" altLang="ja-JP" dirty="0"/>
-              <a:t>Loki</a:t>
-            </a:r>
-            <a:r>
-              <a:rPr kumimoji="1" lang="ja-JP" altLang="en-US" dirty="0"/>
-              <a:t>プラグインの使い方のドキュメントもちゃんと書かれました。</a:t>
-            </a:r>
-          </a:p>
-        </p:txBody>
-      </p:sp>
-      <p:sp>
-        <p:nvSpPr>
-          <p:cNvPr id="4" name="スライド番号プレースホルダー 3"/>
-          <p:cNvSpPr>
-            <a:spLocks noGrp="1"/>
-          </p:cNvSpPr>
-          <p:nvPr>
-            <p:ph type="sldNum" sz="quarter" idx="5"/>
-          </p:nvPr>
-        </p:nvSpPr>
-        <p:spPr/>
-        <p:txBody>
-          <a:bodyPr/>
-          <a:lstStyle/>
-          <a:p>
-            <a:fld id="{8E3142AE-6E51-4A92-A93B-CC4267427FC5}" type="slidenum">
-              <a:rPr kumimoji="1" lang="ja-JP" altLang="en-US" smtClean="0"/>
-              <a:t>24</a:t>
-            </a:fld>
-            <a:endParaRPr kumimoji="1" lang="ja-JP" altLang="en-US"/>
-          </a:p>
-        </p:txBody>
-      </p:sp>
-    </p:spTree>
-    <p:extLst>
-      <p:ext uri="{BB962C8B-B14F-4D97-AF65-F5344CB8AC3E}">
-        <p14:creationId xmlns:p14="http://schemas.microsoft.com/office/powerpoint/2010/main" val="397226058"/>
       </p:ext>
     </p:extLst>
   </p:cSld>
@@ -2768,36 +2275,12 @@
           <a:lstStyle/>
           <a:p>
             <a:r>
-              <a:rPr kumimoji="1" lang="en-US" altLang="ja-JP" dirty="0" err="1"/>
-              <a:t>Fluentd</a:t>
-            </a:r>
-            <a:r>
-              <a:rPr kumimoji="1" lang="ja-JP" altLang="en-US" dirty="0"/>
-              <a:t>ではプラグインのコードを</a:t>
-            </a:r>
-            <a:r>
-              <a:rPr kumimoji="1" lang="en-US" altLang="ja-JP" dirty="0"/>
-              <a:t>Ruby</a:t>
-            </a:r>
-            <a:r>
-              <a:rPr kumimoji="1" lang="ja-JP" altLang="en-US" dirty="0"/>
-              <a:t>でしか書けないのに対して、</a:t>
-            </a:r>
-            <a:r>
               <a:rPr kumimoji="1" lang="en-US" altLang="ja-JP" dirty="0"/>
               <a:t>fluent-bit</a:t>
             </a:r>
             <a:r>
               <a:rPr kumimoji="1" lang="ja-JP" altLang="en-US" dirty="0"/>
-              <a:t>では</a:t>
-            </a:r>
-            <a:r>
-              <a:rPr kumimoji="1" lang="en-US" altLang="ja-JP" dirty="0"/>
-              <a:t>C</a:t>
-            </a:r>
-            <a:r>
-              <a:rPr kumimoji="1" lang="ja-JP" altLang="en-US" dirty="0"/>
-              <a:t>やアウトプットに限り</a:t>
+              <a:t>の</a:t>
             </a:r>
             <a:r>
               <a:rPr kumimoji="1" lang="en-US" altLang="ja-JP" dirty="0"/>
@@ -2805,7 +2288,47 @@
             </a:r>
             <a:r>
               <a:rPr kumimoji="1" lang="ja-JP" altLang="en-US" dirty="0"/>
-              <a:t>を使うことが出来ます。</a:t>
+              <a:t>プラグインは</a:t>
+            </a:r>
+            <a:r>
+              <a:rPr kumimoji="1" lang="en-US" altLang="ja-JP" dirty="0"/>
+              <a:t>FLB</a:t>
+            </a:r>
+            <a:r>
+              <a:rPr kumimoji="1" lang="ja-JP" altLang="en-US" dirty="0"/>
+              <a:t>で始まる</a:t>
+            </a:r>
+            <a:r>
+              <a:rPr kumimoji="1" lang="en-US" altLang="ja-JP" dirty="0"/>
+              <a:t>4</a:t>
+            </a:r>
+            <a:r>
+              <a:rPr kumimoji="1" lang="ja-JP" altLang="en-US" dirty="0"/>
+              <a:t>つの関数の実装をすればいいです。ここで、</a:t>
+            </a:r>
+            <a:r>
+              <a:rPr kumimoji="1" lang="en-US" altLang="ja-JP" dirty="0" err="1"/>
+              <a:t>FLBPluginFlushCtx</a:t>
+            </a:r>
+            <a:r>
+              <a:rPr kumimoji="1" lang="ja-JP" altLang="en-US" dirty="0"/>
+              <a:t>を使うことで、</a:t>
+            </a:r>
+            <a:r>
+              <a:rPr kumimoji="1" lang="en-US" altLang="ja-JP" dirty="0"/>
+              <a:t>fluent-bit</a:t>
+            </a:r>
+            <a:r>
+              <a:rPr kumimoji="1" lang="ja-JP" altLang="en-US" dirty="0"/>
+              <a:t>に</a:t>
+            </a:r>
+            <a:r>
+              <a:rPr kumimoji="1" lang="en-US" altLang="ja-JP" dirty="0"/>
+              <a:t>Golang</a:t>
+            </a:r>
+            <a:r>
+              <a:rPr kumimoji="1" lang="ja-JP" altLang="en-US" dirty="0"/>
+              <a:t>製のプラグインを同時に複数管理させることが出来ます。</a:t>
             </a:r>
           </a:p>
         </p:txBody>
@@ -2827,7 +2350,7 @@
           <a:p>
             <a:fld id="{8E3142AE-6E51-4A92-A93B-CC4267427FC5}" type="slidenum">
               <a:rPr kumimoji="1" lang="ja-JP" altLang="en-US" smtClean="0"/>
-              <a:t>4</a:t>
+              <a:t>5</a:t>
             </a:fld>
             <a:endParaRPr kumimoji="1" lang="ja-JP" altLang="en-US"/>
           </a:p>
@@ -2836,7 +2359,7 @@
     </p:spTree>
     <p:extLst>
       <p:ext uri="{BB962C8B-B14F-4D97-AF65-F5344CB8AC3E}">
-        <p14:creationId xmlns:p14="http://schemas.microsoft.com/office/powerpoint/2010/main" val="4263710881"/>
+        <p14:creationId xmlns:p14="http://schemas.microsoft.com/office/powerpoint/2010/main" val="4108264115"/>
       </p:ext>
     </p:extLst>
   </p:cSld>
@@ -2900,35 +2423,11 @@
             </a:r>
             <a:r>
               <a:rPr kumimoji="1" lang="en-US" altLang="ja-JP" dirty="0"/>
-              <a:t>Golang</a:t>
+              <a:t>output</a:t>
             </a:r>
             <a:r>
               <a:rPr kumimoji="1" lang="ja-JP" altLang="en-US" dirty="0"/>
-              <a:t>プラグインは</a:t>
-            </a:r>
-            <a:r>
-              <a:rPr kumimoji="1" lang="en-US" altLang="ja-JP" dirty="0"/>
-              <a:t>FLB</a:t>
-            </a:r>
-            <a:r>
-              <a:rPr kumimoji="1" lang="ja-JP" altLang="en-US" dirty="0"/>
-              <a:t>で始まる</a:t>
-            </a:r>
-            <a:r>
-              <a:rPr kumimoji="1" lang="en-US" altLang="ja-JP" dirty="0"/>
-              <a:t>4</a:t>
-            </a:r>
-            <a:r>
-              <a:rPr kumimoji="1" lang="ja-JP" altLang="en-US" dirty="0"/>
-              <a:t>つの関数の実装をすればいいです。ここで、</a:t>
-            </a:r>
-            <a:r>
-              <a:rPr kumimoji="1" lang="en-US" altLang="ja-JP" dirty="0" err="1"/>
-              <a:t>FLBPluginFlushCtx</a:t>
-            </a:r>
-            <a:r>
-              <a:rPr kumimoji="1" lang="ja-JP" altLang="en-US" dirty="0"/>
-              <a:t>を使うことで、</a:t>
+              <a:t>プラグインは共有ライブラリとしてビルドし、</a:t>
             </a:r>
             <a:r>
               <a:rPr kumimoji="1" lang="en-US" altLang="ja-JP" dirty="0"/>
@@ -2936,16 +2435,19 @@
             </a:r>
             <a:r>
               <a:rPr kumimoji="1" lang="ja-JP" altLang="en-US" dirty="0"/>
-              <a:t>に</a:t>
-            </a:r>
-            <a:r>
-              <a:rPr kumimoji="1" lang="en-US" altLang="ja-JP" dirty="0"/>
-              <a:t>Golang</a:t>
-            </a:r>
+              <a:t>の読み込みパスに追加して起動します。</a:t>
+            </a:r>
+            <a:endParaRPr kumimoji="1" lang="en-US" altLang="ja-JP" dirty="0"/>
+          </a:p>
+          <a:p>
             <a:r>
               <a:rPr kumimoji="1" lang="ja-JP" altLang="en-US" dirty="0"/>
-              <a:t>製のプラグインを同時に複数管理させることが出来ます。</a:t>
-            </a:r>
+              <a:t>共有ライブラリを通常実行ファイルが読み込みに行く位置に配置しておくのも良いです。</a:t>
+            </a:r>
+            <a:endParaRPr kumimoji="1" lang="en-US" altLang="ja-JP" dirty="0"/>
+          </a:p>
+          <a:p>
+            <a:endParaRPr kumimoji="1" lang="ja-JP" altLang="en-US" dirty="0"/>
           </a:p>
         </p:txBody>
       </p:sp>
@@ -2966,7 +2468,7 @@
           <a:p>
             <a:fld id="{8E3142AE-6E51-4A92-A93B-CC4267427FC5}" type="slidenum">
               <a:rPr kumimoji="1" lang="ja-JP" altLang="en-US" smtClean="0"/>
-              <a:t>5</a:t>
+              <a:t>6</a:t>
             </a:fld>
             <a:endParaRPr kumimoji="1" lang="ja-JP" altLang="en-US"/>
           </a:p>
@@ -2975,7 +2477,7 @@
     </p:spTree>
     <p:extLst>
       <p:ext uri="{BB962C8B-B14F-4D97-AF65-F5344CB8AC3E}">
-        <p14:creationId xmlns:p14="http://schemas.microsoft.com/office/powerpoint/2010/main" val="4108264115"/>
+        <p14:creationId xmlns:p14="http://schemas.microsoft.com/office/powerpoint/2010/main" val="2787075445"/>
       </p:ext>
     </p:extLst>
   </p:cSld>
@@ -3031,7 +2533,23 @@
           <a:p>
             <a:r>
               <a:rPr kumimoji="1" lang="en-US" altLang="ja-JP" dirty="0"/>
-              <a:t>fluent-bit</a:t>
+              <a:t>Grafana/Loki</a:t>
+            </a:r>
+            <a:r>
+              <a:rPr kumimoji="1" lang="ja-JP" altLang="en-US" dirty="0"/>
+              <a:t>にログを転送するには上段の</a:t>
+            </a:r>
+            <a:r>
+              <a:rPr kumimoji="1" lang="en-US" altLang="ja-JP" dirty="0"/>
+              <a:t>HTTP</a:t>
+            </a:r>
+            <a:r>
+              <a:rPr kumimoji="1" lang="ja-JP" altLang="en-US" dirty="0"/>
+              <a:t> </a:t>
+            </a:r>
+            <a:r>
+              <a:rPr kumimoji="1" lang="en-US" altLang="ja-JP" dirty="0"/>
+              <a:t>POST</a:t>
             </a:r>
             <a:r>
               <a:rPr kumimoji="1" lang="ja-JP" altLang="en-US" dirty="0"/>
@@ -3039,31 +2557,36 @@
             </a:r>
             <a:r>
               <a:rPr kumimoji="1" lang="en-US" altLang="ja-JP" dirty="0"/>
-              <a:t>output</a:t>
+              <a:t>API</a:t>
             </a:r>
             <a:r>
               <a:rPr kumimoji="1" lang="ja-JP" altLang="en-US" dirty="0"/>
-              <a:t>プラグインは共有ライブラリとしてビルドし、</a:t>
+              <a:t>を用いるか、</a:t>
+            </a:r>
+            <a:r>
+              <a:rPr kumimoji="1" lang="en-US" altLang="ja-JP" dirty="0" err="1"/>
+              <a:t>gPRC</a:t>
+            </a:r>
+            <a:r>
+              <a:rPr kumimoji="1" lang="ja-JP" altLang="en-US" dirty="0"/>
+              <a:t>の</a:t>
             </a:r>
             <a:r>
               <a:rPr kumimoji="1" lang="en-US" altLang="ja-JP" dirty="0"/>
-              <a:t>fluent-bit</a:t>
+              <a:t>Go</a:t>
             </a:r>
             <a:r>
               <a:rPr kumimoji="1" lang="ja-JP" altLang="en-US" dirty="0"/>
-              <a:t>の読み込みパスに追加して起動します。</a:t>
-            </a:r>
-            <a:endParaRPr kumimoji="1" lang="en-US" altLang="ja-JP" dirty="0"/>
-          </a:p>
-          <a:p>
+              <a:t>の</a:t>
+            </a:r>
+            <a:r>
+              <a:rPr kumimoji="1" lang="en-US" altLang="ja-JP" dirty="0"/>
+              <a:t>API</a:t>
+            </a:r>
             <a:r>
               <a:rPr kumimoji="1" lang="ja-JP" altLang="en-US" dirty="0"/>
-              <a:t>共有ライブラリを通常実行ファイルが読み込みに行く位置に配置しておくのも良いです。</a:t>
-            </a:r>
-            <a:endParaRPr kumimoji="1" lang="en-US" altLang="ja-JP" dirty="0"/>
-          </a:p>
-          <a:p>
-            <a:endParaRPr kumimoji="1" lang="ja-JP" altLang="en-US" dirty="0"/>
+              <a:t>を用いてログを転送します。</a:t>
+            </a:r>
           </a:p>
         </p:txBody>
       </p:sp>
@@ -3084,7 +2607,7 @@
           <a:p>
             <a:fld id="{8E3142AE-6E51-4A92-A93B-CC4267427FC5}" type="slidenum">
               <a:rPr kumimoji="1" lang="ja-JP" altLang="en-US" smtClean="0"/>
-              <a:t>6</a:t>
+              <a:t>7</a:t>
             </a:fld>
             <a:endParaRPr kumimoji="1" lang="ja-JP" altLang="en-US"/>
           </a:p>
@@ -3093,7 +2616,7 @@
     </p:spTree>
     <p:extLst>
       <p:ext uri="{BB962C8B-B14F-4D97-AF65-F5344CB8AC3E}">
-        <p14:creationId xmlns:p14="http://schemas.microsoft.com/office/powerpoint/2010/main" val="2787075445"/>
+        <p14:creationId xmlns:p14="http://schemas.microsoft.com/office/powerpoint/2010/main" val="684338917"/>
       </p:ext>
     </p:extLst>
   </p:cSld>
@@ -3148,12 +2671,59 @@
           <a:lstStyle/>
           <a:p>
             <a:r>
+              <a:rPr kumimoji="1" lang="ja-JP" altLang="en-US" dirty="0"/>
+              <a:t>ここで、</a:t>
+            </a:r>
+            <a:r>
               <a:rPr kumimoji="1" lang="en-US" altLang="ja-JP" dirty="0"/>
-              <a:t>Grafana/Loki</a:t>
+              <a:t>Loki</a:t>
             </a:r>
             <a:r>
               <a:rPr kumimoji="1" lang="ja-JP" altLang="en-US" dirty="0"/>
-              <a:t>にログを転送するには上段の</a:t>
+              <a:t>にログを送る第三の選択肢として、</a:t>
+            </a:r>
+            <a:r>
+              <a:rPr kumimoji="1" lang="en-US" altLang="ja-JP" dirty="0"/>
+              <a:t>fluent-bit</a:t>
+            </a:r>
+            <a:r>
+              <a:rPr kumimoji="1" lang="ja-JP" altLang="en-US" dirty="0"/>
+              <a:t>でログを送る方法を考えてみましょう。</a:t>
+            </a:r>
+            <a:endParaRPr kumimoji="1" lang="en-US" altLang="ja-JP" dirty="0"/>
+          </a:p>
+          <a:p>
+            <a:r>
+              <a:rPr kumimoji="1" lang="en-US" altLang="ja-JP" dirty="0"/>
+              <a:t>Fluent-bit</a:t>
+            </a:r>
+            <a:r>
+              <a:rPr kumimoji="1" lang="ja-JP" altLang="en-US" dirty="0"/>
+              <a:t>は</a:t>
+            </a:r>
+            <a:r>
+              <a:rPr kumimoji="1" lang="en-US" altLang="ja-JP" dirty="0"/>
+              <a:t>C</a:t>
+            </a:r>
+            <a:r>
+              <a:rPr kumimoji="1" lang="ja-JP" altLang="en-US" dirty="0"/>
+              <a:t>言語や</a:t>
+            </a:r>
+            <a:r>
+              <a:rPr kumimoji="1" lang="en-US" altLang="ja-JP" dirty="0"/>
+              <a:t>Golang</a:t>
+            </a:r>
+            <a:r>
+              <a:rPr kumimoji="1" lang="ja-JP" altLang="en-US" dirty="0"/>
+              <a:t>のアウトプットプラグインが使えるため、</a:t>
+            </a:r>
+            <a:r>
+              <a:rPr kumimoji="1" lang="en-US" altLang="ja-JP" dirty="0"/>
+              <a:t>C</a:t>
+            </a:r>
+            <a:r>
+              <a:rPr kumimoji="1" lang="ja-JP" altLang="en-US" dirty="0"/>
+              <a:t>言語で</a:t>
             </a:r>
             <a:r>
               <a:rPr kumimoji="1" lang="en-US" altLang="ja-JP" dirty="0"/>
@@ -3161,11 +2731,11 @@
             </a:r>
             <a:r>
               <a:rPr kumimoji="1" lang="ja-JP" altLang="en-US" dirty="0"/>
-              <a:t> </a:t>
+              <a:t>リクエストを組み立てても良いし、</a:t>
             </a:r>
             <a:r>
               <a:rPr kumimoji="1" lang="en-US" altLang="ja-JP" dirty="0"/>
-              <a:t>POST</a:t>
+              <a:t>Golang</a:t>
             </a:r>
             <a:r>
               <a:rPr kumimoji="1" lang="ja-JP" altLang="en-US" dirty="0"/>
@@ -3173,27 +2743,11 @@
             </a:r>
             <a:r>
               <a:rPr kumimoji="1" lang="en-US" altLang="ja-JP" dirty="0"/>
-              <a:t>API</a:t>
+              <a:t>Loki</a:t>
             </a:r>
             <a:r>
               <a:rPr kumimoji="1" lang="ja-JP" altLang="en-US" dirty="0"/>
-              <a:t>を用いるか、</a:t>
-            </a:r>
-            <a:r>
-              <a:rPr kumimoji="1" lang="en-US" altLang="ja-JP" dirty="0" err="1"/>
-              <a:t>gPRC</a:t>
-            </a:r>
-            <a:r>
-              <a:rPr kumimoji="1" lang="ja-JP" altLang="en-US" dirty="0"/>
-              <a:t>の</a:t>
-            </a:r>
-            <a:r>
-              <a:rPr kumimoji="1" lang="en-US" altLang="ja-JP" dirty="0"/>
-              <a:t>Go</a:t>
-            </a:r>
-            <a:r>
-              <a:rPr kumimoji="1" lang="ja-JP" altLang="en-US" dirty="0"/>
-              <a:t>の</a:t>
+              <a:t>のクライアントの</a:t>
             </a:r>
             <a:r>
               <a:rPr kumimoji="1" lang="en-US" altLang="ja-JP" dirty="0"/>
@@ -3201,8 +2755,25 @@
             </a:r>
             <a:r>
               <a:rPr kumimoji="1" lang="ja-JP" altLang="en-US" dirty="0"/>
-              <a:t>を用いてログを転送します。</a:t>
-            </a:r>
+              <a:t>を使って</a:t>
+            </a:r>
+            <a:r>
+              <a:rPr kumimoji="1" lang="en-US" altLang="ja-JP" dirty="0" err="1"/>
+              <a:t>gRPC</a:t>
+            </a:r>
+            <a:r>
+              <a:rPr kumimoji="1" lang="ja-JP" altLang="en-US" dirty="0"/>
+              <a:t>で</a:t>
+            </a:r>
+            <a:r>
+              <a:rPr kumimoji="1" lang="en-US" altLang="ja-JP" dirty="0"/>
+              <a:t>Loki</a:t>
+            </a:r>
+            <a:r>
+              <a:rPr kumimoji="1" lang="ja-JP" altLang="en-US" dirty="0"/>
+              <a:t>にログを送っても良いでしょう。</a:t>
+            </a:r>
+            <a:endParaRPr kumimoji="1" lang="en-US" altLang="ja-JP" dirty="0"/>
           </a:p>
         </p:txBody>
       </p:sp>
@@ -3223,7 +2794,7 @@
           <a:p>
             <a:fld id="{8E3142AE-6E51-4A92-A93B-CC4267427FC5}" type="slidenum">
               <a:rPr kumimoji="1" lang="ja-JP" altLang="en-US" smtClean="0"/>
-              <a:t>7</a:t>
+              <a:t>8</a:t>
             </a:fld>
             <a:endParaRPr kumimoji="1" lang="ja-JP" altLang="en-US"/>
           </a:p>
@@ -3232,7 +2803,7 @@
     </p:spTree>
     <p:extLst>
       <p:ext uri="{BB962C8B-B14F-4D97-AF65-F5344CB8AC3E}">
-        <p14:creationId xmlns:p14="http://schemas.microsoft.com/office/powerpoint/2010/main" val="684338917"/>
+        <p14:creationId xmlns:p14="http://schemas.microsoft.com/office/powerpoint/2010/main" val="3912051592"/>
       </p:ext>
     </p:extLst>
   </p:cSld>
@@ -3287,8 +2858,20 @@
           <a:lstStyle/>
           <a:p>
             <a:r>
+              <a:rPr kumimoji="1" lang="en-US" altLang="ja-JP" dirty="0"/>
+              <a:t>C</a:t>
+            </a:r>
+            <a:r>
               <a:rPr kumimoji="1" lang="ja-JP" altLang="en-US" dirty="0"/>
-              <a:t>ここで、</a:t>
+              <a:t>言語を用いて</a:t>
+            </a:r>
+            <a:r>
+              <a:rPr kumimoji="1" lang="en-US" altLang="ja-JP" dirty="0"/>
+              <a:t>fluent-bit</a:t>
+            </a:r>
+            <a:r>
+              <a:rPr kumimoji="1" lang="ja-JP" altLang="en-US" dirty="0"/>
+              <a:t>の</a:t>
             </a:r>
             <a:r>
               <a:rPr kumimoji="1" lang="en-US" altLang="ja-JP" dirty="0"/>
@@ -3296,26 +2879,7 @@
             </a:r>
             <a:r>
               <a:rPr kumimoji="1" lang="ja-JP" altLang="en-US" dirty="0"/>
-              <a:t>にログを送る第三の選択肢として、</a:t>
-            </a:r>
-            <a:r>
-              <a:rPr kumimoji="1" lang="en-US" altLang="ja-JP" dirty="0"/>
-              <a:t>fluent-bit</a:t>
-            </a:r>
-            <a:r>
-              <a:rPr kumimoji="1" lang="ja-JP" altLang="en-US" dirty="0"/>
-              <a:t>でログを送る方法を考えてみましょう。</a:t>
-            </a:r>
-            <a:endParaRPr kumimoji="1" lang="en-US" altLang="ja-JP" dirty="0"/>
-          </a:p>
-          <a:p>
-            <a:r>
-              <a:rPr kumimoji="1" lang="en-US" altLang="ja-JP" dirty="0"/>
-              <a:t>Fluent-bit</a:t>
-            </a:r>
-            <a:r>
-              <a:rPr kumimoji="1" lang="ja-JP" altLang="en-US" dirty="0"/>
-              <a:t>は</a:t>
+              <a:t>プラグインを作る、でもよいのですが、</a:t>
             </a:r>
             <a:r>
               <a:rPr kumimoji="1" lang="en-US" altLang="ja-JP" dirty="0"/>
@@ -3323,7 +2887,23 @@
             </a:r>
             <a:r>
               <a:rPr kumimoji="1" lang="ja-JP" altLang="en-US" dirty="0"/>
-              <a:t>言語や</a:t>
+              <a:t>言語では</a:t>
+            </a:r>
+            <a:r>
+              <a:rPr kumimoji="1" lang="en-US" altLang="ja-JP" dirty="0"/>
+              <a:t>HTTP</a:t>
+            </a:r>
+            <a:r>
+              <a:rPr kumimoji="1" lang="ja-JP" altLang="en-US" dirty="0"/>
+              <a:t>リクエストの組み立てや、</a:t>
+            </a:r>
+            <a:r>
+              <a:rPr kumimoji="1" lang="en-US" altLang="ja-JP" dirty="0"/>
+              <a:t>JSON</a:t>
+            </a:r>
+            <a:r>
+              <a:rPr kumimoji="1" lang="ja-JP" altLang="en-US" dirty="0"/>
+              <a:t>へのエンコードをすべて手で書かないといけないため、</a:t>
             </a:r>
             <a:r>
               <a:rPr kumimoji="1" lang="en-US" altLang="ja-JP" dirty="0"/>
@@ -3331,65 +2911,24 @@
             </a:r>
             <a:r>
               <a:rPr kumimoji="1" lang="ja-JP" altLang="en-US" dirty="0"/>
-              <a:t>のアウトプットプラグインが使えるため、</a:t>
+              <a:t>で</a:t>
             </a:r>
             <a:r>
               <a:rPr kumimoji="1" lang="en-US" altLang="ja-JP" dirty="0"/>
-              <a:t>C</a:t>
-            </a:r>
-            <a:r>
-              <a:rPr kumimoji="1" lang="ja-JP" altLang="en-US" dirty="0"/>
-              <a:t>言語で</a:t>
-            </a:r>
-            <a:r>
-              <a:rPr kumimoji="1" lang="en-US" altLang="ja-JP" dirty="0"/>
-              <a:t>HTTP</a:t>
-            </a:r>
-            <a:r>
-              <a:rPr kumimoji="1" lang="ja-JP" altLang="en-US" dirty="0"/>
-              <a:t>リクエストを組み立てても良いし、</a:t>
-            </a:r>
-            <a:r>
-              <a:rPr kumimoji="1" lang="en-US" altLang="ja-JP" dirty="0"/>
-              <a:t>Golang</a:t>
+              <a:t>Loki</a:t>
             </a:r>
             <a:r>
               <a:rPr kumimoji="1" lang="ja-JP" altLang="en-US" dirty="0"/>
               <a:t>の</a:t>
             </a:r>
             <a:r>
-              <a:rPr kumimoji="1" lang="en-US" altLang="ja-JP" dirty="0"/>
-              <a:t>Loki</a:t>
-            </a:r>
-            <a:r>
-              <a:rPr kumimoji="1" lang="ja-JP" altLang="en-US" dirty="0"/>
-              <a:t>のクライアントの</a:t>
-            </a:r>
-            <a:r>
-              <a:rPr kumimoji="1" lang="en-US" altLang="ja-JP" dirty="0"/>
-              <a:t>API</a:t>
-            </a:r>
-            <a:r>
-              <a:rPr kumimoji="1" lang="ja-JP" altLang="en-US" dirty="0"/>
-              <a:t>を使って</a:t>
-            </a:r>
-            <a:r>
               <a:rPr kumimoji="1" lang="en-US" altLang="ja-JP" dirty="0" err="1"/>
               <a:t>gRPC</a:t>
             </a:r>
             <a:r>
               <a:rPr kumimoji="1" lang="ja-JP" altLang="en-US" dirty="0"/>
-              <a:t>で</a:t>
-            </a:r>
-            <a:r>
-              <a:rPr kumimoji="1" lang="en-US" altLang="ja-JP" dirty="0"/>
-              <a:t>Loki</a:t>
-            </a:r>
-            <a:r>
-              <a:rPr kumimoji="1" lang="ja-JP" altLang="en-US" dirty="0"/>
-              <a:t>にログを送っても良いでしょう。</a:t>
-            </a:r>
-            <a:endParaRPr kumimoji="1" lang="en-US" altLang="ja-JP" dirty="0"/>
+              <a:t>を使うように作成する方針を決めました。</a:t>
+            </a:r>
           </a:p>
         </p:txBody>
       </p:sp>
@@ -3410,7 +2949,7 @@
           <a:p>
             <a:fld id="{8E3142AE-6E51-4A92-A93B-CC4267427FC5}" type="slidenum">
               <a:rPr kumimoji="1" lang="ja-JP" altLang="en-US" smtClean="0"/>
-              <a:t>8</a:t>
+              <a:t>9</a:t>
             </a:fld>
             <a:endParaRPr kumimoji="1" lang="ja-JP" altLang="en-US"/>
           </a:p>
@@ -3419,7 +2958,7 @@
     </p:spTree>
     <p:extLst>
       <p:ext uri="{BB962C8B-B14F-4D97-AF65-F5344CB8AC3E}">
-        <p14:creationId xmlns:p14="http://schemas.microsoft.com/office/powerpoint/2010/main" val="3912051592"/>
+        <p14:creationId xmlns:p14="http://schemas.microsoft.com/office/powerpoint/2010/main" val="2266360117"/>
       </p:ext>
     </p:extLst>
   </p:cSld>
@@ -3474,20 +3013,46 @@
           <a:lstStyle/>
           <a:p>
             <a:r>
+              <a:rPr kumimoji="1" lang="ja-JP" altLang="en-US" dirty="0"/>
+              <a:t>では、実際に</a:t>
+            </a:r>
+            <a:r>
               <a:rPr kumimoji="1" lang="en-US" altLang="ja-JP" dirty="0"/>
-              <a:t>C</a:t>
+              <a:t>Golang</a:t>
             </a:r>
             <a:r>
               <a:rPr kumimoji="1" lang="ja-JP" altLang="en-US" dirty="0"/>
-              <a:t>言語を用いて</a:t>
+              <a:t>のコードを使って</a:t>
             </a:r>
             <a:r>
               <a:rPr kumimoji="1" lang="en-US" altLang="ja-JP" dirty="0"/>
-              <a:t>fluent-bit</a:t>
+              <a:t>Grafana/Loki</a:t>
             </a:r>
             <a:r>
               <a:rPr kumimoji="1" lang="ja-JP" altLang="en-US" dirty="0"/>
-              <a:t>の</a:t>
+              <a:t>にログを送信する方法を見ていきます。</a:t>
+            </a:r>
+            <a:endParaRPr kumimoji="1" lang="en-US" altLang="ja-JP" dirty="0"/>
+          </a:p>
+          <a:p>
+            <a:r>
+              <a:rPr kumimoji="1" lang="ja-JP" altLang="en-US" dirty="0"/>
+              <a:t>例として挙げるコードはエラー処理を省いているので、実際にはちゃんとエラー処理が必要です。</a:t>
+            </a:r>
+            <a:endParaRPr kumimoji="1" lang="en-US" altLang="ja-JP" dirty="0"/>
+          </a:p>
+          <a:p>
+            <a:r>
+              <a:rPr kumimoji="1" lang="ja-JP" altLang="en-US" dirty="0"/>
+              <a:t>色々と書いてありますが、肝心な箇所は</a:t>
+            </a:r>
+            <a:r>
+              <a:rPr kumimoji="1" lang="en-US" altLang="ja-JP" dirty="0" err="1"/>
+              <a:t>Promtail</a:t>
+            </a:r>
+            <a:r>
+              <a:rPr kumimoji="1" lang="ja-JP" altLang="en-US" dirty="0"/>
+              <a:t>のクライアントを作成し、そのクライアントを使って</a:t>
             </a:r>
             <a:r>
               <a:rPr kumimoji="1" lang="en-US" altLang="ja-JP" dirty="0"/>
@@ -3495,55 +3060,7 @@
             </a:r>
             <a:r>
               <a:rPr kumimoji="1" lang="ja-JP" altLang="en-US" dirty="0"/>
-              <a:t>プラグインを作る、でもよいのですが、</a:t>
-            </a:r>
-            <a:r>
-              <a:rPr kumimoji="1" lang="en-US" altLang="ja-JP" dirty="0"/>
-              <a:t>C</a:t>
-            </a:r>
-            <a:r>
-              <a:rPr kumimoji="1" lang="ja-JP" altLang="en-US" dirty="0"/>
-              <a:t>言語では</a:t>
-            </a:r>
-            <a:r>
-              <a:rPr kumimoji="1" lang="en-US" altLang="ja-JP" dirty="0"/>
-              <a:t>HTTP</a:t>
-            </a:r>
-            <a:r>
-              <a:rPr kumimoji="1" lang="ja-JP" altLang="en-US" dirty="0"/>
-              <a:t>リクエストの組み立てや、</a:t>
-            </a:r>
-            <a:r>
-              <a:rPr kumimoji="1" lang="en-US" altLang="ja-JP" dirty="0"/>
-              <a:t>JSON</a:t>
-            </a:r>
-            <a:r>
-              <a:rPr kumimoji="1" lang="ja-JP" altLang="en-US" dirty="0"/>
-              <a:t>へのエンコードをすべて手で書かないといけないため、</a:t>
-            </a:r>
-            <a:r>
-              <a:rPr kumimoji="1" lang="en-US" altLang="ja-JP" dirty="0"/>
-              <a:t>Golang</a:t>
-            </a:r>
-            <a:r>
-              <a:rPr kumimoji="1" lang="ja-JP" altLang="en-US" dirty="0"/>
-              <a:t>で</a:t>
-            </a:r>
-            <a:r>
-              <a:rPr kumimoji="1" lang="en-US" altLang="ja-JP" dirty="0"/>
-              <a:t>Loki</a:t>
-            </a:r>
-            <a:r>
-              <a:rPr kumimoji="1" lang="ja-JP" altLang="en-US" dirty="0"/>
-              <a:t>の</a:t>
-            </a:r>
-            <a:r>
-              <a:rPr kumimoji="1" lang="en-US" altLang="ja-JP" dirty="0" err="1"/>
-              <a:t>gRPC</a:t>
-            </a:r>
-            <a:r>
-              <a:rPr kumimoji="1" lang="ja-JP" altLang="en-US" dirty="0"/>
-              <a:t>を使うように作成する方針を決めました。</a:t>
+              <a:t>へログを送信する箇所です。</a:t>
             </a:r>
           </a:p>
         </p:txBody>
@@ -3565,7 +3082,7 @@
           <a:p>
             <a:fld id="{8E3142AE-6E51-4A92-A93B-CC4267427FC5}" type="slidenum">
               <a:rPr kumimoji="1" lang="ja-JP" altLang="en-US" smtClean="0"/>
-              <a:t>9</a:t>
+              <a:t>10</a:t>
             </a:fld>
             <a:endParaRPr kumimoji="1" lang="ja-JP" altLang="en-US"/>
           </a:p>
@@ -3574,7 +3091,7 @@
     </p:spTree>
     <p:extLst>
       <p:ext uri="{BB962C8B-B14F-4D97-AF65-F5344CB8AC3E}">
-        <p14:creationId xmlns:p14="http://schemas.microsoft.com/office/powerpoint/2010/main" val="2266360117"/>
+        <p14:creationId xmlns:p14="http://schemas.microsoft.com/office/powerpoint/2010/main" val="3913364248"/>
       </p:ext>
     </p:extLst>
   </p:cSld>
@@ -3630,37 +3147,15 @@
           <a:p>
             <a:r>
               <a:rPr kumimoji="1" lang="ja-JP" altLang="en-US" dirty="0"/>
-              <a:t>では、実際に</a:t>
-            </a:r>
-            <a:r>
-              <a:rPr kumimoji="1" lang="en-US" altLang="ja-JP" dirty="0"/>
-              <a:t>Golang</a:t>
+              <a:t>まとめると、</a:t>
+            </a:r>
+            <a:r>
+              <a:rPr kumimoji="1" lang="en-US" altLang="ja-JP" dirty="0" err="1"/>
+              <a:t>gRPC</a:t>
             </a:r>
             <a:r>
               <a:rPr kumimoji="1" lang="ja-JP" altLang="en-US" dirty="0"/>
-              <a:t>のコードを使って</a:t>
-            </a:r>
-            <a:r>
-              <a:rPr kumimoji="1" lang="en-US" altLang="ja-JP" dirty="0"/>
-              <a:t>Grafana/Loki</a:t>
-            </a:r>
-            <a:r>
-              <a:rPr kumimoji="1" lang="ja-JP" altLang="en-US" dirty="0"/>
-              <a:t>にログを送信する方法を見ていきます。</a:t>
-            </a:r>
-            <a:endParaRPr kumimoji="1" lang="en-US" altLang="ja-JP" dirty="0"/>
-          </a:p>
-          <a:p>
-            <a:r>
-              <a:rPr kumimoji="1" lang="ja-JP" altLang="en-US" dirty="0"/>
-              <a:t>例として挙げるコードはエラー処理を省いているので、実際にはちゃんとエラー処理が必要です。</a:t>
-            </a:r>
-            <a:endParaRPr kumimoji="1" lang="en-US" altLang="ja-JP" dirty="0"/>
-          </a:p>
-          <a:p>
-            <a:r>
-              <a:rPr kumimoji="1" lang="ja-JP" altLang="en-US" dirty="0"/>
-              <a:t>色々と書いてありますが、肝心な箇所は</a:t>
+              <a:t>で送るには、</a:t>
             </a:r>
             <a:r>
               <a:rPr kumimoji="1" lang="en-US" altLang="ja-JP" dirty="0" err="1"/>
@@ -3668,15 +3163,54 @@
             </a:r>
             <a:r>
               <a:rPr kumimoji="1" lang="ja-JP" altLang="en-US" dirty="0"/>
-              <a:t>のクライアントを作成し、そのクライアントを使って</a:t>
+              <a:t>のクライアントインスタンスを作成し、そのインスタンスの</a:t>
             </a:r>
             <a:r>
               <a:rPr kumimoji="1" lang="en-US" altLang="ja-JP" dirty="0"/>
-              <a:t>Loki</a:t>
+              <a:t>API</a:t>
             </a:r>
             <a:r>
               <a:rPr kumimoji="1" lang="ja-JP" altLang="en-US" dirty="0"/>
-              <a:t>へログを送信する箇所です。</a:t>
+              <a:t>を使ってログを送信します。</a:t>
+            </a:r>
+            <a:endParaRPr kumimoji="1" lang="en-US" altLang="ja-JP" dirty="0"/>
+          </a:p>
+          <a:p>
+            <a:r>
+              <a:rPr kumimoji="1" lang="ja-JP" altLang="en-US" dirty="0"/>
+              <a:t>この時、</a:t>
+            </a:r>
+            <a:r>
+              <a:rPr kumimoji="1" lang="en-US" altLang="ja-JP" dirty="0" err="1"/>
+              <a:t>gRPC</a:t>
+            </a:r>
+            <a:r>
+              <a:rPr kumimoji="1" lang="ja-JP" altLang="en-US" dirty="0"/>
+              <a:t>を使った</a:t>
+            </a:r>
+            <a:r>
+              <a:rPr kumimoji="1" lang="en-US" altLang="ja-JP" dirty="0"/>
+              <a:t>API</a:t>
+            </a:r>
+            <a:r>
+              <a:rPr kumimoji="1" lang="ja-JP" altLang="en-US" dirty="0"/>
+              <a:t>の</a:t>
+            </a:r>
+            <a:r>
+              <a:rPr kumimoji="1" lang="en-US" altLang="ja-JP" dirty="0"/>
+              <a:t>Handle</a:t>
+            </a:r>
+            <a:r>
+              <a:rPr kumimoji="1" lang="ja-JP" altLang="en-US" dirty="0"/>
+              <a:t>関数は内部でバッチ的に送られるため、非同期な</a:t>
+            </a:r>
+            <a:r>
+              <a:rPr kumimoji="1" lang="en-US" altLang="ja-JP" dirty="0"/>
+              <a:t>API</a:t>
+            </a:r>
+            <a:r>
+              <a:rPr kumimoji="1" lang="ja-JP" altLang="en-US" dirty="0"/>
+              <a:t>ということに注意します。</a:t>
             </a:r>
           </a:p>
         </p:txBody>
@@ -3698,7 +3232,7 @@
           <a:p>
             <a:fld id="{8E3142AE-6E51-4A92-A93B-CC4267427FC5}" type="slidenum">
               <a:rPr kumimoji="1" lang="ja-JP" altLang="en-US" smtClean="0"/>
-              <a:t>10</a:t>
+              <a:t>11</a:t>
             </a:fld>
             <a:endParaRPr kumimoji="1" lang="ja-JP" altLang="en-US"/>
           </a:p>
@@ -3707,7 +3241,7 @@
     </p:spTree>
     <p:extLst>
       <p:ext uri="{BB962C8B-B14F-4D97-AF65-F5344CB8AC3E}">
-        <p14:creationId xmlns:p14="http://schemas.microsoft.com/office/powerpoint/2010/main" val="3913364248"/>
+        <p14:creationId xmlns:p14="http://schemas.microsoft.com/office/powerpoint/2010/main" val="3676938967"/>
       </p:ext>
     </p:extLst>
   </p:cSld>
@@ -4432,7 +3966,7 @@
           <a:p>
             <a:fld id="{53235D1F-0741-40E3-B9F5-9646A1C97BC9}" type="datetimeFigureOut">
               <a:rPr kumimoji="1" lang="ja-JP" altLang="en-US" smtClean="0"/>
-              <a:t>2020/1/15</a:t>
+              <a:t>2020/1/16</a:t>
             </a:fld>
             <a:endParaRPr kumimoji="1" lang="ja-JP" altLang="en-US"/>
           </a:p>
@@ -9743,7 +9277,7 @@
           <p:cNvPr id="2" name="タイトル 1">
             <a:extLst>
               <a:ext uri="{FF2B5EF4-FFF2-40B4-BE49-F238E27FC236}">
-                <a16:creationId xmlns:a16="http://schemas.microsoft.com/office/drawing/2014/main" id="{89BA5823-12B0-40C5-B566-84DF8664B65B}"/>
+                <a16:creationId xmlns:a16="http://schemas.microsoft.com/office/drawing/2014/main" id="{EA6E00E7-6104-4636-A8BD-B6C760D4403F}"/>
               </a:ext>
             </a:extLst>
           </p:cNvPr>
@@ -9797,7 +9331,7 @@
           <p:cNvPr id="3" name="字幕 2">
             <a:extLst>
               <a:ext uri="{FF2B5EF4-FFF2-40B4-BE49-F238E27FC236}">
-                <a16:creationId xmlns:a16="http://schemas.microsoft.com/office/drawing/2014/main" id="{558342D6-2566-46E4-8C57-7BAE79ACF6AD}"/>
+                <a16:creationId xmlns:a16="http://schemas.microsoft.com/office/drawing/2014/main" id="{647C3B81-7B42-4FE7-BAFF-3F84CA3CF645}"/>
               </a:ext>
             </a:extLst>
           </p:cNvPr>
@@ -9810,8 +9344,8 @@
         </p:nvSpPr>
         <p:spPr>
           <a:xfrm>
-            <a:off x="504000" y="3209306"/>
-            <a:ext cx="9071640" cy="1717393"/>
+            <a:off x="504000" y="2906143"/>
+            <a:ext cx="9071640" cy="2323713"/>
           </a:xfrm>
         </p:spPr>
         <p:txBody>
@@ -9819,16 +9353,13 @@
           <a:lstStyle/>
           <a:p>
             <a:r>
-              <a:rPr kumimoji="1" lang="ja-JP" altLang="en-US" dirty="0"/>
+              <a:rPr lang="ja-JP" altLang="en-US" dirty="0"/>
               <a:t>作った理由は？</a:t>
             </a:r>
-            <a:endParaRPr kumimoji="1" lang="en-US" altLang="ja-JP" dirty="0"/>
-          </a:p>
-          <a:p>
-            <a:pPr marL="285750" lvl="1" indent="-285750">
-              <a:buFont typeface="Arial" panose="020B0604020202020204" pitchFamily="34" charset="0"/>
-              <a:buChar char="•"/>
-            </a:pPr>
+            <a:endParaRPr lang="en-US" altLang="ja-JP" dirty="0"/>
+          </a:p>
+          <a:p>
+            <a:pPr marL="742950" lvl="2" indent="-285750"/>
             <a:r>
               <a:rPr lang="ja-JP" altLang="en-US" dirty="0"/>
               <a:t>同じログコレクターの中の人として</a:t>
@@ -9844,33 +9375,27 @@
             <a:endParaRPr lang="en-US" altLang="ja-JP" dirty="0"/>
           </a:p>
           <a:p>
-            <a:pPr marL="285750" lvl="1" indent="-285750">
-              <a:buFont typeface="Arial" panose="020B0604020202020204" pitchFamily="34" charset="0"/>
-              <a:buChar char="•"/>
-            </a:pPr>
-            <a:r>
-              <a:rPr kumimoji="1" lang="en-US" altLang="ja-JP" dirty="0" err="1"/>
+            <a:pPr marL="742950" lvl="2" indent="-285750"/>
+            <a:r>
+              <a:rPr lang="en-US" altLang="ja-JP" dirty="0" err="1"/>
               <a:t>Promtail</a:t>
             </a:r>
             <a:r>
-              <a:rPr kumimoji="1" lang="ja-JP" altLang="en-US" dirty="0"/>
+              <a:rPr lang="ja-JP" altLang="en-US" dirty="0"/>
               <a:t>よりも慣れ親しんだプロトコルで</a:t>
             </a:r>
             <a:r>
-              <a:rPr kumimoji="1" lang="en-US" altLang="ja-JP" dirty="0"/>
+              <a:rPr lang="en-US" altLang="ja-JP" dirty="0"/>
               <a:t>Loki</a:t>
             </a:r>
             <a:r>
-              <a:rPr kumimoji="1" lang="ja-JP" altLang="en-US" dirty="0"/>
+              <a:rPr lang="ja-JP" altLang="en-US" dirty="0"/>
               <a:t>にログをいれてみたい</a:t>
             </a:r>
-            <a:endParaRPr kumimoji="1" lang="en-US" altLang="ja-JP" dirty="0"/>
-          </a:p>
-          <a:p>
-            <a:pPr marL="285750" lvl="2" indent="-285750">
-              <a:buFont typeface="Arial" panose="020B0604020202020204" pitchFamily="34" charset="0"/>
-              <a:buChar char="•"/>
-            </a:pPr>
+            <a:endParaRPr lang="en-US" altLang="ja-JP" dirty="0"/>
+          </a:p>
+          <a:p>
+            <a:pPr marL="1200150" lvl="4" indent="-285750"/>
             <a:r>
               <a:rPr lang="en-US" altLang="ja-JP" strike="sngStrike" dirty="0" err="1"/>
               <a:t>Promtail</a:t>
@@ -9882,10 +9407,7 @@
             <a:endParaRPr lang="en-US" altLang="ja-JP" strike="sngStrike" dirty="0"/>
           </a:p>
           <a:p>
-            <a:pPr marL="285750" lvl="1" indent="-285750">
-              <a:buFont typeface="Arial" panose="020B0604020202020204" pitchFamily="34" charset="0"/>
-              <a:buChar char="•"/>
-            </a:pPr>
+            <a:pPr marL="742950" lvl="2" indent="-285750"/>
             <a:r>
               <a:rPr lang="ja-JP" altLang="en-US" strike="sngStrike" dirty="0"/>
               <a:t>そこに</a:t>
@@ -9898,14 +9420,16 @@
               <a:rPr lang="ja-JP" altLang="en-US" strike="sngStrike" dirty="0"/>
               <a:t>チケットがあったから</a:t>
             </a:r>
-            <a:endParaRPr kumimoji="1" lang="ja-JP" altLang="en-US" strike="sngStrike" dirty="0"/>
+          </a:p>
+          <a:p>
+            <a:endParaRPr kumimoji="1" lang="ja-JP" altLang="en-US" dirty="0"/>
           </a:p>
         </p:txBody>
       </p:sp>
     </p:spTree>
     <p:extLst>
       <p:ext uri="{BB962C8B-B14F-4D97-AF65-F5344CB8AC3E}">
-        <p14:creationId xmlns:p14="http://schemas.microsoft.com/office/powerpoint/2010/main" val="2470665290"/>
+        <p14:creationId xmlns:p14="http://schemas.microsoft.com/office/powerpoint/2010/main" val="3959542233"/>
       </p:ext>
     </p:extLst>
   </p:cSld>
@@ -11864,7 +11388,7 @@
           <p:cNvPr id="2" name="タイトル 1">
             <a:extLst>
               <a:ext uri="{FF2B5EF4-FFF2-40B4-BE49-F238E27FC236}">
-                <a16:creationId xmlns:a16="http://schemas.microsoft.com/office/drawing/2014/main" id="{579E9A33-CB13-4205-9976-539AB975ED9E}"/>
+                <a16:creationId xmlns:a16="http://schemas.microsoft.com/office/drawing/2014/main" id="{8D6D4682-BA29-4F69-BF03-53FB5C4D3F59}"/>
               </a:ext>
             </a:extLst>
           </p:cNvPr>
@@ -11886,9 +11410,10 @@
           <a:lstStyle/>
           <a:p>
             <a:r>
-              <a:rPr kumimoji="1" lang="ja-JP" altLang="en-US" dirty="0"/>
+              <a:rPr lang="ja-JP" altLang="en-US" dirty="0"/>
               <a:t>自己紹介</a:t>
             </a:r>
+            <a:endParaRPr kumimoji="1" lang="ja-JP" altLang="en-US" dirty="0"/>
           </a:p>
         </p:txBody>
       </p:sp>
@@ -11897,7 +11422,7 @@
           <p:cNvPr id="3" name="字幕 2">
             <a:extLst>
               <a:ext uri="{FF2B5EF4-FFF2-40B4-BE49-F238E27FC236}">
-                <a16:creationId xmlns:a16="http://schemas.microsoft.com/office/drawing/2014/main" id="{B8288114-B074-4DDF-B0C6-23BE2222FF91}"/>
+                <a16:creationId xmlns:a16="http://schemas.microsoft.com/office/drawing/2014/main" id="{3F225124-811B-48B3-9B52-03E6A6D8B035}"/>
               </a:ext>
             </a:extLst>
           </p:cNvPr>
@@ -11910,8 +11435,8 @@
         </p:nvSpPr>
         <p:spPr>
           <a:xfrm>
-            <a:off x="504000" y="1578298"/>
-            <a:ext cx="8716073" cy="5539978"/>
+            <a:off x="504000" y="1643746"/>
+            <a:ext cx="9071640" cy="4848507"/>
           </a:xfrm>
         </p:spPr>
         <p:txBody>
@@ -11922,10 +11447,10 @@
               <a:buNone/>
             </a:pPr>
             <a:r>
-              <a:rPr kumimoji="1" lang="ja-JP" altLang="en-US" sz="4000" dirty="0"/>
+              <a:rPr lang="ja-JP" altLang="en-US" sz="2400" dirty="0"/>
               <a:t>株式会社クリアコード</a:t>
             </a:r>
-            <a:endParaRPr kumimoji="1" lang="en-US" altLang="ja-JP" sz="4000" dirty="0"/>
+            <a:endParaRPr lang="en-US" altLang="ja-JP" sz="2400" dirty="0"/>
           </a:p>
           <a:p>
             <a:pPr marL="0" indent="0">
@@ -11946,16 +11471,16 @@
               <a:buNone/>
             </a:pPr>
             <a:r>
-              <a:rPr kumimoji="1" lang="en-US" altLang="ja-JP" dirty="0"/>
+              <a:rPr lang="en-US" altLang="ja-JP" dirty="0"/>
               <a:t>Twitter: </a:t>
             </a:r>
             <a:r>
-              <a:rPr kumimoji="1" lang="en-US" altLang="ja-JP" dirty="0">
-                <a:hlinkClick r:id="rId3"/>
+              <a:rPr lang="en-US" altLang="ja-JP" dirty="0">
+                <a:hlinkClick r:id="rId2"/>
               </a:rPr>
               <a:t>@cosmo__</a:t>
             </a:r>
-            <a:endParaRPr kumimoji="1" lang="en-US" altLang="ja-JP" dirty="0"/>
+            <a:endParaRPr lang="en-US" altLang="ja-JP" dirty="0"/>
           </a:p>
           <a:p>
             <a:pPr marL="0" indent="0">
@@ -11967,17 +11492,13 @@
             </a:r>
             <a:r>
               <a:rPr lang="en-US" altLang="ja-JP" dirty="0">
-                <a:hlinkClick r:id="rId4"/>
+                <a:hlinkClick r:id="rId3"/>
               </a:rPr>
               <a:t>cosmo0920</a:t>
             </a:r>
             <a:endParaRPr lang="en-US" altLang="ja-JP" dirty="0"/>
           </a:p>
           <a:p>
-            <a:pPr marL="571500" indent="-571500">
-              <a:buFont typeface="Arial" panose="020B0604020202020204" pitchFamily="34" charset="0"/>
-              <a:buChar char="•"/>
-            </a:pPr>
             <a:r>
               <a:rPr lang="ja-JP" altLang="en-US" dirty="0"/>
               <a:t>業務</a:t>
@@ -11985,29 +11506,22 @@
             <a:endParaRPr lang="en-US" altLang="ja-JP" dirty="0"/>
           </a:p>
           <a:p>
-            <a:pPr marL="285750" lvl="1" indent="-285750">
-              <a:buFont typeface="Arial" panose="020B0604020202020204" pitchFamily="34" charset="0"/>
-              <a:buChar char="•"/>
-            </a:pPr>
-            <a:r>
-              <a:rPr kumimoji="1" lang="en-US" altLang="ja-JP" dirty="0" err="1"/>
+            <a:pPr marL="742950" lvl="2" indent="-285750"/>
+            <a:r>
+              <a:rPr lang="en-US" altLang="ja-JP" dirty="0" err="1"/>
               <a:t>Fluentd</a:t>
             </a:r>
             <a:r>
-              <a:rPr kumimoji="1" lang="ja-JP" altLang="en-US" dirty="0"/>
+              <a:rPr lang="ja-JP" altLang="en-US" dirty="0"/>
               <a:t>といくつかの</a:t>
             </a:r>
             <a:r>
-              <a:rPr kumimoji="1" lang="en-US" altLang="ja-JP" dirty="0" err="1"/>
+              <a:rPr lang="en-US" altLang="ja-JP" dirty="0" err="1"/>
               <a:t>Fluentd</a:t>
             </a:r>
             <a:r>
-              <a:rPr kumimoji="1" lang="ja-JP" altLang="en-US" dirty="0"/>
-              <a:t>プラグイン</a:t>
-            </a:r>
-            <a:r>
               <a:rPr lang="ja-JP" altLang="en-US" dirty="0"/>
-              <a:t>の中の人（≠</a:t>
+              <a:t>プラグインの中の人（≠</a:t>
             </a:r>
             <a:r>
               <a:rPr lang="en-US" altLang="ja-JP" dirty="0"/>
@@ -12020,10 +11534,7 @@
             <a:endParaRPr lang="en-US" altLang="ja-JP" dirty="0"/>
           </a:p>
           <a:p>
-            <a:pPr marL="285750" lvl="2" indent="-285750">
-              <a:buFont typeface="Arial" panose="020B0604020202020204" pitchFamily="34" charset="0"/>
-              <a:buChar char="•"/>
-            </a:pPr>
+            <a:pPr marL="1200150" lvl="8" indent="-285750"/>
             <a:r>
               <a:rPr lang="en-US" altLang="ja-JP" dirty="0" err="1"/>
               <a:t>Fluentd</a:t>
@@ -12051,10 +11562,7 @@
             <a:endParaRPr lang="en-US" altLang="ja-JP" dirty="0"/>
           </a:p>
           <a:p>
-            <a:pPr marL="285750" lvl="2" indent="-285750">
-              <a:buFont typeface="Arial" panose="020B0604020202020204" pitchFamily="34" charset="0"/>
-              <a:buChar char="•"/>
-            </a:pPr>
+            <a:pPr marL="1200150" lvl="6" indent="-285750"/>
             <a:r>
               <a:rPr lang="en-US" altLang="ja-JP" dirty="0"/>
               <a:t>fluent-plugin-</a:t>
@@ -12066,10 +11574,7 @@
             <a:endParaRPr lang="en-US" altLang="ja-JP" dirty="0"/>
           </a:p>
           <a:p>
-            <a:pPr marL="285750" lvl="2" indent="-285750">
-              <a:buFont typeface="Arial" panose="020B0604020202020204" pitchFamily="34" charset="0"/>
-              <a:buChar char="•"/>
-            </a:pPr>
+            <a:pPr marL="1200150" lvl="6" indent="-285750"/>
             <a:r>
               <a:rPr lang="en-US" altLang="ja-JP" dirty="0"/>
               <a:t>fluent-plugin-</a:t>
@@ -12081,10 +11586,7 @@
             <a:endParaRPr lang="en-US" altLang="ja-JP" dirty="0"/>
           </a:p>
           <a:p>
-            <a:pPr marL="285750" lvl="2" indent="-285750">
-              <a:buFont typeface="Arial" panose="020B0604020202020204" pitchFamily="34" charset="0"/>
-              <a:buChar char="•"/>
-            </a:pPr>
+            <a:pPr marL="1200150" lvl="6" indent="-285750"/>
             <a:r>
               <a:rPr lang="en-US" altLang="ja-JP" dirty="0"/>
               <a:t>fluent-plugin-windows-</a:t>
@@ -12099,10 +11601,7 @@
             </a:r>
           </a:p>
           <a:p>
-            <a:pPr marL="285750" lvl="1" indent="-285750">
-              <a:buFont typeface="Arial" panose="020B0604020202020204" pitchFamily="34" charset="0"/>
-              <a:buChar char="•"/>
-            </a:pPr>
+            <a:pPr marL="742950" lvl="2" indent="-285750"/>
             <a:r>
               <a:rPr lang="ja-JP" altLang="en-US" dirty="0"/>
               <a:t>産業用半導体メーカーのボードで動く</a:t>
@@ -12118,20 +11617,16 @@
             <a:endParaRPr lang="en-US" altLang="ja-JP" dirty="0"/>
           </a:p>
           <a:p>
-            <a:pPr lvl="1"/>
-            <a:endParaRPr kumimoji="1" lang="en-US" altLang="ja-JP" dirty="0"/>
-          </a:p>
-          <a:p>
             <a:endParaRPr kumimoji="1" lang="ja-JP" altLang="en-US" dirty="0"/>
           </a:p>
         </p:txBody>
       </p:sp>
       <p:pic>
         <p:nvPicPr>
-          <p:cNvPr id="5" name="図 4" descr="おもちゃ, 人形 が含まれている画像&#10;&#10;自動的に生成された説明">
+          <p:cNvPr id="4" name="図 3" descr="おもちゃ, 人形 が含まれている画像&#10;&#10;自動的に生成された説明">
             <a:extLst>
               <a:ext uri="{FF2B5EF4-FFF2-40B4-BE49-F238E27FC236}">
-                <a16:creationId xmlns:a16="http://schemas.microsoft.com/office/drawing/2014/main" id="{1A207308-AC37-4DD3-A628-E135DBC91AF8}"/>
+                <a16:creationId xmlns:a16="http://schemas.microsoft.com/office/drawing/2014/main" id="{31F35386-402F-4F2F-9C70-1470D0E34740}"/>
               </a:ext>
             </a:extLst>
           </p:cNvPr>
@@ -12141,7 +11636,7 @@
           <p:nvPr/>
         </p:nvPicPr>
         <p:blipFill>
-          <a:blip r:embed="rId5">
+          <a:blip r:embed="rId4">
             <a:extLst>
               <a:ext uri="{28A0092B-C50C-407E-A947-70E740481C1C}">
                 <a14:useLocalDpi xmlns:a14="http://schemas.microsoft.com/office/drawing/2010/main" val="0"/>
@@ -12165,7 +11660,7 @@
     </p:spTree>
     <p:extLst>
       <p:ext uri="{BB962C8B-B14F-4D97-AF65-F5344CB8AC3E}">
-        <p14:creationId xmlns:p14="http://schemas.microsoft.com/office/powerpoint/2010/main" val="1518159363"/>
+        <p14:creationId xmlns:p14="http://schemas.microsoft.com/office/powerpoint/2010/main" val="2338580332"/>
       </p:ext>
     </p:extLst>
   </p:cSld>
@@ -13646,7 +13141,7 @@
           <p:cNvPr id="2" name="タイトル 1">
             <a:extLst>
               <a:ext uri="{FF2B5EF4-FFF2-40B4-BE49-F238E27FC236}">
-                <a16:creationId xmlns:a16="http://schemas.microsoft.com/office/drawing/2014/main" id="{79F2C29A-C1F9-4083-804E-8C90464231FE}"/>
+                <a16:creationId xmlns:a16="http://schemas.microsoft.com/office/drawing/2014/main" id="{AF0F7FD8-79FC-4587-B6EA-62C7D7E176B4}"/>
               </a:ext>
             </a:extLst>
           </p:cNvPr>
@@ -13680,7 +13175,7 @@
           <p:cNvPr id="3" name="字幕 2">
             <a:extLst>
               <a:ext uri="{FF2B5EF4-FFF2-40B4-BE49-F238E27FC236}">
-                <a16:creationId xmlns:a16="http://schemas.microsoft.com/office/drawing/2014/main" id="{860671D0-3F98-4F34-B439-CD3A80148743}"/>
+                <a16:creationId xmlns:a16="http://schemas.microsoft.com/office/drawing/2014/main" id="{A83E3841-37D3-4D82-A4BB-293D661FD084}"/>
               </a:ext>
             </a:extLst>
           </p:cNvPr>
@@ -13693,8 +13188,8 @@
         </p:nvSpPr>
         <p:spPr>
           <a:xfrm>
-            <a:off x="504000" y="2766108"/>
-            <a:ext cx="9071640" cy="2603790"/>
+            <a:off x="504000" y="2462944"/>
+            <a:ext cx="9071640" cy="3210110"/>
           </a:xfrm>
         </p:spPr>
         <p:txBody>
@@ -13702,16 +13197,13 @@
           <a:lstStyle/>
           <a:p>
             <a:r>
-              <a:rPr kumimoji="1" lang="ja-JP" altLang="en-US" dirty="0"/>
+              <a:rPr lang="ja-JP" altLang="en-US" dirty="0"/>
               <a:t>独力ではすぐに対応できないプラットフォームに対応できた</a:t>
             </a:r>
-            <a:endParaRPr kumimoji="1" lang="en-US" altLang="ja-JP" dirty="0"/>
-          </a:p>
-          <a:p>
-            <a:pPr marL="285750" lvl="1" indent="-285750">
-              <a:buFont typeface="Arial" panose="020B0604020202020204" pitchFamily="34" charset="0"/>
-              <a:buChar char="•"/>
-            </a:pPr>
+            <a:endParaRPr lang="en-US" altLang="ja-JP" dirty="0"/>
+          </a:p>
+          <a:p>
+            <a:pPr marL="742950" lvl="2" indent="-285750"/>
             <a:r>
               <a:rPr lang="en-US" altLang="ja-JP" dirty="0"/>
               <a:t>Grafana/Loki</a:t>
@@ -13731,96 +13223,85 @@
             <a:endParaRPr lang="en-US" altLang="ja-JP" dirty="0"/>
           </a:p>
           <a:p>
-            <a:pPr marL="285750" lvl="1" indent="-285750">
-              <a:buFont typeface="Arial" panose="020B0604020202020204" pitchFamily="34" charset="0"/>
-              <a:buChar char="•"/>
-            </a:pPr>
+            <a:pPr marL="742950" lvl="2" indent="-285750"/>
             <a:r>
               <a:rPr lang="en-US" altLang="ja-JP" dirty="0"/>
-              <a:t>f</a:t>
-            </a:r>
-            <a:r>
-              <a:rPr kumimoji="1" lang="en-US" altLang="ja-JP" dirty="0"/>
-              <a:t>luent-bit</a:t>
-            </a:r>
-            <a:r>
-              <a:rPr kumimoji="1" lang="ja-JP" altLang="en-US" dirty="0"/>
+              <a:t>fluent-bit</a:t>
+            </a:r>
+            <a:r>
+              <a:rPr lang="ja-JP" altLang="en-US" dirty="0"/>
               <a:t>の</a:t>
             </a:r>
             <a:r>
-              <a:rPr kumimoji="1" lang="en-US" altLang="ja-JP" dirty="0"/>
+              <a:rPr lang="en-US" altLang="ja-JP" dirty="0"/>
               <a:t>go</a:t>
             </a:r>
             <a:r>
-              <a:rPr kumimoji="1" lang="ja-JP" altLang="en-US" dirty="0"/>
+              <a:rPr lang="ja-JP" altLang="en-US" dirty="0"/>
               <a:t>製</a:t>
             </a:r>
             <a:r>
-              <a:rPr kumimoji="1" lang="en-US" altLang="ja-JP" dirty="0" err="1"/>
+              <a:rPr lang="en-US" altLang="ja-JP" dirty="0" err="1"/>
               <a:t>loki</a:t>
             </a:r>
             <a:r>
-              <a:rPr kumimoji="1" lang="ja-JP" altLang="en-US" dirty="0"/>
+              <a:rPr lang="ja-JP" altLang="en-US" dirty="0"/>
               <a:t>プラグインの</a:t>
             </a:r>
             <a:r>
-              <a:rPr kumimoji="1" lang="en-US" altLang="ja-JP" dirty="0"/>
+              <a:rPr lang="en-US" altLang="ja-JP" dirty="0"/>
               <a:t>k8s</a:t>
             </a:r>
             <a:r>
-              <a:rPr kumimoji="1" lang="ja-JP" altLang="en-US" dirty="0"/>
+              <a:rPr lang="ja-JP" altLang="en-US" dirty="0"/>
               <a:t>へのデプロイのための</a:t>
             </a:r>
             <a:r>
-              <a:rPr kumimoji="1" lang="en-US" altLang="ja-JP" dirty="0"/>
+              <a:rPr lang="en-US" altLang="ja-JP" dirty="0"/>
               <a:t>helm chart</a:t>
             </a:r>
             <a:r>
-              <a:rPr kumimoji="1" lang="ja-JP" altLang="en-US" dirty="0"/>
+              <a:rPr lang="ja-JP" altLang="en-US" dirty="0"/>
               <a:t>サポートが入った</a:t>
             </a:r>
             <a:endParaRPr lang="en-US" altLang="ja-JP" dirty="0"/>
           </a:p>
           <a:p>
-            <a:pPr marL="285750" lvl="1" indent="-285750">
-              <a:buFont typeface="Arial" panose="020B0604020202020204" pitchFamily="34" charset="0"/>
-              <a:buChar char="•"/>
-            </a:pPr>
-            <a:r>
-              <a:rPr kumimoji="1" lang="en-US" altLang="ja-JP" dirty="0"/>
+            <a:pPr marL="742950" lvl="2" indent="-285750"/>
+            <a:r>
+              <a:rPr lang="en-US" altLang="ja-JP" dirty="0"/>
               <a:t>Grafana/Loki</a:t>
             </a:r>
             <a:r>
-              <a:rPr kumimoji="1" lang="ja-JP" altLang="en-US" dirty="0"/>
+              <a:rPr lang="ja-JP" altLang="en-US" dirty="0"/>
               <a:t>公式の</a:t>
             </a:r>
             <a:r>
-              <a:rPr kumimoji="1" lang="en-US" altLang="ja-JP" dirty="0"/>
+              <a:rPr lang="en-US" altLang="ja-JP" dirty="0"/>
               <a:t>fluent-bit</a:t>
             </a:r>
             <a:r>
-              <a:rPr kumimoji="1" lang="ja-JP" altLang="en-US" dirty="0"/>
+              <a:rPr lang="ja-JP" altLang="en-US" dirty="0"/>
               <a:t>プラグインの</a:t>
             </a:r>
             <a:r>
-              <a:rPr kumimoji="1" lang="en-US" altLang="ja-JP" dirty="0"/>
+              <a:rPr lang="en-US" altLang="ja-JP" dirty="0"/>
               <a:t>Docker</a:t>
             </a:r>
             <a:r>
-              <a:rPr kumimoji="1" lang="ja-JP" altLang="en-US" dirty="0"/>
+              <a:rPr lang="ja-JP" altLang="en-US" dirty="0"/>
               <a:t>イメージが提供されるようになった</a:t>
             </a:r>
-            <a:endParaRPr kumimoji="1" lang="en-US" altLang="ja-JP" dirty="0"/>
-          </a:p>
-          <a:p>
-            <a:pPr marL="285750" lvl="1" indent="-285750">
-              <a:buFont typeface="Arial" panose="020B0604020202020204" pitchFamily="34" charset="0"/>
-              <a:buChar char="•"/>
-            </a:pPr>
+            <a:endParaRPr lang="en-US" altLang="ja-JP" dirty="0"/>
+          </a:p>
+          <a:p>
+            <a:pPr marL="742950" lvl="2" indent="-285750"/>
             <a:r>
               <a:rPr lang="ja-JP" altLang="en-US" dirty="0"/>
               <a:t>ドキュメントもちゃんと書かれた</a:t>
             </a:r>
+          </a:p>
+          <a:p>
             <a:endParaRPr kumimoji="1" lang="ja-JP" altLang="en-US" dirty="0"/>
           </a:p>
         </p:txBody>
@@ -13828,7 +13309,7 @@
     </p:spTree>
     <p:extLst>
       <p:ext uri="{BB962C8B-B14F-4D97-AF65-F5344CB8AC3E}">
-        <p14:creationId xmlns:p14="http://schemas.microsoft.com/office/powerpoint/2010/main" val="4138964987"/>
+        <p14:creationId xmlns:p14="http://schemas.microsoft.com/office/powerpoint/2010/main" val="2549926549"/>
       </p:ext>
     </p:extLst>
   </p:cSld>
@@ -18218,8 +17699,8 @@
         </p:nvSpPr>
         <p:spPr>
           <a:xfrm>
-            <a:off x="7737313" y="4954138"/>
-            <a:ext cx="815284" cy="387798"/>
+            <a:off x="7737313" y="4926438"/>
+            <a:ext cx="815284" cy="443198"/>
           </a:xfrm>
         </p:spPr>
         <p:txBody>
@@ -18230,10 +17711,10 @@
               <a:buNone/>
             </a:pPr>
             <a:r>
-              <a:rPr kumimoji="1" lang="en-US" altLang="ja-JP" dirty="0"/>
+              <a:rPr kumimoji="1" lang="en-US" altLang="ja-JP" sz="3200" dirty="0"/>
               <a:t>Loki</a:t>
             </a:r>
-            <a:endParaRPr kumimoji="1" lang="ja-JP" altLang="en-US" dirty="0"/>
+            <a:endParaRPr kumimoji="1" lang="ja-JP" altLang="en-US" sz="3200" dirty="0"/>
           </a:p>
         </p:txBody>
       </p:sp>
